--- a/course-website/course-files/slides/L02_ The Internet & Society.pptx
+++ b/course-website/course-files/slides/L02_ The Internet & Society.pptx
@@ -1,51 +1,51 @@
 
 <file path=ppt/presentation.xml><?xml version="1.0" encoding="utf-8"?>
-<p:presentation xmlns:a="http://schemas.openxmlformats.org/drawingml/2006/main" xmlns:r="http://schemas.openxmlformats.org/officeDocument/2006/relationships" xmlns:mc="http://schemas.openxmlformats.org/markup-compatibility/2006" xmlns:mv="urn:schemas-microsoft-com:mac:vml" xmlns:p="http://schemas.openxmlformats.org/presentationml/2006/main" xmlns:c="http://schemas.openxmlformats.org/drawingml/2006/chart" xmlns:dgm="http://schemas.openxmlformats.org/drawingml/2006/diagram" xmlns:o="urn:schemas-microsoft-com:office:office" xmlns:v="urn:schemas-microsoft-com:vml" xmlns:pvml="urn:schemas-microsoft-com:office:powerpoint" xmlns:com="http://schemas.openxmlformats.org/drawingml/2006/compatibility" xmlns:p14="http://schemas.microsoft.com/office/powerpoint/2010/main" xmlns:p15="http://schemas.microsoft.com/office/powerpoint/2012/main" xmlns:ahyp="http://schemas.microsoft.com/office/drawing/2018/hyperlinkcolor" autoCompressPictures="0" embedTrueTypeFonts="1" strictFirstAndLastChars="0" saveSubsetFonts="1">
+<p:presentation xmlns:a="http://schemas.openxmlformats.org/drawingml/2006/main" xmlns:r="http://schemas.openxmlformats.org/officeDocument/2006/relationships" xmlns:p="http://schemas.openxmlformats.org/presentationml/2006/main" strictFirstAndLastChars="0" embedTrueTypeFonts="1" saveSubsetFonts="1" autoCompressPictures="0">
   <p:sldMasterIdLst>
-    <p:sldMasterId id="2147483659" r:id="rId3"/>
+    <p:sldMasterId id="2147483659" r:id="rId1"/>
   </p:sldMasterIdLst>
   <p:notesMasterIdLst>
-    <p:notesMasterId r:id="rId4"/>
+    <p:notesMasterId r:id="rId19"/>
   </p:notesMasterIdLst>
   <p:sldIdLst>
-    <p:sldId id="256" r:id="rId5"/>
-    <p:sldId id="257" r:id="rId6"/>
-    <p:sldId id="258" r:id="rId7"/>
-    <p:sldId id="259" r:id="rId8"/>
-    <p:sldId id="260" r:id="rId9"/>
-    <p:sldId id="261" r:id="rId10"/>
-    <p:sldId id="262" r:id="rId11"/>
-    <p:sldId id="263" r:id="rId12"/>
-    <p:sldId id="264" r:id="rId13"/>
-    <p:sldId id="265" r:id="rId14"/>
-    <p:sldId id="266" r:id="rId15"/>
-    <p:sldId id="267" r:id="rId16"/>
-    <p:sldId id="268" r:id="rId17"/>
-    <p:sldId id="269" r:id="rId18"/>
-    <p:sldId id="270" r:id="rId19"/>
-    <p:sldId id="271" r:id="rId20"/>
-    <p:sldId id="272" r:id="rId21"/>
+    <p:sldId id="256" r:id="rId2"/>
+    <p:sldId id="257" r:id="rId3"/>
+    <p:sldId id="258" r:id="rId4"/>
+    <p:sldId id="259" r:id="rId5"/>
+    <p:sldId id="260" r:id="rId6"/>
+    <p:sldId id="261" r:id="rId7"/>
+    <p:sldId id="262" r:id="rId8"/>
+    <p:sldId id="263" r:id="rId9"/>
+    <p:sldId id="264" r:id="rId10"/>
+    <p:sldId id="265" r:id="rId11"/>
+    <p:sldId id="266" r:id="rId12"/>
+    <p:sldId id="267" r:id="rId13"/>
+    <p:sldId id="268" r:id="rId14"/>
+    <p:sldId id="269" r:id="rId15"/>
+    <p:sldId id="270" r:id="rId16"/>
+    <p:sldId id="271" r:id="rId17"/>
+    <p:sldId id="272" r:id="rId18"/>
   </p:sldIdLst>
-  <p:sldSz cy="5143500" cx="9144000"/>
+  <p:sldSz cx="9144000" cy="5143500" type="screen16x9"/>
   <p:notesSz cx="6858000" cy="9144000"/>
   <p:embeddedFontLst>
     <p:embeddedFont>
-      <p:font typeface="Montserrat"/>
-      <p:regular r:id="rId22"/>
-      <p:bold r:id="rId23"/>
-      <p:italic r:id="rId24"/>
-      <p:boldItalic r:id="rId25"/>
+      <p:font typeface="Montserrat" pitchFamily="2" charset="77"/>
+      <p:regular r:id="rId20"/>
+      <p:bold r:id="rId21"/>
+      <p:italic r:id="rId22"/>
+      <p:boldItalic r:id="rId23"/>
     </p:embeddedFont>
     <p:embeddedFont>
-      <p:font typeface="Open Sans"/>
-      <p:regular r:id="rId26"/>
-      <p:bold r:id="rId27"/>
-      <p:italic r:id="rId28"/>
-      <p:boldItalic r:id="rId29"/>
+      <p:font typeface="Open Sans" panose="020B0606030504020204" pitchFamily="34" charset="0"/>
+      <p:regular r:id="rId24"/>
+      <p:bold r:id="rId25"/>
+      <p:italic r:id="rId26"/>
+      <p:boldItalic r:id="rId27"/>
     </p:embeddedFont>
   </p:embeddedFontLst>
   <p:defaultTextStyle>
-    <a:defPPr lvl="0" marR="0" rtl="0" algn="l">
+    <a:defPPr marR="0" lvl="0" algn="l" rtl="0">
       <a:lnSpc>
         <a:spcPct val="100000"/>
       </a:lnSpc>
@@ -56,7 +56,7 @@
         <a:spcPts val="0"/>
       </a:spcAft>
     </a:defPPr>
-    <a:lvl1pPr lvl="0" marR="0" rtl="0" algn="l">
+    <a:lvl1pPr marR="0" lvl="0" algn="l" rtl="0">
       <a:lnSpc>
         <a:spcPct val="100000"/>
       </a:lnSpc>
@@ -70,7 +70,7 @@
         <a:srgbClr val="000000"/>
       </a:buClr>
       <a:buFont typeface="Arial"/>
-      <a:defRPr b="0" i="0" sz="1400" u="none" cap="none" strike="noStrike">
+      <a:defRPr sz="1400" b="0" i="0" u="none" strike="noStrike" cap="none">
         <a:solidFill>
           <a:srgbClr val="000000"/>
         </a:solidFill>
@@ -80,7 +80,7 @@
         <a:sym typeface="Arial"/>
       </a:defRPr>
     </a:lvl1pPr>
-    <a:lvl2pPr lvl="1" marR="0" rtl="0" algn="l">
+    <a:lvl2pPr marR="0" lvl="1" algn="l" rtl="0">
       <a:lnSpc>
         <a:spcPct val="100000"/>
       </a:lnSpc>
@@ -94,7 +94,7 @@
         <a:srgbClr val="000000"/>
       </a:buClr>
       <a:buFont typeface="Arial"/>
-      <a:defRPr b="0" i="0" sz="1400" u="none" cap="none" strike="noStrike">
+      <a:defRPr sz="1400" b="0" i="0" u="none" strike="noStrike" cap="none">
         <a:solidFill>
           <a:srgbClr val="000000"/>
         </a:solidFill>
@@ -104,7 +104,7 @@
         <a:sym typeface="Arial"/>
       </a:defRPr>
     </a:lvl2pPr>
-    <a:lvl3pPr lvl="2" marR="0" rtl="0" algn="l">
+    <a:lvl3pPr marR="0" lvl="2" algn="l" rtl="0">
       <a:lnSpc>
         <a:spcPct val="100000"/>
       </a:lnSpc>
@@ -118,7 +118,7 @@
         <a:srgbClr val="000000"/>
       </a:buClr>
       <a:buFont typeface="Arial"/>
-      <a:defRPr b="0" i="0" sz="1400" u="none" cap="none" strike="noStrike">
+      <a:defRPr sz="1400" b="0" i="0" u="none" strike="noStrike" cap="none">
         <a:solidFill>
           <a:srgbClr val="000000"/>
         </a:solidFill>
@@ -128,7 +128,7 @@
         <a:sym typeface="Arial"/>
       </a:defRPr>
     </a:lvl3pPr>
-    <a:lvl4pPr lvl="3" marR="0" rtl="0" algn="l">
+    <a:lvl4pPr marR="0" lvl="3" algn="l" rtl="0">
       <a:lnSpc>
         <a:spcPct val="100000"/>
       </a:lnSpc>
@@ -142,7 +142,7 @@
         <a:srgbClr val="000000"/>
       </a:buClr>
       <a:buFont typeface="Arial"/>
-      <a:defRPr b="0" i="0" sz="1400" u="none" cap="none" strike="noStrike">
+      <a:defRPr sz="1400" b="0" i="0" u="none" strike="noStrike" cap="none">
         <a:solidFill>
           <a:srgbClr val="000000"/>
         </a:solidFill>
@@ -152,7 +152,7 @@
         <a:sym typeface="Arial"/>
       </a:defRPr>
     </a:lvl4pPr>
-    <a:lvl5pPr lvl="4" marR="0" rtl="0" algn="l">
+    <a:lvl5pPr marR="0" lvl="4" algn="l" rtl="0">
       <a:lnSpc>
         <a:spcPct val="100000"/>
       </a:lnSpc>
@@ -166,7 +166,7 @@
         <a:srgbClr val="000000"/>
       </a:buClr>
       <a:buFont typeface="Arial"/>
-      <a:defRPr b="0" i="0" sz="1400" u="none" cap="none" strike="noStrike">
+      <a:defRPr sz="1400" b="0" i="0" u="none" strike="noStrike" cap="none">
         <a:solidFill>
           <a:srgbClr val="000000"/>
         </a:solidFill>
@@ -176,7 +176,7 @@
         <a:sym typeface="Arial"/>
       </a:defRPr>
     </a:lvl5pPr>
-    <a:lvl6pPr lvl="5" marR="0" rtl="0" algn="l">
+    <a:lvl6pPr marR="0" lvl="5" algn="l" rtl="0">
       <a:lnSpc>
         <a:spcPct val="100000"/>
       </a:lnSpc>
@@ -190,7 +190,7 @@
         <a:srgbClr val="000000"/>
       </a:buClr>
       <a:buFont typeface="Arial"/>
-      <a:defRPr b="0" i="0" sz="1400" u="none" cap="none" strike="noStrike">
+      <a:defRPr sz="1400" b="0" i="0" u="none" strike="noStrike" cap="none">
         <a:solidFill>
           <a:srgbClr val="000000"/>
         </a:solidFill>
@@ -200,7 +200,7 @@
         <a:sym typeface="Arial"/>
       </a:defRPr>
     </a:lvl6pPr>
-    <a:lvl7pPr lvl="6" marR="0" rtl="0" algn="l">
+    <a:lvl7pPr marR="0" lvl="6" algn="l" rtl="0">
       <a:lnSpc>
         <a:spcPct val="100000"/>
       </a:lnSpc>
@@ -214,7 +214,7 @@
         <a:srgbClr val="000000"/>
       </a:buClr>
       <a:buFont typeface="Arial"/>
-      <a:defRPr b="0" i="0" sz="1400" u="none" cap="none" strike="noStrike">
+      <a:defRPr sz="1400" b="0" i="0" u="none" strike="noStrike" cap="none">
         <a:solidFill>
           <a:srgbClr val="000000"/>
         </a:solidFill>
@@ -224,7 +224,7 @@
         <a:sym typeface="Arial"/>
       </a:defRPr>
     </a:lvl7pPr>
-    <a:lvl8pPr lvl="7" marR="0" rtl="0" algn="l">
+    <a:lvl8pPr marR="0" lvl="7" algn="l" rtl="0">
       <a:lnSpc>
         <a:spcPct val="100000"/>
       </a:lnSpc>
@@ -238,7 +238,7 @@
         <a:srgbClr val="000000"/>
       </a:buClr>
       <a:buFont typeface="Arial"/>
-      <a:defRPr b="0" i="0" sz="1400" u="none" cap="none" strike="noStrike">
+      <a:defRPr sz="1400" b="0" i="0" u="none" strike="noStrike" cap="none">
         <a:solidFill>
           <a:srgbClr val="000000"/>
         </a:solidFill>
@@ -248,7 +248,7 @@
         <a:sym typeface="Arial"/>
       </a:defRPr>
     </a:lvl8pPr>
-    <a:lvl9pPr lvl="8" marR="0" rtl="0" algn="l">
+    <a:lvl9pPr marR="0" lvl="8" algn="l" rtl="0">
       <a:lnSpc>
         <a:spcPct val="100000"/>
       </a:lnSpc>
@@ -262,7 +262,7 @@
         <a:srgbClr val="000000"/>
       </a:buClr>
       <a:buFont typeface="Arial"/>
-      <a:defRPr b="0" i="0" sz="1400" u="none" cap="none" strike="noStrike">
+      <a:defRPr sz="1400" b="0" i="0" u="none" strike="noStrike" cap="none">
         <a:solidFill>
           <a:srgbClr val="000000"/>
         </a:solidFill>
@@ -277,11 +277,16 @@
 </file>
 
 <file path=ppt/notesMasters/notesMaster1.xml><?xml version="1.0" encoding="utf-8"?>
-<p:notesMaster xmlns:a="http://schemas.openxmlformats.org/drawingml/2006/main" xmlns:r="http://schemas.openxmlformats.org/officeDocument/2006/relationships" xmlns:mc="http://schemas.openxmlformats.org/markup-compatibility/2006" xmlns:mv="urn:schemas-microsoft-com:mac:vml" xmlns:p="http://schemas.openxmlformats.org/presentationml/2006/main" xmlns:c="http://schemas.openxmlformats.org/drawingml/2006/chart" xmlns:dgm="http://schemas.openxmlformats.org/drawingml/2006/diagram" xmlns:o="urn:schemas-microsoft-com:office:office" xmlns:v="urn:schemas-microsoft-com:vml" xmlns:pvml="urn:schemas-microsoft-com:office:powerpoint" xmlns:com="http://schemas.openxmlformats.org/drawingml/2006/compatibility" xmlns:p14="http://schemas.microsoft.com/office/powerpoint/2010/main" xmlns:p15="http://schemas.microsoft.com/office/powerpoint/2012/main" xmlns:ahyp="http://schemas.microsoft.com/office/drawing/2018/hyperlinkcolor">
+<p:notesMaster xmlns:a="http://schemas.openxmlformats.org/drawingml/2006/main" xmlns:r="http://schemas.openxmlformats.org/officeDocument/2006/relationships" xmlns:p="http://schemas.openxmlformats.org/presentationml/2006/main">
   <p:cSld>
+    <p:bg>
+      <p:bgRef idx="1001">
+        <a:schemeClr val="bg1"/>
+      </p:bgRef>
+    </p:bg>
     <p:spTree>
       <p:nvGrpSpPr>
-        <p:cNvPr id="2" name="Shape 2"/>
+        <p:cNvPr id="1" name="Shape 2"/>
         <p:cNvGrpSpPr/>
         <p:nvPr/>
       </p:nvGrpSpPr>
@@ -296,9 +301,11 @@
       <p:sp>
         <p:nvSpPr>
           <p:cNvPr id="3" name="Google Shape;3;n"/>
-          <p:cNvSpPr/>
+          <p:cNvSpPr>
+            <a:spLocks noGrp="1" noRot="1" noChangeAspect="1"/>
+          </p:cNvSpPr>
           <p:nvPr>
-            <p:ph idx="2" type="sldImg"/>
+            <p:ph type="sldImg" idx="2"/>
           </p:nvPr>
         </p:nvSpPr>
         <p:spPr>
@@ -307,9 +314,13 @@
             <a:ext cx="6096075" cy="3429000"/>
           </a:xfrm>
           <a:custGeom>
-            <a:rect b="b" l="l" r="r" t="t"/>
+            <a:avLst/>
+            <a:gdLst/>
+            <a:ahLst/>
+            <a:cxnLst/>
+            <a:rect l="l" t="t" r="r" b="b"/>
             <a:pathLst>
-              <a:path extrusionOk="0" h="120000" w="120000">
+              <a:path w="120000" h="120000" extrusionOk="0">
                 <a:moveTo>
                   <a:pt x="0" y="0"/>
                 </a:moveTo>
@@ -327,23 +338,25 @@
             </a:pathLst>
           </a:custGeom>
           <a:noFill/>
-          <a:ln cap="flat" cmpd="sng" w="9525">
+          <a:ln w="9525" cap="flat" cmpd="sng">
             <a:solidFill>
               <a:srgbClr val="000000"/>
             </a:solidFill>
             <a:prstDash val="solid"/>
             <a:round/>
-            <a:headEnd len="sm" w="sm" type="none"/>
-            <a:tailEnd len="sm" w="sm" type="none"/>
+            <a:headEnd type="none" w="sm" len="sm"/>
+            <a:tailEnd type="none" w="sm" len="sm"/>
           </a:ln>
         </p:spPr>
       </p:sp>
       <p:sp>
         <p:nvSpPr>
           <p:cNvPr id="4" name="Google Shape;4;n"/>
-          <p:cNvSpPr txBox="1"/>
+          <p:cNvSpPr txBox="1">
+            <a:spLocks noGrp="1"/>
+          </p:cNvSpPr>
           <p:nvPr>
-            <p:ph idx="1" type="body"/>
+            <p:ph type="body" idx="1"/>
           </p:nvPr>
         </p:nvSpPr>
         <p:spPr>
@@ -360,11 +373,11 @@
           </a:ln>
         </p:spPr>
         <p:txBody>
-          <a:bodyPr anchorCtr="0" anchor="t" bIns="91425" lIns="91425" spcFirstLastPara="1" rIns="91425" wrap="square" tIns="91425">
+          <a:bodyPr spcFirstLastPara="1" wrap="square" lIns="91425" tIns="91425" rIns="91425" bIns="91425" anchor="t" anchorCtr="0">
             <a:noAutofit/>
           </a:bodyPr>
           <a:lstStyle>
-            <a:lvl1pPr indent="-317500" lvl="0" marL="457200">
+            <a:lvl1pPr marL="457200" lvl="0" indent="-317500">
               <a:spcBef>
                 <a:spcPts val="0"/>
               </a:spcBef>
@@ -375,7 +388,7 @@
               <a:buChar char="●"/>
               <a:defRPr sz="1100"/>
             </a:lvl1pPr>
-            <a:lvl2pPr indent="-317500" lvl="1" marL="914400">
+            <a:lvl2pPr marL="914400" lvl="1" indent="-317500">
               <a:spcBef>
                 <a:spcPts val="0"/>
               </a:spcBef>
@@ -386,7 +399,7 @@
               <a:buChar char="○"/>
               <a:defRPr sz="1100"/>
             </a:lvl2pPr>
-            <a:lvl3pPr indent="-317500" lvl="2" marL="1371600">
+            <a:lvl3pPr marL="1371600" lvl="2" indent="-317500">
               <a:spcBef>
                 <a:spcPts val="0"/>
               </a:spcBef>
@@ -397,7 +410,7 @@
               <a:buChar char="■"/>
               <a:defRPr sz="1100"/>
             </a:lvl3pPr>
-            <a:lvl4pPr indent="-317500" lvl="3" marL="1828800">
+            <a:lvl4pPr marL="1828800" lvl="3" indent="-317500">
               <a:spcBef>
                 <a:spcPts val="0"/>
               </a:spcBef>
@@ -408,7 +421,7 @@
               <a:buChar char="●"/>
               <a:defRPr sz="1100"/>
             </a:lvl4pPr>
-            <a:lvl5pPr indent="-317500" lvl="4" marL="2286000">
+            <a:lvl5pPr marL="2286000" lvl="4" indent="-317500">
               <a:spcBef>
                 <a:spcPts val="0"/>
               </a:spcBef>
@@ -419,7 +432,7 @@
               <a:buChar char="○"/>
               <a:defRPr sz="1100"/>
             </a:lvl5pPr>
-            <a:lvl6pPr indent="-317500" lvl="5" marL="2743200">
+            <a:lvl6pPr marL="2743200" lvl="5" indent="-317500">
               <a:spcBef>
                 <a:spcPts val="0"/>
               </a:spcBef>
@@ -430,7 +443,7 @@
               <a:buChar char="■"/>
               <a:defRPr sz="1100"/>
             </a:lvl6pPr>
-            <a:lvl7pPr indent="-317500" lvl="6" marL="3200400">
+            <a:lvl7pPr marL="3200400" lvl="6" indent="-317500">
               <a:spcBef>
                 <a:spcPts val="0"/>
               </a:spcBef>
@@ -441,7 +454,7 @@
               <a:buChar char="●"/>
               <a:defRPr sz="1100"/>
             </a:lvl7pPr>
-            <a:lvl8pPr indent="-317500" lvl="7" marL="3657600">
+            <a:lvl8pPr marL="3657600" lvl="7" indent="-317500">
               <a:spcBef>
                 <a:spcPts val="0"/>
               </a:spcBef>
@@ -452,7 +465,7 @@
               <a:buChar char="○"/>
               <a:defRPr sz="1100"/>
             </a:lvl8pPr>
-            <a:lvl9pPr indent="-317500" lvl="8" marL="4114800">
+            <a:lvl9pPr marL="4114800" lvl="8" indent="-317500">
               <a:spcBef>
                 <a:spcPts val="0"/>
               </a:spcBef>
@@ -464,14 +477,16 @@
               <a:defRPr sz="1100"/>
             </a:lvl9pPr>
           </a:lstStyle>
-          <a:p/>
+          <a:p>
+            <a:endParaRPr/>
+          </a:p>
         </p:txBody>
       </p:sp>
     </p:spTree>
   </p:cSld>
-  <p:clrMap accent1="accent1" accent2="accent2" accent3="accent3" accent4="accent4" accent5="accent5" accent6="accent6" bg1="lt1" bg2="dk2" tx1="dk1" tx2="lt2" folHlink="folHlink" hlink="hlink"/>
+  <p:clrMap bg1="lt1" tx1="dk1" bg2="dk2" tx2="lt2" accent1="accent1" accent2="accent2" accent3="accent3" accent4="accent4" accent5="accent5" accent6="accent6" hlink="hlink" folHlink="folHlink"/>
   <p:notesStyle>
-    <a:defPPr lvl="0" marR="0" rtl="0" algn="l">
+    <a:defPPr marR="0" lvl="0" algn="l" rtl="0">
       <a:lnSpc>
         <a:spcPct val="100000"/>
       </a:lnSpc>
@@ -482,7 +497,7 @@
         <a:spcPts val="0"/>
       </a:spcAft>
     </a:defPPr>
-    <a:lvl1pPr lvl="0" marR="0" rtl="0" algn="l">
+    <a:lvl1pPr marR="0" lvl="0" algn="l" rtl="0">
       <a:lnSpc>
         <a:spcPct val="100000"/>
       </a:lnSpc>
@@ -496,7 +511,7 @@
         <a:srgbClr val="000000"/>
       </a:buClr>
       <a:buFont typeface="Arial"/>
-      <a:defRPr b="0" i="0" sz="1400" u="none" cap="none" strike="noStrike">
+      <a:defRPr sz="1400" b="0" i="0" u="none" strike="noStrike" cap="none">
         <a:solidFill>
           <a:srgbClr val="000000"/>
         </a:solidFill>
@@ -506,7 +521,7 @@
         <a:sym typeface="Arial"/>
       </a:defRPr>
     </a:lvl1pPr>
-    <a:lvl2pPr lvl="1" marR="0" rtl="0" algn="l">
+    <a:lvl2pPr marR="0" lvl="1" algn="l" rtl="0">
       <a:lnSpc>
         <a:spcPct val="100000"/>
       </a:lnSpc>
@@ -520,7 +535,7 @@
         <a:srgbClr val="000000"/>
       </a:buClr>
       <a:buFont typeface="Arial"/>
-      <a:defRPr b="0" i="0" sz="1400" u="none" cap="none" strike="noStrike">
+      <a:defRPr sz="1400" b="0" i="0" u="none" strike="noStrike" cap="none">
         <a:solidFill>
           <a:srgbClr val="000000"/>
         </a:solidFill>
@@ -530,7 +545,7 @@
         <a:sym typeface="Arial"/>
       </a:defRPr>
     </a:lvl2pPr>
-    <a:lvl3pPr lvl="2" marR="0" rtl="0" algn="l">
+    <a:lvl3pPr marR="0" lvl="2" algn="l" rtl="0">
       <a:lnSpc>
         <a:spcPct val="100000"/>
       </a:lnSpc>
@@ -544,7 +559,7 @@
         <a:srgbClr val="000000"/>
       </a:buClr>
       <a:buFont typeface="Arial"/>
-      <a:defRPr b="0" i="0" sz="1400" u="none" cap="none" strike="noStrike">
+      <a:defRPr sz="1400" b="0" i="0" u="none" strike="noStrike" cap="none">
         <a:solidFill>
           <a:srgbClr val="000000"/>
         </a:solidFill>
@@ -554,7 +569,7 @@
         <a:sym typeface="Arial"/>
       </a:defRPr>
     </a:lvl3pPr>
-    <a:lvl4pPr lvl="3" marR="0" rtl="0" algn="l">
+    <a:lvl4pPr marR="0" lvl="3" algn="l" rtl="0">
       <a:lnSpc>
         <a:spcPct val="100000"/>
       </a:lnSpc>
@@ -568,7 +583,7 @@
         <a:srgbClr val="000000"/>
       </a:buClr>
       <a:buFont typeface="Arial"/>
-      <a:defRPr b="0" i="0" sz="1400" u="none" cap="none" strike="noStrike">
+      <a:defRPr sz="1400" b="0" i="0" u="none" strike="noStrike" cap="none">
         <a:solidFill>
           <a:srgbClr val="000000"/>
         </a:solidFill>
@@ -578,7 +593,7 @@
         <a:sym typeface="Arial"/>
       </a:defRPr>
     </a:lvl4pPr>
-    <a:lvl5pPr lvl="4" marR="0" rtl="0" algn="l">
+    <a:lvl5pPr marR="0" lvl="4" algn="l" rtl="0">
       <a:lnSpc>
         <a:spcPct val="100000"/>
       </a:lnSpc>
@@ -592,7 +607,7 @@
         <a:srgbClr val="000000"/>
       </a:buClr>
       <a:buFont typeface="Arial"/>
-      <a:defRPr b="0" i="0" sz="1400" u="none" cap="none" strike="noStrike">
+      <a:defRPr sz="1400" b="0" i="0" u="none" strike="noStrike" cap="none">
         <a:solidFill>
           <a:srgbClr val="000000"/>
         </a:solidFill>
@@ -602,7 +617,7 @@
         <a:sym typeface="Arial"/>
       </a:defRPr>
     </a:lvl5pPr>
-    <a:lvl6pPr lvl="5" marR="0" rtl="0" algn="l">
+    <a:lvl6pPr marR="0" lvl="5" algn="l" rtl="0">
       <a:lnSpc>
         <a:spcPct val="100000"/>
       </a:lnSpc>
@@ -616,7 +631,7 @@
         <a:srgbClr val="000000"/>
       </a:buClr>
       <a:buFont typeface="Arial"/>
-      <a:defRPr b="0" i="0" sz="1400" u="none" cap="none" strike="noStrike">
+      <a:defRPr sz="1400" b="0" i="0" u="none" strike="noStrike" cap="none">
         <a:solidFill>
           <a:srgbClr val="000000"/>
         </a:solidFill>
@@ -626,7 +641,7 @@
         <a:sym typeface="Arial"/>
       </a:defRPr>
     </a:lvl6pPr>
-    <a:lvl7pPr lvl="6" marR="0" rtl="0" algn="l">
+    <a:lvl7pPr marR="0" lvl="6" algn="l" rtl="0">
       <a:lnSpc>
         <a:spcPct val="100000"/>
       </a:lnSpc>
@@ -640,7 +655,7 @@
         <a:srgbClr val="000000"/>
       </a:buClr>
       <a:buFont typeface="Arial"/>
-      <a:defRPr b="0" i="0" sz="1400" u="none" cap="none" strike="noStrike">
+      <a:defRPr sz="1400" b="0" i="0" u="none" strike="noStrike" cap="none">
         <a:solidFill>
           <a:srgbClr val="000000"/>
         </a:solidFill>
@@ -650,7 +665,7 @@
         <a:sym typeface="Arial"/>
       </a:defRPr>
     </a:lvl7pPr>
-    <a:lvl8pPr lvl="7" marR="0" rtl="0" algn="l">
+    <a:lvl8pPr marR="0" lvl="7" algn="l" rtl="0">
       <a:lnSpc>
         <a:spcPct val="100000"/>
       </a:lnSpc>
@@ -664,7 +679,7 @@
         <a:srgbClr val="000000"/>
       </a:buClr>
       <a:buFont typeface="Arial"/>
-      <a:defRPr b="0" i="0" sz="1400" u="none" cap="none" strike="noStrike">
+      <a:defRPr sz="1400" b="0" i="0" u="none" strike="noStrike" cap="none">
         <a:solidFill>
           <a:srgbClr val="000000"/>
         </a:solidFill>
@@ -674,7 +689,7 @@
         <a:sym typeface="Arial"/>
       </a:defRPr>
     </a:lvl8pPr>
-    <a:lvl9pPr lvl="8" marR="0" rtl="0" algn="l">
+    <a:lvl9pPr marR="0" lvl="8" algn="l" rtl="0">
       <a:lnSpc>
         <a:spcPct val="100000"/>
       </a:lnSpc>
@@ -688,7 +703,7 @@
         <a:srgbClr val="000000"/>
       </a:buClr>
       <a:buFont typeface="Arial"/>
-      <a:defRPr b="0" i="0" sz="1400" u="none" cap="none" strike="noStrike">
+      <a:defRPr sz="1400" b="0" i="0" u="none" strike="noStrike" cap="none">
         <a:solidFill>
           <a:srgbClr val="000000"/>
         </a:solidFill>
@@ -703,11 +718,11 @@
 </file>
 
 <file path=ppt/notesSlides/notesSlide1.xml><?xml version="1.0" encoding="utf-8"?>
-<p:notes xmlns:a="http://schemas.openxmlformats.org/drawingml/2006/main" xmlns:r="http://schemas.openxmlformats.org/officeDocument/2006/relationships" xmlns:mc="http://schemas.openxmlformats.org/markup-compatibility/2006" xmlns:mv="urn:schemas-microsoft-com:mac:vml" xmlns:p="http://schemas.openxmlformats.org/presentationml/2006/main" xmlns:c="http://schemas.openxmlformats.org/drawingml/2006/chart" xmlns:dgm="http://schemas.openxmlformats.org/drawingml/2006/diagram" xmlns:o="urn:schemas-microsoft-com:office:office" xmlns:v="urn:schemas-microsoft-com:vml" xmlns:pvml="urn:schemas-microsoft-com:office:powerpoint" xmlns:com="http://schemas.openxmlformats.org/drawingml/2006/compatibility" xmlns:p14="http://schemas.microsoft.com/office/powerpoint/2010/main" xmlns:p15="http://schemas.microsoft.com/office/powerpoint/2012/main" xmlns:ahyp="http://schemas.microsoft.com/office/drawing/2018/hyperlinkcolor" showMasterPhAnim="0" showMasterSp="0">
+<p:notes xmlns:a="http://schemas.openxmlformats.org/drawingml/2006/main" xmlns:r="http://schemas.openxmlformats.org/officeDocument/2006/relationships" xmlns:p="http://schemas.openxmlformats.org/presentationml/2006/main" showMasterSp="0" showMasterPhAnim="0">
   <p:cSld>
     <p:spTree>
       <p:nvGrpSpPr>
-        <p:cNvPr id="50" name="Shape 50"/>
+        <p:cNvPr id="1" name="Shape 50"/>
         <p:cNvGrpSpPr/>
         <p:nvPr/>
       </p:nvGrpSpPr>
@@ -722,9 +737,11 @@
       <p:sp>
         <p:nvSpPr>
           <p:cNvPr id="51" name="Google Shape;51;g82c964764c_0_0:notes"/>
-          <p:cNvSpPr/>
+          <p:cNvSpPr>
+            <a:spLocks noGrp="1" noRot="1" noChangeAspect="1"/>
+          </p:cNvSpPr>
           <p:nvPr>
-            <p:ph idx="2" type="sldImg"/>
+            <p:ph type="sldImg" idx="2"/>
           </p:nvPr>
         </p:nvSpPr>
         <p:spPr>
@@ -733,9 +750,13 @@
             <a:ext cx="6096000" cy="3429000"/>
           </a:xfrm>
           <a:custGeom>
-            <a:rect b="b" l="l" r="r" t="t"/>
+            <a:avLst/>
+            <a:gdLst/>
+            <a:ahLst/>
+            <a:cxnLst/>
+            <a:rect l="l" t="t" r="r" b="b"/>
             <a:pathLst>
-              <a:path extrusionOk="0" h="120000" w="120000">
+              <a:path w="120000" h="120000" extrusionOk="0">
                 <a:moveTo>
                   <a:pt x="0" y="0"/>
                 </a:moveTo>
@@ -757,9 +778,11 @@
       <p:sp>
         <p:nvSpPr>
           <p:cNvPr id="52" name="Google Shape;52;g82c964764c_0_0:notes"/>
-          <p:cNvSpPr txBox="1"/>
+          <p:cNvSpPr txBox="1">
+            <a:spLocks noGrp="1"/>
+          </p:cNvSpPr>
           <p:nvPr>
-            <p:ph idx="1" type="body"/>
+            <p:ph type="body" idx="1"/>
           </p:nvPr>
         </p:nvSpPr>
         <p:spPr>
@@ -772,23 +795,20 @@
           </a:prstGeom>
         </p:spPr>
         <p:txBody>
-          <a:bodyPr anchorCtr="0" anchor="t" bIns="91425" lIns="91425" spcFirstLastPara="1" rIns="91425" wrap="square" tIns="91425">
+          <a:bodyPr spcFirstLastPara="1" wrap="square" lIns="91425" tIns="91425" rIns="91425" bIns="91425" anchor="t" anchorCtr="0">
             <a:noAutofit/>
           </a:bodyPr>
           <a:lstStyle/>
           <a:p>
-            <a:pPr indent="0" lvl="0" marL="0" rtl="0" algn="l">
-              <a:spcBef>
-                <a:spcPts val="0"/>
-              </a:spcBef>
-              <a:spcAft>
-                <a:spcPts val="0"/>
-              </a:spcAft>
-              <a:buNone/>
-            </a:pPr>
-            <a:r>
-              <a:t/>
-            </a:r>
+            <a:pPr marL="0" lvl="0" indent="0" algn="l" rtl="0">
+              <a:spcBef>
+                <a:spcPts val="0"/>
+              </a:spcBef>
+              <a:spcAft>
+                <a:spcPts val="0"/>
+              </a:spcAft>
+              <a:buNone/>
+            </a:pPr>
             <a:endParaRPr/>
           </a:p>
         </p:txBody>
@@ -802,11 +822,11 @@
 </file>
 
 <file path=ppt/notesSlides/notesSlide10.xml><?xml version="1.0" encoding="utf-8"?>
-<p:notes xmlns:a="http://schemas.openxmlformats.org/drawingml/2006/main" xmlns:r="http://schemas.openxmlformats.org/officeDocument/2006/relationships" xmlns:mc="http://schemas.openxmlformats.org/markup-compatibility/2006" xmlns:mv="urn:schemas-microsoft-com:mac:vml" xmlns:p="http://schemas.openxmlformats.org/presentationml/2006/main" xmlns:c="http://schemas.openxmlformats.org/drawingml/2006/chart" xmlns:dgm="http://schemas.openxmlformats.org/drawingml/2006/diagram" xmlns:o="urn:schemas-microsoft-com:office:office" xmlns:v="urn:schemas-microsoft-com:vml" xmlns:pvml="urn:schemas-microsoft-com:office:powerpoint" xmlns:com="http://schemas.openxmlformats.org/drawingml/2006/compatibility" xmlns:p14="http://schemas.microsoft.com/office/powerpoint/2010/main" xmlns:p15="http://schemas.microsoft.com/office/powerpoint/2012/main" xmlns:ahyp="http://schemas.microsoft.com/office/drawing/2018/hyperlinkcolor" showMasterPhAnim="0" showMasterSp="0">
+<p:notes xmlns:a="http://schemas.openxmlformats.org/drawingml/2006/main" xmlns:r="http://schemas.openxmlformats.org/officeDocument/2006/relationships" xmlns:p="http://schemas.openxmlformats.org/presentationml/2006/main" showMasterSp="0" showMasterPhAnim="0">
   <p:cSld>
     <p:spTree>
       <p:nvGrpSpPr>
-        <p:cNvPr id="105" name="Shape 105"/>
+        <p:cNvPr id="1" name="Shape 105"/>
         <p:cNvGrpSpPr/>
         <p:nvPr/>
       </p:nvGrpSpPr>
@@ -821,20 +841,26 @@
       <p:sp>
         <p:nvSpPr>
           <p:cNvPr id="106" name="Google Shape;106;g1d2ad900d0a_0_174:notes"/>
-          <p:cNvSpPr/>
+          <p:cNvSpPr>
+            <a:spLocks noGrp="1" noRot="1" noChangeAspect="1"/>
+          </p:cNvSpPr>
           <p:nvPr>
-            <p:ph idx="2" type="sldImg"/>
+            <p:ph type="sldImg" idx="2"/>
           </p:nvPr>
         </p:nvSpPr>
         <p:spPr>
           <a:xfrm>
-            <a:off x="381300" y="685800"/>
+            <a:off x="381000" y="685800"/>
             <a:ext cx="6096000" cy="3429000"/>
           </a:xfrm>
           <a:custGeom>
-            <a:rect b="b" l="l" r="r" t="t"/>
+            <a:avLst/>
+            <a:gdLst/>
+            <a:ahLst/>
+            <a:cxnLst/>
+            <a:rect l="l" t="t" r="r" b="b"/>
             <a:pathLst>
-              <a:path extrusionOk="0" h="120000" w="120000">
+              <a:path w="120000" h="120000" extrusionOk="0">
                 <a:moveTo>
                   <a:pt x="0" y="0"/>
                 </a:moveTo>
@@ -856,9 +882,11 @@
       <p:sp>
         <p:nvSpPr>
           <p:cNvPr id="107" name="Google Shape;107;g1d2ad900d0a_0_174:notes"/>
-          <p:cNvSpPr txBox="1"/>
+          <p:cNvSpPr txBox="1">
+            <a:spLocks noGrp="1"/>
+          </p:cNvSpPr>
           <p:nvPr>
-            <p:ph idx="1" type="body"/>
+            <p:ph type="body" idx="1"/>
           </p:nvPr>
         </p:nvSpPr>
         <p:spPr>
@@ -871,12 +899,12 @@
           </a:prstGeom>
         </p:spPr>
         <p:txBody>
-          <a:bodyPr anchorCtr="0" anchor="t" bIns="91425" lIns="91425" spcFirstLastPara="1" rIns="91425" wrap="square" tIns="91425">
+          <a:bodyPr spcFirstLastPara="1" wrap="square" lIns="91425" tIns="91425" rIns="91425" bIns="91425" anchor="t" anchorCtr="0">
             <a:noAutofit/>
           </a:bodyPr>
           <a:lstStyle/>
           <a:p>
-            <a:pPr indent="-317500" lvl="0" marL="457200" rtl="0" algn="l">
+            <a:pPr marL="457200" lvl="0" indent="-317500" algn="l" rtl="0">
               <a:spcBef>
                 <a:spcPts val="0"/>
               </a:spcBef>
@@ -893,7 +921,7 @@
             <a:endParaRPr/>
           </a:p>
           <a:p>
-            <a:pPr indent="-317500" lvl="0" marL="457200" rtl="0" algn="l">
+            <a:pPr marL="457200" lvl="0" indent="-317500" algn="l" rtl="0">
               <a:spcBef>
                 <a:spcPts val="0"/>
               </a:spcBef>
@@ -910,7 +938,7 @@
             <a:endParaRPr/>
           </a:p>
           <a:p>
-            <a:pPr indent="-317500" lvl="0" marL="457200" rtl="0" algn="l">
+            <a:pPr marL="457200" lvl="0" indent="-317500" algn="l" rtl="0">
               <a:spcBef>
                 <a:spcPts val="0"/>
               </a:spcBef>
@@ -937,11 +965,11 @@
 </file>
 
 <file path=ppt/notesSlides/notesSlide11.xml><?xml version="1.0" encoding="utf-8"?>
-<p:notes xmlns:a="http://schemas.openxmlformats.org/drawingml/2006/main" xmlns:r="http://schemas.openxmlformats.org/officeDocument/2006/relationships" xmlns:mc="http://schemas.openxmlformats.org/markup-compatibility/2006" xmlns:mv="urn:schemas-microsoft-com:mac:vml" xmlns:p="http://schemas.openxmlformats.org/presentationml/2006/main" xmlns:c="http://schemas.openxmlformats.org/drawingml/2006/chart" xmlns:dgm="http://schemas.openxmlformats.org/drawingml/2006/diagram" xmlns:o="urn:schemas-microsoft-com:office:office" xmlns:v="urn:schemas-microsoft-com:vml" xmlns:pvml="urn:schemas-microsoft-com:office:powerpoint" xmlns:com="http://schemas.openxmlformats.org/drawingml/2006/compatibility" xmlns:p14="http://schemas.microsoft.com/office/powerpoint/2010/main" xmlns:p15="http://schemas.microsoft.com/office/powerpoint/2012/main" xmlns:ahyp="http://schemas.microsoft.com/office/drawing/2018/hyperlinkcolor" showMasterPhAnim="0" showMasterSp="0">
+<p:notes xmlns:a="http://schemas.openxmlformats.org/drawingml/2006/main" xmlns:r="http://schemas.openxmlformats.org/officeDocument/2006/relationships" xmlns:p="http://schemas.openxmlformats.org/presentationml/2006/main" showMasterSp="0" showMasterPhAnim="0">
   <p:cSld>
     <p:spTree>
       <p:nvGrpSpPr>
-        <p:cNvPr id="111" name="Shape 111"/>
+        <p:cNvPr id="1" name="Shape 111"/>
         <p:cNvGrpSpPr/>
         <p:nvPr/>
       </p:nvGrpSpPr>
@@ -956,9 +984,11 @@
       <p:sp>
         <p:nvSpPr>
           <p:cNvPr id="112" name="Google Shape;112;g1d235ba2911_0_15:notes"/>
-          <p:cNvSpPr/>
+          <p:cNvSpPr>
+            <a:spLocks noGrp="1" noRot="1" noChangeAspect="1"/>
+          </p:cNvSpPr>
           <p:nvPr>
-            <p:ph idx="2" type="sldImg"/>
+            <p:ph type="sldImg" idx="2"/>
           </p:nvPr>
         </p:nvSpPr>
         <p:spPr>
@@ -967,9 +997,13 @@
             <a:ext cx="6096000" cy="3429000"/>
           </a:xfrm>
           <a:custGeom>
-            <a:rect b="b" l="l" r="r" t="t"/>
+            <a:avLst/>
+            <a:gdLst/>
+            <a:ahLst/>
+            <a:cxnLst/>
+            <a:rect l="l" t="t" r="r" b="b"/>
             <a:pathLst>
-              <a:path extrusionOk="0" h="120000" w="120000">
+              <a:path w="120000" h="120000" extrusionOk="0">
                 <a:moveTo>
                   <a:pt x="0" y="0"/>
                 </a:moveTo>
@@ -991,9 +1025,11 @@
       <p:sp>
         <p:nvSpPr>
           <p:cNvPr id="113" name="Google Shape;113;g1d235ba2911_0_15:notes"/>
-          <p:cNvSpPr txBox="1"/>
+          <p:cNvSpPr txBox="1">
+            <a:spLocks noGrp="1"/>
+          </p:cNvSpPr>
           <p:nvPr>
-            <p:ph idx="1" type="body"/>
+            <p:ph type="body" idx="1"/>
           </p:nvPr>
         </p:nvSpPr>
         <p:spPr>
@@ -1006,23 +1042,20 @@
           </a:prstGeom>
         </p:spPr>
         <p:txBody>
-          <a:bodyPr anchorCtr="0" anchor="t" bIns="91425" lIns="91425" spcFirstLastPara="1" rIns="91425" wrap="square" tIns="91425">
+          <a:bodyPr spcFirstLastPara="1" wrap="square" lIns="91425" tIns="91425" rIns="91425" bIns="91425" anchor="t" anchorCtr="0">
             <a:noAutofit/>
           </a:bodyPr>
           <a:lstStyle/>
           <a:p>
-            <a:pPr indent="0" lvl="0" marL="0" rtl="0" algn="l">
-              <a:spcBef>
-                <a:spcPts val="0"/>
-              </a:spcBef>
-              <a:spcAft>
-                <a:spcPts val="0"/>
-              </a:spcAft>
-              <a:buNone/>
-            </a:pPr>
-            <a:r>
-              <a:t/>
-            </a:r>
+            <a:pPr marL="0" lvl="0" indent="0" algn="l" rtl="0">
+              <a:spcBef>
+                <a:spcPts val="0"/>
+              </a:spcBef>
+              <a:spcAft>
+                <a:spcPts val="0"/>
+              </a:spcAft>
+              <a:buNone/>
+            </a:pPr>
             <a:endParaRPr/>
           </a:p>
         </p:txBody>
@@ -1036,11 +1069,11 @@
 </file>
 
 <file path=ppt/notesSlides/notesSlide12.xml><?xml version="1.0" encoding="utf-8"?>
-<p:notes xmlns:a="http://schemas.openxmlformats.org/drawingml/2006/main" xmlns:r="http://schemas.openxmlformats.org/officeDocument/2006/relationships" xmlns:mc="http://schemas.openxmlformats.org/markup-compatibility/2006" xmlns:mv="urn:schemas-microsoft-com:mac:vml" xmlns:p="http://schemas.openxmlformats.org/presentationml/2006/main" xmlns:c="http://schemas.openxmlformats.org/drawingml/2006/chart" xmlns:dgm="http://schemas.openxmlformats.org/drawingml/2006/diagram" xmlns:o="urn:schemas-microsoft-com:office:office" xmlns:v="urn:schemas-microsoft-com:vml" xmlns:pvml="urn:schemas-microsoft-com:office:powerpoint" xmlns:com="http://schemas.openxmlformats.org/drawingml/2006/compatibility" xmlns:p14="http://schemas.microsoft.com/office/powerpoint/2010/main" xmlns:p15="http://schemas.microsoft.com/office/powerpoint/2012/main" xmlns:ahyp="http://schemas.microsoft.com/office/drawing/2018/hyperlinkcolor" showMasterPhAnim="0" showMasterSp="0">
+<p:notes xmlns:a="http://schemas.openxmlformats.org/drawingml/2006/main" xmlns:r="http://schemas.openxmlformats.org/officeDocument/2006/relationships" xmlns:p="http://schemas.openxmlformats.org/presentationml/2006/main" showMasterSp="0" showMasterPhAnim="0">
   <p:cSld>
     <p:spTree>
       <p:nvGrpSpPr>
-        <p:cNvPr id="117" name="Shape 117"/>
+        <p:cNvPr id="1" name="Shape 117"/>
         <p:cNvGrpSpPr/>
         <p:nvPr/>
       </p:nvGrpSpPr>
@@ -1055,9 +1088,11 @@
       <p:sp>
         <p:nvSpPr>
           <p:cNvPr id="118" name="Google Shape;118;g1d2ad900d0a_0_94:notes"/>
-          <p:cNvSpPr/>
+          <p:cNvSpPr>
+            <a:spLocks noGrp="1" noRot="1" noChangeAspect="1"/>
+          </p:cNvSpPr>
           <p:nvPr>
-            <p:ph idx="2" type="sldImg"/>
+            <p:ph type="sldImg" idx="2"/>
           </p:nvPr>
         </p:nvSpPr>
         <p:spPr>
@@ -1066,9 +1101,13 @@
             <a:ext cx="6096000" cy="3429000"/>
           </a:xfrm>
           <a:custGeom>
-            <a:rect b="b" l="l" r="r" t="t"/>
+            <a:avLst/>
+            <a:gdLst/>
+            <a:ahLst/>
+            <a:cxnLst/>
+            <a:rect l="l" t="t" r="r" b="b"/>
             <a:pathLst>
-              <a:path extrusionOk="0" h="120000" w="120000">
+              <a:path w="120000" h="120000" extrusionOk="0">
                 <a:moveTo>
                   <a:pt x="0" y="0"/>
                 </a:moveTo>
@@ -1090,9 +1129,11 @@
       <p:sp>
         <p:nvSpPr>
           <p:cNvPr id="119" name="Google Shape;119;g1d2ad900d0a_0_94:notes"/>
-          <p:cNvSpPr txBox="1"/>
+          <p:cNvSpPr txBox="1">
+            <a:spLocks noGrp="1"/>
+          </p:cNvSpPr>
           <p:nvPr>
-            <p:ph idx="1" type="body"/>
+            <p:ph type="body" idx="1"/>
           </p:nvPr>
         </p:nvSpPr>
         <p:spPr>
@@ -1105,23 +1146,20 @@
           </a:prstGeom>
         </p:spPr>
         <p:txBody>
-          <a:bodyPr anchorCtr="0" anchor="t" bIns="91425" lIns="91425" spcFirstLastPara="1" rIns="91425" wrap="square" tIns="91425">
+          <a:bodyPr spcFirstLastPara="1" wrap="square" lIns="91425" tIns="91425" rIns="91425" bIns="91425" anchor="t" anchorCtr="0">
             <a:noAutofit/>
           </a:bodyPr>
           <a:lstStyle/>
           <a:p>
-            <a:pPr indent="0" lvl="0" marL="0" rtl="0" algn="l">
-              <a:spcBef>
-                <a:spcPts val="0"/>
-              </a:spcBef>
-              <a:spcAft>
-                <a:spcPts val="0"/>
-              </a:spcAft>
-              <a:buNone/>
-            </a:pPr>
-            <a:r>
-              <a:t/>
-            </a:r>
+            <a:pPr marL="0" lvl="0" indent="0" algn="l" rtl="0">
+              <a:spcBef>
+                <a:spcPts val="0"/>
+              </a:spcBef>
+              <a:spcAft>
+                <a:spcPts val="0"/>
+              </a:spcAft>
+              <a:buNone/>
+            </a:pPr>
             <a:endParaRPr/>
           </a:p>
         </p:txBody>
@@ -1135,11 +1173,11 @@
 </file>
 
 <file path=ppt/notesSlides/notesSlide13.xml><?xml version="1.0" encoding="utf-8"?>
-<p:notes xmlns:a="http://schemas.openxmlformats.org/drawingml/2006/main" xmlns:r="http://schemas.openxmlformats.org/officeDocument/2006/relationships" xmlns:mc="http://schemas.openxmlformats.org/markup-compatibility/2006" xmlns:mv="urn:schemas-microsoft-com:mac:vml" xmlns:p="http://schemas.openxmlformats.org/presentationml/2006/main" xmlns:c="http://schemas.openxmlformats.org/drawingml/2006/chart" xmlns:dgm="http://schemas.openxmlformats.org/drawingml/2006/diagram" xmlns:o="urn:schemas-microsoft-com:office:office" xmlns:v="urn:schemas-microsoft-com:vml" xmlns:pvml="urn:schemas-microsoft-com:office:powerpoint" xmlns:com="http://schemas.openxmlformats.org/drawingml/2006/compatibility" xmlns:p14="http://schemas.microsoft.com/office/powerpoint/2010/main" xmlns:p15="http://schemas.microsoft.com/office/powerpoint/2012/main" xmlns:ahyp="http://schemas.microsoft.com/office/drawing/2018/hyperlinkcolor" showMasterPhAnim="0" showMasterSp="0">
+<p:notes xmlns:a="http://schemas.openxmlformats.org/drawingml/2006/main" xmlns:r="http://schemas.openxmlformats.org/officeDocument/2006/relationships" xmlns:p="http://schemas.openxmlformats.org/presentationml/2006/main" showMasterSp="0" showMasterPhAnim="0">
   <p:cSld>
     <p:spTree>
       <p:nvGrpSpPr>
-        <p:cNvPr id="124" name="Shape 124"/>
+        <p:cNvPr id="1" name="Shape 124"/>
         <p:cNvGrpSpPr/>
         <p:nvPr/>
       </p:nvGrpSpPr>
@@ -1154,9 +1192,11 @@
       <p:sp>
         <p:nvSpPr>
           <p:cNvPr id="125" name="Google Shape;125;g1d2ad900d0a_0_163:notes"/>
-          <p:cNvSpPr/>
+          <p:cNvSpPr>
+            <a:spLocks noGrp="1" noRot="1" noChangeAspect="1"/>
+          </p:cNvSpPr>
           <p:nvPr>
-            <p:ph idx="2" type="sldImg"/>
+            <p:ph type="sldImg" idx="2"/>
           </p:nvPr>
         </p:nvSpPr>
         <p:spPr>
@@ -1165,9 +1205,13 @@
             <a:ext cx="6096000" cy="3429000"/>
           </a:xfrm>
           <a:custGeom>
-            <a:rect b="b" l="l" r="r" t="t"/>
+            <a:avLst/>
+            <a:gdLst/>
+            <a:ahLst/>
+            <a:cxnLst/>
+            <a:rect l="l" t="t" r="r" b="b"/>
             <a:pathLst>
-              <a:path extrusionOk="0" h="120000" w="120000">
+              <a:path w="120000" h="120000" extrusionOk="0">
                 <a:moveTo>
                   <a:pt x="0" y="0"/>
                 </a:moveTo>
@@ -1189,9 +1233,11 @@
       <p:sp>
         <p:nvSpPr>
           <p:cNvPr id="126" name="Google Shape;126;g1d2ad900d0a_0_163:notes"/>
-          <p:cNvSpPr txBox="1"/>
+          <p:cNvSpPr txBox="1">
+            <a:spLocks noGrp="1"/>
+          </p:cNvSpPr>
           <p:nvPr>
-            <p:ph idx="1" type="body"/>
+            <p:ph type="body" idx="1"/>
           </p:nvPr>
         </p:nvSpPr>
         <p:spPr>
@@ -1204,23 +1250,20 @@
           </a:prstGeom>
         </p:spPr>
         <p:txBody>
-          <a:bodyPr anchorCtr="0" anchor="t" bIns="91425" lIns="91425" spcFirstLastPara="1" rIns="91425" wrap="square" tIns="91425">
+          <a:bodyPr spcFirstLastPara="1" wrap="square" lIns="91425" tIns="91425" rIns="91425" bIns="91425" anchor="t" anchorCtr="0">
             <a:noAutofit/>
           </a:bodyPr>
           <a:lstStyle/>
           <a:p>
-            <a:pPr indent="0" lvl="0" marL="0" rtl="0" algn="l">
-              <a:spcBef>
-                <a:spcPts val="0"/>
-              </a:spcBef>
-              <a:spcAft>
-                <a:spcPts val="0"/>
-              </a:spcAft>
-              <a:buNone/>
-            </a:pPr>
-            <a:r>
-              <a:t/>
-            </a:r>
+            <a:pPr marL="0" lvl="0" indent="0" algn="l" rtl="0">
+              <a:spcBef>
+                <a:spcPts val="0"/>
+              </a:spcBef>
+              <a:spcAft>
+                <a:spcPts val="0"/>
+              </a:spcAft>
+              <a:buNone/>
+            </a:pPr>
             <a:endParaRPr/>
           </a:p>
         </p:txBody>
@@ -1234,11 +1277,11 @@
 </file>
 
 <file path=ppt/notesSlides/notesSlide14.xml><?xml version="1.0" encoding="utf-8"?>
-<p:notes xmlns:a="http://schemas.openxmlformats.org/drawingml/2006/main" xmlns:r="http://schemas.openxmlformats.org/officeDocument/2006/relationships" xmlns:mc="http://schemas.openxmlformats.org/markup-compatibility/2006" xmlns:mv="urn:schemas-microsoft-com:mac:vml" xmlns:p="http://schemas.openxmlformats.org/presentationml/2006/main" xmlns:c="http://schemas.openxmlformats.org/drawingml/2006/chart" xmlns:dgm="http://schemas.openxmlformats.org/drawingml/2006/diagram" xmlns:o="urn:schemas-microsoft-com:office:office" xmlns:v="urn:schemas-microsoft-com:vml" xmlns:pvml="urn:schemas-microsoft-com:office:powerpoint" xmlns:com="http://schemas.openxmlformats.org/drawingml/2006/compatibility" xmlns:p14="http://schemas.microsoft.com/office/powerpoint/2010/main" xmlns:p15="http://schemas.microsoft.com/office/powerpoint/2012/main" xmlns:ahyp="http://schemas.microsoft.com/office/drawing/2018/hyperlinkcolor" showMasterPhAnim="0" showMasterSp="0">
+<p:notes xmlns:a="http://schemas.openxmlformats.org/drawingml/2006/main" xmlns:r="http://schemas.openxmlformats.org/officeDocument/2006/relationships" xmlns:p="http://schemas.openxmlformats.org/presentationml/2006/main" showMasterSp="0" showMasterPhAnim="0">
   <p:cSld>
     <p:spTree>
       <p:nvGrpSpPr>
-        <p:cNvPr id="130" name="Shape 130"/>
+        <p:cNvPr id="1" name="Shape 130"/>
         <p:cNvGrpSpPr/>
         <p:nvPr/>
       </p:nvGrpSpPr>
@@ -1253,9 +1296,11 @@
       <p:sp>
         <p:nvSpPr>
           <p:cNvPr id="131" name="Google Shape;131;g1d2ad900d0a_0_168:notes"/>
-          <p:cNvSpPr/>
+          <p:cNvSpPr>
+            <a:spLocks noGrp="1" noRot="1" noChangeAspect="1"/>
+          </p:cNvSpPr>
           <p:nvPr>
-            <p:ph idx="2" type="sldImg"/>
+            <p:ph type="sldImg" idx="2"/>
           </p:nvPr>
         </p:nvSpPr>
         <p:spPr>
@@ -1264,9 +1309,13 @@
             <a:ext cx="6096000" cy="3429000"/>
           </a:xfrm>
           <a:custGeom>
-            <a:rect b="b" l="l" r="r" t="t"/>
+            <a:avLst/>
+            <a:gdLst/>
+            <a:ahLst/>
+            <a:cxnLst/>
+            <a:rect l="l" t="t" r="r" b="b"/>
             <a:pathLst>
-              <a:path extrusionOk="0" h="120000" w="120000">
+              <a:path w="120000" h="120000" extrusionOk="0">
                 <a:moveTo>
                   <a:pt x="0" y="0"/>
                 </a:moveTo>
@@ -1288,9 +1337,11 @@
       <p:sp>
         <p:nvSpPr>
           <p:cNvPr id="132" name="Google Shape;132;g1d2ad900d0a_0_168:notes"/>
-          <p:cNvSpPr txBox="1"/>
+          <p:cNvSpPr txBox="1">
+            <a:spLocks noGrp="1"/>
+          </p:cNvSpPr>
           <p:nvPr>
-            <p:ph idx="1" type="body"/>
+            <p:ph type="body" idx="1"/>
           </p:nvPr>
         </p:nvSpPr>
         <p:spPr>
@@ -1303,23 +1354,20 @@
           </a:prstGeom>
         </p:spPr>
         <p:txBody>
-          <a:bodyPr anchorCtr="0" anchor="t" bIns="91425" lIns="91425" spcFirstLastPara="1" rIns="91425" wrap="square" tIns="91425">
+          <a:bodyPr spcFirstLastPara="1" wrap="square" lIns="91425" tIns="91425" rIns="91425" bIns="91425" anchor="t" anchorCtr="0">
             <a:noAutofit/>
           </a:bodyPr>
           <a:lstStyle/>
           <a:p>
-            <a:pPr indent="0" lvl="0" marL="0" rtl="0" algn="l">
-              <a:spcBef>
-                <a:spcPts val="0"/>
-              </a:spcBef>
-              <a:spcAft>
-                <a:spcPts val="0"/>
-              </a:spcAft>
-              <a:buNone/>
-            </a:pPr>
-            <a:r>
-              <a:t/>
-            </a:r>
+            <a:pPr marL="0" lvl="0" indent="0" algn="l" rtl="0">
+              <a:spcBef>
+                <a:spcPts val="0"/>
+              </a:spcBef>
+              <a:spcAft>
+                <a:spcPts val="0"/>
+              </a:spcAft>
+              <a:buNone/>
+            </a:pPr>
             <a:endParaRPr/>
           </a:p>
         </p:txBody>
@@ -1333,11 +1381,11 @@
 </file>
 
 <file path=ppt/notesSlides/notesSlide15.xml><?xml version="1.0" encoding="utf-8"?>
-<p:notes xmlns:a="http://schemas.openxmlformats.org/drawingml/2006/main" xmlns:r="http://schemas.openxmlformats.org/officeDocument/2006/relationships" xmlns:mc="http://schemas.openxmlformats.org/markup-compatibility/2006" xmlns:mv="urn:schemas-microsoft-com:mac:vml" xmlns:p="http://schemas.openxmlformats.org/presentationml/2006/main" xmlns:c="http://schemas.openxmlformats.org/drawingml/2006/chart" xmlns:dgm="http://schemas.openxmlformats.org/drawingml/2006/diagram" xmlns:o="urn:schemas-microsoft-com:office:office" xmlns:v="urn:schemas-microsoft-com:vml" xmlns:pvml="urn:schemas-microsoft-com:office:powerpoint" xmlns:com="http://schemas.openxmlformats.org/drawingml/2006/compatibility" xmlns:p14="http://schemas.microsoft.com/office/powerpoint/2010/main" xmlns:p15="http://schemas.microsoft.com/office/powerpoint/2012/main" xmlns:ahyp="http://schemas.microsoft.com/office/drawing/2018/hyperlinkcolor" showMasterPhAnim="0" showMasterSp="0">
+<p:notes xmlns:a="http://schemas.openxmlformats.org/drawingml/2006/main" xmlns:r="http://schemas.openxmlformats.org/officeDocument/2006/relationships" xmlns:p="http://schemas.openxmlformats.org/presentationml/2006/main" showMasterSp="0" showMasterPhAnim="0">
   <p:cSld>
     <p:spTree>
       <p:nvGrpSpPr>
-        <p:cNvPr id="136" name="Shape 136"/>
+        <p:cNvPr id="1" name="Shape 136"/>
         <p:cNvGrpSpPr/>
         <p:nvPr/>
       </p:nvGrpSpPr>
@@ -1352,9 +1400,11 @@
       <p:sp>
         <p:nvSpPr>
           <p:cNvPr id="137" name="Google Shape;137;g1d2ad900d0a_0_180:notes"/>
-          <p:cNvSpPr/>
+          <p:cNvSpPr>
+            <a:spLocks noGrp="1" noRot="1" noChangeAspect="1"/>
+          </p:cNvSpPr>
           <p:nvPr>
-            <p:ph idx="2" type="sldImg"/>
+            <p:ph type="sldImg" idx="2"/>
           </p:nvPr>
         </p:nvSpPr>
         <p:spPr>
@@ -1363,9 +1413,13 @@
             <a:ext cx="6096000" cy="3429000"/>
           </a:xfrm>
           <a:custGeom>
-            <a:rect b="b" l="l" r="r" t="t"/>
+            <a:avLst/>
+            <a:gdLst/>
+            <a:ahLst/>
+            <a:cxnLst/>
+            <a:rect l="l" t="t" r="r" b="b"/>
             <a:pathLst>
-              <a:path extrusionOk="0" h="120000" w="120000">
+              <a:path w="120000" h="120000" extrusionOk="0">
                 <a:moveTo>
                   <a:pt x="0" y="0"/>
                 </a:moveTo>
@@ -1387,9 +1441,11 @@
       <p:sp>
         <p:nvSpPr>
           <p:cNvPr id="138" name="Google Shape;138;g1d2ad900d0a_0_180:notes"/>
-          <p:cNvSpPr txBox="1"/>
+          <p:cNvSpPr txBox="1">
+            <a:spLocks noGrp="1"/>
+          </p:cNvSpPr>
           <p:nvPr>
-            <p:ph idx="1" type="body"/>
+            <p:ph type="body" idx="1"/>
           </p:nvPr>
         </p:nvSpPr>
         <p:spPr>
@@ -1402,23 +1458,20 @@
           </a:prstGeom>
         </p:spPr>
         <p:txBody>
-          <a:bodyPr anchorCtr="0" anchor="t" bIns="91425" lIns="91425" spcFirstLastPara="1" rIns="91425" wrap="square" tIns="91425">
+          <a:bodyPr spcFirstLastPara="1" wrap="square" lIns="91425" tIns="91425" rIns="91425" bIns="91425" anchor="t" anchorCtr="0">
             <a:noAutofit/>
           </a:bodyPr>
           <a:lstStyle/>
           <a:p>
-            <a:pPr indent="0" lvl="0" marL="0" rtl="0" algn="l">
-              <a:spcBef>
-                <a:spcPts val="0"/>
-              </a:spcBef>
-              <a:spcAft>
-                <a:spcPts val="0"/>
-              </a:spcAft>
-              <a:buNone/>
-            </a:pPr>
-            <a:r>
-              <a:t/>
-            </a:r>
+            <a:pPr marL="0" lvl="0" indent="0" algn="l" rtl="0">
+              <a:spcBef>
+                <a:spcPts val="0"/>
+              </a:spcBef>
+              <a:spcAft>
+                <a:spcPts val="0"/>
+              </a:spcAft>
+              <a:buNone/>
+            </a:pPr>
             <a:endParaRPr/>
           </a:p>
         </p:txBody>
@@ -1432,11 +1485,11 @@
 </file>
 
 <file path=ppt/notesSlides/notesSlide16.xml><?xml version="1.0" encoding="utf-8"?>
-<p:notes xmlns:a="http://schemas.openxmlformats.org/drawingml/2006/main" xmlns:r="http://schemas.openxmlformats.org/officeDocument/2006/relationships" xmlns:mc="http://schemas.openxmlformats.org/markup-compatibility/2006" xmlns:mv="urn:schemas-microsoft-com:mac:vml" xmlns:p="http://schemas.openxmlformats.org/presentationml/2006/main" xmlns:c="http://schemas.openxmlformats.org/drawingml/2006/chart" xmlns:dgm="http://schemas.openxmlformats.org/drawingml/2006/diagram" xmlns:o="urn:schemas-microsoft-com:office:office" xmlns:v="urn:schemas-microsoft-com:vml" xmlns:pvml="urn:schemas-microsoft-com:office:powerpoint" xmlns:com="http://schemas.openxmlformats.org/drawingml/2006/compatibility" xmlns:p14="http://schemas.microsoft.com/office/powerpoint/2010/main" xmlns:p15="http://schemas.microsoft.com/office/powerpoint/2012/main" xmlns:ahyp="http://schemas.microsoft.com/office/drawing/2018/hyperlinkcolor" showMasterPhAnim="0" showMasterSp="0">
+<p:notes xmlns:a="http://schemas.openxmlformats.org/drawingml/2006/main" xmlns:r="http://schemas.openxmlformats.org/officeDocument/2006/relationships" xmlns:p="http://schemas.openxmlformats.org/presentationml/2006/main" showMasterSp="0" showMasterPhAnim="0">
   <p:cSld>
     <p:spTree>
       <p:nvGrpSpPr>
-        <p:cNvPr id="142" name="Shape 142"/>
+        <p:cNvPr id="1" name="Shape 142"/>
         <p:cNvGrpSpPr/>
         <p:nvPr/>
       </p:nvGrpSpPr>
@@ -1451,9 +1504,11 @@
       <p:sp>
         <p:nvSpPr>
           <p:cNvPr id="143" name="Google Shape;143;g1d23dc21461_0_0:notes"/>
-          <p:cNvSpPr/>
+          <p:cNvSpPr>
+            <a:spLocks noGrp="1" noRot="1" noChangeAspect="1"/>
+          </p:cNvSpPr>
           <p:nvPr>
-            <p:ph idx="2" type="sldImg"/>
+            <p:ph type="sldImg" idx="2"/>
           </p:nvPr>
         </p:nvSpPr>
         <p:spPr>
@@ -1462,9 +1517,13 @@
             <a:ext cx="6096000" cy="3429000"/>
           </a:xfrm>
           <a:custGeom>
-            <a:rect b="b" l="l" r="r" t="t"/>
+            <a:avLst/>
+            <a:gdLst/>
+            <a:ahLst/>
+            <a:cxnLst/>
+            <a:rect l="l" t="t" r="r" b="b"/>
             <a:pathLst>
-              <a:path extrusionOk="0" h="120000" w="120000">
+              <a:path w="120000" h="120000" extrusionOk="0">
                 <a:moveTo>
                   <a:pt x="0" y="0"/>
                 </a:moveTo>
@@ -1486,9 +1545,11 @@
       <p:sp>
         <p:nvSpPr>
           <p:cNvPr id="144" name="Google Shape;144;g1d23dc21461_0_0:notes"/>
-          <p:cNvSpPr txBox="1"/>
+          <p:cNvSpPr txBox="1">
+            <a:spLocks noGrp="1"/>
+          </p:cNvSpPr>
           <p:nvPr>
-            <p:ph idx="1" type="body"/>
+            <p:ph type="body" idx="1"/>
           </p:nvPr>
         </p:nvSpPr>
         <p:spPr>
@@ -1501,23 +1562,20 @@
           </a:prstGeom>
         </p:spPr>
         <p:txBody>
-          <a:bodyPr anchorCtr="0" anchor="t" bIns="91425" lIns="91425" spcFirstLastPara="1" rIns="91425" wrap="square" tIns="91425">
+          <a:bodyPr spcFirstLastPara="1" wrap="square" lIns="91425" tIns="91425" rIns="91425" bIns="91425" anchor="t" anchorCtr="0">
             <a:noAutofit/>
           </a:bodyPr>
           <a:lstStyle/>
           <a:p>
-            <a:pPr indent="0" lvl="0" marL="0" rtl="0" algn="l">
-              <a:spcBef>
-                <a:spcPts val="0"/>
-              </a:spcBef>
-              <a:spcAft>
-                <a:spcPts val="0"/>
-              </a:spcAft>
-              <a:buNone/>
-            </a:pPr>
-            <a:r>
-              <a:t/>
-            </a:r>
+            <a:pPr marL="0" lvl="0" indent="0" algn="l" rtl="0">
+              <a:spcBef>
+                <a:spcPts val="0"/>
+              </a:spcBef>
+              <a:spcAft>
+                <a:spcPts val="0"/>
+              </a:spcAft>
+              <a:buNone/>
+            </a:pPr>
             <a:endParaRPr/>
           </a:p>
         </p:txBody>
@@ -1531,11 +1589,11 @@
 </file>
 
 <file path=ppt/notesSlides/notesSlide17.xml><?xml version="1.0" encoding="utf-8"?>
-<p:notes xmlns:a="http://schemas.openxmlformats.org/drawingml/2006/main" xmlns:r="http://schemas.openxmlformats.org/officeDocument/2006/relationships" xmlns:mc="http://schemas.openxmlformats.org/markup-compatibility/2006" xmlns:mv="urn:schemas-microsoft-com:mac:vml" xmlns:p="http://schemas.openxmlformats.org/presentationml/2006/main" xmlns:c="http://schemas.openxmlformats.org/drawingml/2006/chart" xmlns:dgm="http://schemas.openxmlformats.org/drawingml/2006/diagram" xmlns:o="urn:schemas-microsoft-com:office:office" xmlns:v="urn:schemas-microsoft-com:vml" xmlns:pvml="urn:schemas-microsoft-com:office:powerpoint" xmlns:com="http://schemas.openxmlformats.org/drawingml/2006/compatibility" xmlns:p14="http://schemas.microsoft.com/office/powerpoint/2010/main" xmlns:p15="http://schemas.microsoft.com/office/powerpoint/2012/main" xmlns:ahyp="http://schemas.microsoft.com/office/drawing/2018/hyperlinkcolor" showMasterPhAnim="0" showMasterSp="0">
+<p:notes xmlns:a="http://schemas.openxmlformats.org/drawingml/2006/main" xmlns:r="http://schemas.openxmlformats.org/officeDocument/2006/relationships" xmlns:p="http://schemas.openxmlformats.org/presentationml/2006/main" showMasterSp="0" showMasterPhAnim="0">
   <p:cSld>
     <p:spTree>
       <p:nvGrpSpPr>
-        <p:cNvPr id="148" name="Shape 148"/>
+        <p:cNvPr id="1" name="Shape 148"/>
         <p:cNvGrpSpPr/>
         <p:nvPr/>
       </p:nvGrpSpPr>
@@ -1550,9 +1608,11 @@
       <p:sp>
         <p:nvSpPr>
           <p:cNvPr id="149" name="Google Shape;149;g1d2ad900d0a_0_185:notes"/>
-          <p:cNvSpPr/>
+          <p:cNvSpPr>
+            <a:spLocks noGrp="1" noRot="1" noChangeAspect="1"/>
+          </p:cNvSpPr>
           <p:nvPr>
-            <p:ph idx="2" type="sldImg"/>
+            <p:ph type="sldImg" idx="2"/>
           </p:nvPr>
         </p:nvSpPr>
         <p:spPr>
@@ -1561,9 +1621,13 @@
             <a:ext cx="6096000" cy="3429000"/>
           </a:xfrm>
           <a:custGeom>
-            <a:rect b="b" l="l" r="r" t="t"/>
+            <a:avLst/>
+            <a:gdLst/>
+            <a:ahLst/>
+            <a:cxnLst/>
+            <a:rect l="l" t="t" r="r" b="b"/>
             <a:pathLst>
-              <a:path extrusionOk="0" h="120000" w="120000">
+              <a:path w="120000" h="120000" extrusionOk="0">
                 <a:moveTo>
                   <a:pt x="0" y="0"/>
                 </a:moveTo>
@@ -1585,9 +1649,11 @@
       <p:sp>
         <p:nvSpPr>
           <p:cNvPr id="150" name="Google Shape;150;g1d2ad900d0a_0_185:notes"/>
-          <p:cNvSpPr txBox="1"/>
+          <p:cNvSpPr txBox="1">
+            <a:spLocks noGrp="1"/>
+          </p:cNvSpPr>
           <p:nvPr>
-            <p:ph idx="1" type="body"/>
+            <p:ph type="body" idx="1"/>
           </p:nvPr>
         </p:nvSpPr>
         <p:spPr>
@@ -1600,23 +1666,20 @@
           </a:prstGeom>
         </p:spPr>
         <p:txBody>
-          <a:bodyPr anchorCtr="0" anchor="t" bIns="91425" lIns="91425" spcFirstLastPara="1" rIns="91425" wrap="square" tIns="91425">
+          <a:bodyPr spcFirstLastPara="1" wrap="square" lIns="91425" tIns="91425" rIns="91425" bIns="91425" anchor="t" anchorCtr="0">
             <a:noAutofit/>
           </a:bodyPr>
           <a:lstStyle/>
           <a:p>
-            <a:pPr indent="0" lvl="0" marL="0" rtl="0" algn="l">
-              <a:spcBef>
-                <a:spcPts val="0"/>
-              </a:spcBef>
-              <a:spcAft>
-                <a:spcPts val="0"/>
-              </a:spcAft>
-              <a:buNone/>
-            </a:pPr>
-            <a:r>
-              <a:t/>
-            </a:r>
+            <a:pPr marL="0" lvl="0" indent="0" algn="l" rtl="0">
+              <a:spcBef>
+                <a:spcPts val="0"/>
+              </a:spcBef>
+              <a:spcAft>
+                <a:spcPts val="0"/>
+              </a:spcAft>
+              <a:buNone/>
+            </a:pPr>
             <a:endParaRPr/>
           </a:p>
         </p:txBody>
@@ -1630,11 +1693,11 @@
 </file>
 
 <file path=ppt/notesSlides/notesSlide2.xml><?xml version="1.0" encoding="utf-8"?>
-<p:notes xmlns:a="http://schemas.openxmlformats.org/drawingml/2006/main" xmlns:r="http://schemas.openxmlformats.org/officeDocument/2006/relationships" xmlns:mc="http://schemas.openxmlformats.org/markup-compatibility/2006" xmlns:mv="urn:schemas-microsoft-com:mac:vml" xmlns:p="http://schemas.openxmlformats.org/presentationml/2006/main" xmlns:c="http://schemas.openxmlformats.org/drawingml/2006/chart" xmlns:dgm="http://schemas.openxmlformats.org/drawingml/2006/diagram" xmlns:o="urn:schemas-microsoft-com:office:office" xmlns:v="urn:schemas-microsoft-com:vml" xmlns:pvml="urn:schemas-microsoft-com:office:powerpoint" xmlns:com="http://schemas.openxmlformats.org/drawingml/2006/compatibility" xmlns:p14="http://schemas.microsoft.com/office/powerpoint/2010/main" xmlns:p15="http://schemas.microsoft.com/office/powerpoint/2012/main" xmlns:ahyp="http://schemas.microsoft.com/office/drawing/2018/hyperlinkcolor" showMasterPhAnim="0" showMasterSp="0">
+<p:notes xmlns:a="http://schemas.openxmlformats.org/drawingml/2006/main" xmlns:r="http://schemas.openxmlformats.org/officeDocument/2006/relationships" xmlns:p="http://schemas.openxmlformats.org/presentationml/2006/main" showMasterSp="0" showMasterPhAnim="0">
   <p:cSld>
     <p:spTree>
       <p:nvGrpSpPr>
-        <p:cNvPr id="56" name="Shape 56"/>
+        <p:cNvPr id="1" name="Shape 56"/>
         <p:cNvGrpSpPr/>
         <p:nvPr/>
       </p:nvGrpSpPr>
@@ -1649,9 +1712,11 @@
       <p:sp>
         <p:nvSpPr>
           <p:cNvPr id="57" name="Google Shape;57;g1d235ba2911_0_0:notes"/>
-          <p:cNvSpPr/>
+          <p:cNvSpPr>
+            <a:spLocks noGrp="1" noRot="1" noChangeAspect="1"/>
+          </p:cNvSpPr>
           <p:nvPr>
-            <p:ph idx="2" type="sldImg"/>
+            <p:ph type="sldImg" idx="2"/>
           </p:nvPr>
         </p:nvSpPr>
         <p:spPr>
@@ -1660,9 +1725,13 @@
             <a:ext cx="6096000" cy="3429000"/>
           </a:xfrm>
           <a:custGeom>
-            <a:rect b="b" l="l" r="r" t="t"/>
+            <a:avLst/>
+            <a:gdLst/>
+            <a:ahLst/>
+            <a:cxnLst/>
+            <a:rect l="l" t="t" r="r" b="b"/>
             <a:pathLst>
-              <a:path extrusionOk="0" h="120000" w="120000">
+              <a:path w="120000" h="120000" extrusionOk="0">
                 <a:moveTo>
                   <a:pt x="0" y="0"/>
                 </a:moveTo>
@@ -1684,9 +1753,11 @@
       <p:sp>
         <p:nvSpPr>
           <p:cNvPr id="58" name="Google Shape;58;g1d235ba2911_0_0:notes"/>
-          <p:cNvSpPr txBox="1"/>
+          <p:cNvSpPr txBox="1">
+            <a:spLocks noGrp="1"/>
+          </p:cNvSpPr>
           <p:nvPr>
-            <p:ph idx="1" type="body"/>
+            <p:ph type="body" idx="1"/>
           </p:nvPr>
         </p:nvSpPr>
         <p:spPr>
@@ -1699,23 +1770,20 @@
           </a:prstGeom>
         </p:spPr>
         <p:txBody>
-          <a:bodyPr anchorCtr="0" anchor="t" bIns="91425" lIns="91425" spcFirstLastPara="1" rIns="91425" wrap="square" tIns="91425">
+          <a:bodyPr spcFirstLastPara="1" wrap="square" lIns="91425" tIns="91425" rIns="91425" bIns="91425" anchor="t" anchorCtr="0">
             <a:noAutofit/>
           </a:bodyPr>
           <a:lstStyle/>
           <a:p>
-            <a:pPr indent="0" lvl="0" marL="0" rtl="0" algn="l">
-              <a:spcBef>
-                <a:spcPts val="0"/>
-              </a:spcBef>
-              <a:spcAft>
-                <a:spcPts val="0"/>
-              </a:spcAft>
-              <a:buNone/>
-            </a:pPr>
-            <a:r>
-              <a:t/>
-            </a:r>
+            <a:pPr marL="0" lvl="0" indent="0" algn="l" rtl="0">
+              <a:spcBef>
+                <a:spcPts val="0"/>
+              </a:spcBef>
+              <a:spcAft>
+                <a:spcPts val="0"/>
+              </a:spcAft>
+              <a:buNone/>
+            </a:pPr>
             <a:endParaRPr/>
           </a:p>
         </p:txBody>
@@ -1729,11 +1797,11 @@
 </file>
 
 <file path=ppt/notesSlides/notesSlide3.xml><?xml version="1.0" encoding="utf-8"?>
-<p:notes xmlns:a="http://schemas.openxmlformats.org/drawingml/2006/main" xmlns:r="http://schemas.openxmlformats.org/officeDocument/2006/relationships" xmlns:mc="http://schemas.openxmlformats.org/markup-compatibility/2006" xmlns:mv="urn:schemas-microsoft-com:mac:vml" xmlns:p="http://schemas.openxmlformats.org/presentationml/2006/main" xmlns:c="http://schemas.openxmlformats.org/drawingml/2006/chart" xmlns:dgm="http://schemas.openxmlformats.org/drawingml/2006/diagram" xmlns:o="urn:schemas-microsoft-com:office:office" xmlns:v="urn:schemas-microsoft-com:vml" xmlns:pvml="urn:schemas-microsoft-com:office:powerpoint" xmlns:com="http://schemas.openxmlformats.org/drawingml/2006/compatibility" xmlns:p14="http://schemas.microsoft.com/office/powerpoint/2010/main" xmlns:p15="http://schemas.microsoft.com/office/powerpoint/2012/main" xmlns:ahyp="http://schemas.microsoft.com/office/drawing/2018/hyperlinkcolor" showMasterPhAnim="0" showMasterSp="0">
+<p:notes xmlns:a="http://schemas.openxmlformats.org/drawingml/2006/main" xmlns:r="http://schemas.openxmlformats.org/officeDocument/2006/relationships" xmlns:p="http://schemas.openxmlformats.org/presentationml/2006/main" showMasterSp="0" showMasterPhAnim="0">
   <p:cSld>
     <p:spTree>
       <p:nvGrpSpPr>
-        <p:cNvPr id="62" name="Shape 62"/>
+        <p:cNvPr id="1" name="Shape 62"/>
         <p:cNvGrpSpPr/>
         <p:nvPr/>
       </p:nvGrpSpPr>
@@ -1748,9 +1816,11 @@
       <p:sp>
         <p:nvSpPr>
           <p:cNvPr id="63" name="Google Shape;63;g1d2ad900d0a_0_6:notes"/>
-          <p:cNvSpPr/>
+          <p:cNvSpPr>
+            <a:spLocks noGrp="1" noRot="1" noChangeAspect="1"/>
+          </p:cNvSpPr>
           <p:nvPr>
-            <p:ph idx="2" type="sldImg"/>
+            <p:ph type="sldImg" idx="2"/>
           </p:nvPr>
         </p:nvSpPr>
         <p:spPr>
@@ -1759,9 +1829,13 @@
             <a:ext cx="6096000" cy="3429000"/>
           </a:xfrm>
           <a:custGeom>
-            <a:rect b="b" l="l" r="r" t="t"/>
+            <a:avLst/>
+            <a:gdLst/>
+            <a:ahLst/>
+            <a:cxnLst/>
+            <a:rect l="l" t="t" r="r" b="b"/>
             <a:pathLst>
-              <a:path extrusionOk="0" h="120000" w="120000">
+              <a:path w="120000" h="120000" extrusionOk="0">
                 <a:moveTo>
                   <a:pt x="0" y="0"/>
                 </a:moveTo>
@@ -1783,9 +1857,11 @@
       <p:sp>
         <p:nvSpPr>
           <p:cNvPr id="64" name="Google Shape;64;g1d2ad900d0a_0_6:notes"/>
-          <p:cNvSpPr txBox="1"/>
+          <p:cNvSpPr txBox="1">
+            <a:spLocks noGrp="1"/>
+          </p:cNvSpPr>
           <p:nvPr>
-            <p:ph idx="1" type="body"/>
+            <p:ph type="body" idx="1"/>
           </p:nvPr>
         </p:nvSpPr>
         <p:spPr>
@@ -1798,23 +1874,20 @@
           </a:prstGeom>
         </p:spPr>
         <p:txBody>
-          <a:bodyPr anchorCtr="0" anchor="t" bIns="91425" lIns="91425" spcFirstLastPara="1" rIns="91425" wrap="square" tIns="91425">
+          <a:bodyPr spcFirstLastPara="1" wrap="square" lIns="91425" tIns="91425" rIns="91425" bIns="91425" anchor="t" anchorCtr="0">
             <a:noAutofit/>
           </a:bodyPr>
           <a:lstStyle/>
           <a:p>
-            <a:pPr indent="0" lvl="0" marL="0" rtl="0" algn="l">
-              <a:spcBef>
-                <a:spcPts val="0"/>
-              </a:spcBef>
-              <a:spcAft>
-                <a:spcPts val="0"/>
-              </a:spcAft>
-              <a:buNone/>
-            </a:pPr>
-            <a:r>
-              <a:t/>
-            </a:r>
+            <a:pPr marL="0" lvl="0" indent="0" algn="l" rtl="0">
+              <a:spcBef>
+                <a:spcPts val="0"/>
+              </a:spcBef>
+              <a:spcAft>
+                <a:spcPts val="0"/>
+              </a:spcAft>
+              <a:buNone/>
+            </a:pPr>
             <a:endParaRPr/>
           </a:p>
         </p:txBody>
@@ -1828,11 +1901,11 @@
 </file>
 
 <file path=ppt/notesSlides/notesSlide4.xml><?xml version="1.0" encoding="utf-8"?>
-<p:notes xmlns:a="http://schemas.openxmlformats.org/drawingml/2006/main" xmlns:r="http://schemas.openxmlformats.org/officeDocument/2006/relationships" xmlns:mc="http://schemas.openxmlformats.org/markup-compatibility/2006" xmlns:mv="urn:schemas-microsoft-com:mac:vml" xmlns:p="http://schemas.openxmlformats.org/presentationml/2006/main" xmlns:c="http://schemas.openxmlformats.org/drawingml/2006/chart" xmlns:dgm="http://schemas.openxmlformats.org/drawingml/2006/diagram" xmlns:o="urn:schemas-microsoft-com:office:office" xmlns:v="urn:schemas-microsoft-com:vml" xmlns:pvml="urn:schemas-microsoft-com:office:powerpoint" xmlns:com="http://schemas.openxmlformats.org/drawingml/2006/compatibility" xmlns:p14="http://schemas.microsoft.com/office/powerpoint/2010/main" xmlns:p15="http://schemas.microsoft.com/office/powerpoint/2012/main" xmlns:ahyp="http://schemas.microsoft.com/office/drawing/2018/hyperlinkcolor" showMasterPhAnim="0" showMasterSp="0">
+<p:notes xmlns:a="http://schemas.openxmlformats.org/drawingml/2006/main" xmlns:r="http://schemas.openxmlformats.org/officeDocument/2006/relationships" xmlns:p="http://schemas.openxmlformats.org/presentationml/2006/main" showMasterSp="0" showMasterPhAnim="0">
   <p:cSld>
     <p:spTree>
       <p:nvGrpSpPr>
-        <p:cNvPr id="68" name="Shape 68"/>
+        <p:cNvPr id="1" name="Shape 68"/>
         <p:cNvGrpSpPr/>
         <p:nvPr/>
       </p:nvGrpSpPr>
@@ -1847,9 +1920,11 @@
       <p:sp>
         <p:nvSpPr>
           <p:cNvPr id="69" name="Google Shape;69;g1d235ba2911_0_25:notes"/>
-          <p:cNvSpPr/>
+          <p:cNvSpPr>
+            <a:spLocks noGrp="1" noRot="1" noChangeAspect="1"/>
+          </p:cNvSpPr>
           <p:nvPr>
-            <p:ph idx="2" type="sldImg"/>
+            <p:ph type="sldImg" idx="2"/>
           </p:nvPr>
         </p:nvSpPr>
         <p:spPr>
@@ -1858,9 +1933,13 @@
             <a:ext cx="6096000" cy="3429000"/>
           </a:xfrm>
           <a:custGeom>
-            <a:rect b="b" l="l" r="r" t="t"/>
+            <a:avLst/>
+            <a:gdLst/>
+            <a:ahLst/>
+            <a:cxnLst/>
+            <a:rect l="l" t="t" r="r" b="b"/>
             <a:pathLst>
-              <a:path extrusionOk="0" h="120000" w="120000">
+              <a:path w="120000" h="120000" extrusionOk="0">
                 <a:moveTo>
                   <a:pt x="0" y="0"/>
                 </a:moveTo>
@@ -1882,9 +1961,11 @@
       <p:sp>
         <p:nvSpPr>
           <p:cNvPr id="70" name="Google Shape;70;g1d235ba2911_0_25:notes"/>
-          <p:cNvSpPr txBox="1"/>
+          <p:cNvSpPr txBox="1">
+            <a:spLocks noGrp="1"/>
+          </p:cNvSpPr>
           <p:nvPr>
-            <p:ph idx="1" type="body"/>
+            <p:ph type="body" idx="1"/>
           </p:nvPr>
         </p:nvSpPr>
         <p:spPr>
@@ -1897,12 +1978,12 @@
           </a:prstGeom>
         </p:spPr>
         <p:txBody>
-          <a:bodyPr anchorCtr="0" anchor="t" bIns="91425" lIns="91425" spcFirstLastPara="1" rIns="91425" wrap="square" tIns="91425">
+          <a:bodyPr spcFirstLastPara="1" wrap="square" lIns="91425" tIns="91425" rIns="91425" bIns="91425" anchor="t" anchorCtr="0">
             <a:noAutofit/>
           </a:bodyPr>
           <a:lstStyle/>
           <a:p>
-            <a:pPr indent="0" lvl="0" marL="0" rtl="0" algn="just">
+            <a:pPr marL="0" lvl="0" indent="0" algn="just" rtl="0">
               <a:lnSpc>
                 <a:spcPct val="115000"/>
               </a:lnSpc>
@@ -1942,7 +2023,7 @@
             </a:endParaRPr>
           </a:p>
           <a:p>
-            <a:pPr indent="-292100" lvl="0" marL="457200" rtl="0" algn="just">
+            <a:pPr marL="457200" lvl="0" indent="-292100" algn="just" rtl="0">
               <a:lnSpc>
                 <a:spcPct val="115000"/>
               </a:lnSpc>
@@ -1982,7 +2063,7 @@
             </a:endParaRPr>
           </a:p>
           <a:p>
-            <a:pPr indent="-292100" lvl="0" marL="457200" rtl="0" algn="just">
+            <a:pPr marL="457200" lvl="0" indent="-292100" algn="just" rtl="0">
               <a:lnSpc>
                 <a:spcPct val="115000"/>
               </a:lnSpc>
@@ -2022,7 +2103,7 @@
             </a:endParaRPr>
           </a:p>
           <a:p>
-            <a:pPr indent="-292100" lvl="0" marL="457200" rtl="0" algn="just">
+            <a:pPr marL="457200" lvl="0" indent="-292100" algn="just" rtl="0">
               <a:lnSpc>
                 <a:spcPct val="115000"/>
               </a:lnSpc>
@@ -2062,7 +2143,7 @@
             </a:endParaRPr>
           </a:p>
           <a:p>
-            <a:pPr indent="-292100" lvl="0" marL="457200" rtl="0" algn="just">
+            <a:pPr marL="457200" lvl="0" indent="-292100" algn="just" rtl="0">
               <a:lnSpc>
                 <a:spcPct val="115000"/>
               </a:lnSpc>
@@ -2102,7 +2183,7 @@
             </a:endParaRPr>
           </a:p>
           <a:p>
-            <a:pPr indent="-292100" lvl="0" marL="457200" rtl="0" algn="just">
+            <a:pPr marL="457200" lvl="0" indent="-292100" algn="just" rtl="0">
               <a:lnSpc>
                 <a:spcPct val="115000"/>
               </a:lnSpc>
@@ -2142,7 +2223,7 @@
             </a:endParaRPr>
           </a:p>
           <a:p>
-            <a:pPr indent="-292100" lvl="0" marL="457200" rtl="0" algn="just">
+            <a:pPr marL="457200" lvl="0" indent="-292100" algn="just" rtl="0">
               <a:lnSpc>
                 <a:spcPct val="115000"/>
               </a:lnSpc>
@@ -2182,7 +2263,7 @@
             </a:endParaRPr>
           </a:p>
           <a:p>
-            <a:pPr indent="-292100" lvl="0" marL="457200" rtl="0" algn="just">
+            <a:pPr marL="457200" lvl="0" indent="-292100" algn="just" rtl="0">
               <a:lnSpc>
                 <a:spcPct val="115000"/>
               </a:lnSpc>
@@ -2222,7 +2303,7 @@
             </a:endParaRPr>
           </a:p>
           <a:p>
-            <a:pPr indent="-292100" lvl="0" marL="457200" rtl="0" algn="just">
+            <a:pPr marL="457200" lvl="0" indent="-292100" algn="just" rtl="0">
               <a:lnSpc>
                 <a:spcPct val="115000"/>
               </a:lnSpc>
@@ -2272,11 +2353,11 @@
 </file>
 
 <file path=ppt/notesSlides/notesSlide5.xml><?xml version="1.0" encoding="utf-8"?>
-<p:notes xmlns:a="http://schemas.openxmlformats.org/drawingml/2006/main" xmlns:r="http://schemas.openxmlformats.org/officeDocument/2006/relationships" xmlns:mc="http://schemas.openxmlformats.org/markup-compatibility/2006" xmlns:mv="urn:schemas-microsoft-com:mac:vml" xmlns:p="http://schemas.openxmlformats.org/presentationml/2006/main" xmlns:c="http://schemas.openxmlformats.org/drawingml/2006/chart" xmlns:dgm="http://schemas.openxmlformats.org/drawingml/2006/diagram" xmlns:o="urn:schemas-microsoft-com:office:office" xmlns:v="urn:schemas-microsoft-com:vml" xmlns:pvml="urn:schemas-microsoft-com:office:powerpoint" xmlns:com="http://schemas.openxmlformats.org/drawingml/2006/compatibility" xmlns:p14="http://schemas.microsoft.com/office/powerpoint/2010/main" xmlns:p15="http://schemas.microsoft.com/office/powerpoint/2012/main" xmlns:ahyp="http://schemas.microsoft.com/office/drawing/2018/hyperlinkcolor" showMasterPhAnim="0" showMasterSp="0">
+<p:notes xmlns:a="http://schemas.openxmlformats.org/drawingml/2006/main" xmlns:r="http://schemas.openxmlformats.org/officeDocument/2006/relationships" xmlns:p="http://schemas.openxmlformats.org/presentationml/2006/main" showMasterSp="0" showMasterPhAnim="0">
   <p:cSld>
     <p:spTree>
       <p:nvGrpSpPr>
-        <p:cNvPr id="75" name="Shape 75"/>
+        <p:cNvPr id="1" name="Shape 75"/>
         <p:cNvGrpSpPr/>
         <p:nvPr/>
       </p:nvGrpSpPr>
@@ -2291,9 +2372,11 @@
       <p:sp>
         <p:nvSpPr>
           <p:cNvPr id="76" name="Google Shape;76;g1d235ba2911_0_20:notes"/>
-          <p:cNvSpPr/>
+          <p:cNvSpPr>
+            <a:spLocks noGrp="1" noRot="1" noChangeAspect="1"/>
+          </p:cNvSpPr>
           <p:nvPr>
-            <p:ph idx="2" type="sldImg"/>
+            <p:ph type="sldImg" idx="2"/>
           </p:nvPr>
         </p:nvSpPr>
         <p:spPr>
@@ -2302,9 +2385,13 @@
             <a:ext cx="6096000" cy="3429000"/>
           </a:xfrm>
           <a:custGeom>
-            <a:rect b="b" l="l" r="r" t="t"/>
+            <a:avLst/>
+            <a:gdLst/>
+            <a:ahLst/>
+            <a:cxnLst/>
+            <a:rect l="l" t="t" r="r" b="b"/>
             <a:pathLst>
-              <a:path extrusionOk="0" h="120000" w="120000">
+              <a:path w="120000" h="120000" extrusionOk="0">
                 <a:moveTo>
                   <a:pt x="0" y="0"/>
                 </a:moveTo>
@@ -2326,9 +2413,11 @@
       <p:sp>
         <p:nvSpPr>
           <p:cNvPr id="77" name="Google Shape;77;g1d235ba2911_0_20:notes"/>
-          <p:cNvSpPr txBox="1"/>
+          <p:cNvSpPr txBox="1">
+            <a:spLocks noGrp="1"/>
+          </p:cNvSpPr>
           <p:nvPr>
-            <p:ph idx="1" type="body"/>
+            <p:ph type="body" idx="1"/>
           </p:nvPr>
         </p:nvSpPr>
         <p:spPr>
@@ -2341,23 +2430,20 @@
           </a:prstGeom>
         </p:spPr>
         <p:txBody>
-          <a:bodyPr anchorCtr="0" anchor="t" bIns="91425" lIns="91425" spcFirstLastPara="1" rIns="91425" wrap="square" tIns="91425">
+          <a:bodyPr spcFirstLastPara="1" wrap="square" lIns="91425" tIns="91425" rIns="91425" bIns="91425" anchor="t" anchorCtr="0">
             <a:noAutofit/>
           </a:bodyPr>
           <a:lstStyle/>
           <a:p>
-            <a:pPr indent="0" lvl="0" marL="0" rtl="0" algn="l">
-              <a:spcBef>
-                <a:spcPts val="0"/>
-              </a:spcBef>
-              <a:spcAft>
-                <a:spcPts val="0"/>
-              </a:spcAft>
-              <a:buNone/>
-            </a:pPr>
-            <a:r>
-              <a:t/>
-            </a:r>
+            <a:pPr marL="0" lvl="0" indent="0" algn="l" rtl="0">
+              <a:spcBef>
+                <a:spcPts val="0"/>
+              </a:spcBef>
+              <a:spcAft>
+                <a:spcPts val="0"/>
+              </a:spcAft>
+              <a:buNone/>
+            </a:pPr>
             <a:endParaRPr/>
           </a:p>
         </p:txBody>
@@ -2371,11 +2457,11 @@
 </file>
 
 <file path=ppt/notesSlides/notesSlide6.xml><?xml version="1.0" encoding="utf-8"?>
-<p:notes xmlns:a="http://schemas.openxmlformats.org/drawingml/2006/main" xmlns:r="http://schemas.openxmlformats.org/officeDocument/2006/relationships" xmlns:mc="http://schemas.openxmlformats.org/markup-compatibility/2006" xmlns:mv="urn:schemas-microsoft-com:mac:vml" xmlns:p="http://schemas.openxmlformats.org/presentationml/2006/main" xmlns:c="http://schemas.openxmlformats.org/drawingml/2006/chart" xmlns:dgm="http://schemas.openxmlformats.org/drawingml/2006/diagram" xmlns:o="urn:schemas-microsoft-com:office:office" xmlns:v="urn:schemas-microsoft-com:vml" xmlns:pvml="urn:schemas-microsoft-com:office:powerpoint" xmlns:com="http://schemas.openxmlformats.org/drawingml/2006/compatibility" xmlns:p14="http://schemas.microsoft.com/office/powerpoint/2010/main" xmlns:p15="http://schemas.microsoft.com/office/powerpoint/2012/main" xmlns:ahyp="http://schemas.microsoft.com/office/drawing/2018/hyperlinkcolor" showMasterPhAnim="0" showMasterSp="0">
+<p:notes xmlns:a="http://schemas.openxmlformats.org/drawingml/2006/main" xmlns:r="http://schemas.openxmlformats.org/officeDocument/2006/relationships" xmlns:p="http://schemas.openxmlformats.org/presentationml/2006/main" showMasterSp="0" showMasterPhAnim="0">
   <p:cSld>
     <p:spTree>
       <p:nvGrpSpPr>
-        <p:cNvPr id="81" name="Shape 81"/>
+        <p:cNvPr id="1" name="Shape 81"/>
         <p:cNvGrpSpPr/>
         <p:nvPr/>
       </p:nvGrpSpPr>
@@ -2390,9 +2476,11 @@
       <p:sp>
         <p:nvSpPr>
           <p:cNvPr id="82" name="Google Shape;82;g1d2ad900d0a_0_11:notes"/>
-          <p:cNvSpPr/>
+          <p:cNvSpPr>
+            <a:spLocks noGrp="1" noRot="1" noChangeAspect="1"/>
+          </p:cNvSpPr>
           <p:nvPr>
-            <p:ph idx="2" type="sldImg"/>
+            <p:ph type="sldImg" idx="2"/>
           </p:nvPr>
         </p:nvSpPr>
         <p:spPr>
@@ -2401,9 +2489,13 @@
             <a:ext cx="6096000" cy="3429000"/>
           </a:xfrm>
           <a:custGeom>
-            <a:rect b="b" l="l" r="r" t="t"/>
+            <a:avLst/>
+            <a:gdLst/>
+            <a:ahLst/>
+            <a:cxnLst/>
+            <a:rect l="l" t="t" r="r" b="b"/>
             <a:pathLst>
-              <a:path extrusionOk="0" h="120000" w="120000">
+              <a:path w="120000" h="120000" extrusionOk="0">
                 <a:moveTo>
                   <a:pt x="0" y="0"/>
                 </a:moveTo>
@@ -2425,9 +2517,11 @@
       <p:sp>
         <p:nvSpPr>
           <p:cNvPr id="83" name="Google Shape;83;g1d2ad900d0a_0_11:notes"/>
-          <p:cNvSpPr txBox="1"/>
+          <p:cNvSpPr txBox="1">
+            <a:spLocks noGrp="1"/>
+          </p:cNvSpPr>
           <p:nvPr>
-            <p:ph idx="1" type="body"/>
+            <p:ph type="body" idx="1"/>
           </p:nvPr>
         </p:nvSpPr>
         <p:spPr>
@@ -2440,23 +2534,20 @@
           </a:prstGeom>
         </p:spPr>
         <p:txBody>
-          <a:bodyPr anchorCtr="0" anchor="t" bIns="91425" lIns="91425" spcFirstLastPara="1" rIns="91425" wrap="square" tIns="91425">
+          <a:bodyPr spcFirstLastPara="1" wrap="square" lIns="91425" tIns="91425" rIns="91425" bIns="91425" anchor="t" anchorCtr="0">
             <a:noAutofit/>
           </a:bodyPr>
           <a:lstStyle/>
           <a:p>
-            <a:pPr indent="0" lvl="0" marL="0" rtl="0" algn="l">
-              <a:spcBef>
-                <a:spcPts val="0"/>
-              </a:spcBef>
-              <a:spcAft>
-                <a:spcPts val="0"/>
-              </a:spcAft>
-              <a:buNone/>
-            </a:pPr>
-            <a:r>
-              <a:t/>
-            </a:r>
+            <a:pPr marL="0" lvl="0" indent="0" algn="l" rtl="0">
+              <a:spcBef>
+                <a:spcPts val="0"/>
+              </a:spcBef>
+              <a:spcAft>
+                <a:spcPts val="0"/>
+              </a:spcAft>
+              <a:buNone/>
+            </a:pPr>
             <a:endParaRPr/>
           </a:p>
         </p:txBody>
@@ -2470,11 +2561,11 @@
 </file>
 
 <file path=ppt/notesSlides/notesSlide7.xml><?xml version="1.0" encoding="utf-8"?>
-<p:notes xmlns:a="http://schemas.openxmlformats.org/drawingml/2006/main" xmlns:r="http://schemas.openxmlformats.org/officeDocument/2006/relationships" xmlns:mc="http://schemas.openxmlformats.org/markup-compatibility/2006" xmlns:mv="urn:schemas-microsoft-com:mac:vml" xmlns:p="http://schemas.openxmlformats.org/presentationml/2006/main" xmlns:c="http://schemas.openxmlformats.org/drawingml/2006/chart" xmlns:dgm="http://schemas.openxmlformats.org/drawingml/2006/diagram" xmlns:o="urn:schemas-microsoft-com:office:office" xmlns:v="urn:schemas-microsoft-com:vml" xmlns:pvml="urn:schemas-microsoft-com:office:powerpoint" xmlns:com="http://schemas.openxmlformats.org/drawingml/2006/compatibility" xmlns:p14="http://schemas.microsoft.com/office/powerpoint/2010/main" xmlns:p15="http://schemas.microsoft.com/office/powerpoint/2012/main" xmlns:ahyp="http://schemas.microsoft.com/office/drawing/2018/hyperlinkcolor" showMasterPhAnim="0" showMasterSp="0">
+<p:notes xmlns:a="http://schemas.openxmlformats.org/drawingml/2006/main" xmlns:r="http://schemas.openxmlformats.org/officeDocument/2006/relationships" xmlns:p="http://schemas.openxmlformats.org/presentationml/2006/main" showMasterSp="0" showMasterPhAnim="0">
   <p:cSld>
     <p:spTree>
       <p:nvGrpSpPr>
-        <p:cNvPr id="87" name="Shape 87"/>
+        <p:cNvPr id="1" name="Shape 87"/>
         <p:cNvGrpSpPr/>
         <p:nvPr/>
       </p:nvGrpSpPr>
@@ -2489,9 +2580,11 @@
       <p:sp>
         <p:nvSpPr>
           <p:cNvPr id="88" name="Google Shape;88;g1d2b6ae21a8_0_0:notes"/>
-          <p:cNvSpPr/>
+          <p:cNvSpPr>
+            <a:spLocks noGrp="1" noRot="1" noChangeAspect="1"/>
+          </p:cNvSpPr>
           <p:nvPr>
-            <p:ph idx="2" type="sldImg"/>
+            <p:ph type="sldImg" idx="2"/>
           </p:nvPr>
         </p:nvSpPr>
         <p:spPr>
@@ -2500,9 +2593,13 @@
             <a:ext cx="6096000" cy="3429000"/>
           </a:xfrm>
           <a:custGeom>
-            <a:rect b="b" l="l" r="r" t="t"/>
+            <a:avLst/>
+            <a:gdLst/>
+            <a:ahLst/>
+            <a:cxnLst/>
+            <a:rect l="l" t="t" r="r" b="b"/>
             <a:pathLst>
-              <a:path extrusionOk="0" h="120000" w="120000">
+              <a:path w="120000" h="120000" extrusionOk="0">
                 <a:moveTo>
                   <a:pt x="0" y="0"/>
                 </a:moveTo>
@@ -2524,9 +2621,11 @@
       <p:sp>
         <p:nvSpPr>
           <p:cNvPr id="89" name="Google Shape;89;g1d2b6ae21a8_0_0:notes"/>
-          <p:cNvSpPr txBox="1"/>
+          <p:cNvSpPr txBox="1">
+            <a:spLocks noGrp="1"/>
+          </p:cNvSpPr>
           <p:nvPr>
-            <p:ph idx="1" type="body"/>
+            <p:ph type="body" idx="1"/>
           </p:nvPr>
         </p:nvSpPr>
         <p:spPr>
@@ -2539,23 +2638,20 @@
           </a:prstGeom>
         </p:spPr>
         <p:txBody>
-          <a:bodyPr anchorCtr="0" anchor="t" bIns="91425" lIns="91425" spcFirstLastPara="1" rIns="91425" wrap="square" tIns="91425">
+          <a:bodyPr spcFirstLastPara="1" wrap="square" lIns="91425" tIns="91425" rIns="91425" bIns="91425" anchor="t" anchorCtr="0">
             <a:noAutofit/>
           </a:bodyPr>
           <a:lstStyle/>
           <a:p>
-            <a:pPr indent="0" lvl="0" marL="0" rtl="0" algn="l">
-              <a:spcBef>
-                <a:spcPts val="0"/>
-              </a:spcBef>
-              <a:spcAft>
-                <a:spcPts val="0"/>
-              </a:spcAft>
-              <a:buNone/>
-            </a:pPr>
-            <a:r>
-              <a:t/>
-            </a:r>
+            <a:pPr marL="0" lvl="0" indent="0" algn="l" rtl="0">
+              <a:spcBef>
+                <a:spcPts val="0"/>
+              </a:spcBef>
+              <a:spcAft>
+                <a:spcPts val="0"/>
+              </a:spcAft>
+              <a:buNone/>
+            </a:pPr>
             <a:endParaRPr/>
           </a:p>
         </p:txBody>
@@ -2569,11 +2665,11 @@
 </file>
 
 <file path=ppt/notesSlides/notesSlide8.xml><?xml version="1.0" encoding="utf-8"?>
-<p:notes xmlns:a="http://schemas.openxmlformats.org/drawingml/2006/main" xmlns:r="http://schemas.openxmlformats.org/officeDocument/2006/relationships" xmlns:mc="http://schemas.openxmlformats.org/markup-compatibility/2006" xmlns:mv="urn:schemas-microsoft-com:mac:vml" xmlns:p="http://schemas.openxmlformats.org/presentationml/2006/main" xmlns:c="http://schemas.openxmlformats.org/drawingml/2006/chart" xmlns:dgm="http://schemas.openxmlformats.org/drawingml/2006/diagram" xmlns:o="urn:schemas-microsoft-com:office:office" xmlns:v="urn:schemas-microsoft-com:vml" xmlns:pvml="urn:schemas-microsoft-com:office:powerpoint" xmlns:com="http://schemas.openxmlformats.org/drawingml/2006/compatibility" xmlns:p14="http://schemas.microsoft.com/office/powerpoint/2010/main" xmlns:p15="http://schemas.microsoft.com/office/powerpoint/2012/main" xmlns:ahyp="http://schemas.microsoft.com/office/drawing/2018/hyperlinkcolor" showMasterPhAnim="0" showMasterSp="0">
+<p:notes xmlns:a="http://schemas.openxmlformats.org/drawingml/2006/main" xmlns:r="http://schemas.openxmlformats.org/officeDocument/2006/relationships" xmlns:p="http://schemas.openxmlformats.org/presentationml/2006/main" showMasterSp="0" showMasterPhAnim="0">
   <p:cSld>
     <p:spTree>
       <p:nvGrpSpPr>
-        <p:cNvPr id="93" name="Shape 93"/>
+        <p:cNvPr id="1" name="Shape 93"/>
         <p:cNvGrpSpPr/>
         <p:nvPr/>
       </p:nvGrpSpPr>
@@ -2588,9 +2684,11 @@
       <p:sp>
         <p:nvSpPr>
           <p:cNvPr id="94" name="Google Shape;94;g1d235ba2911_0_10:notes"/>
-          <p:cNvSpPr/>
+          <p:cNvSpPr>
+            <a:spLocks noGrp="1" noRot="1" noChangeAspect="1"/>
+          </p:cNvSpPr>
           <p:nvPr>
-            <p:ph idx="2" type="sldImg"/>
+            <p:ph type="sldImg" idx="2"/>
           </p:nvPr>
         </p:nvSpPr>
         <p:spPr>
@@ -2599,9 +2697,13 @@
             <a:ext cx="6096000" cy="3429000"/>
           </a:xfrm>
           <a:custGeom>
-            <a:rect b="b" l="l" r="r" t="t"/>
+            <a:avLst/>
+            <a:gdLst/>
+            <a:ahLst/>
+            <a:cxnLst/>
+            <a:rect l="l" t="t" r="r" b="b"/>
             <a:pathLst>
-              <a:path extrusionOk="0" h="120000" w="120000">
+              <a:path w="120000" h="120000" extrusionOk="0">
                 <a:moveTo>
                   <a:pt x="0" y="0"/>
                 </a:moveTo>
@@ -2623,9 +2725,11 @@
       <p:sp>
         <p:nvSpPr>
           <p:cNvPr id="95" name="Google Shape;95;g1d235ba2911_0_10:notes"/>
-          <p:cNvSpPr txBox="1"/>
+          <p:cNvSpPr txBox="1">
+            <a:spLocks noGrp="1"/>
+          </p:cNvSpPr>
           <p:nvPr>
-            <p:ph idx="1" type="body"/>
+            <p:ph type="body" idx="1"/>
           </p:nvPr>
         </p:nvSpPr>
         <p:spPr>
@@ -2638,23 +2742,20 @@
           </a:prstGeom>
         </p:spPr>
         <p:txBody>
-          <a:bodyPr anchorCtr="0" anchor="t" bIns="91425" lIns="91425" spcFirstLastPara="1" rIns="91425" wrap="square" tIns="91425">
+          <a:bodyPr spcFirstLastPara="1" wrap="square" lIns="91425" tIns="91425" rIns="91425" bIns="91425" anchor="t" anchorCtr="0">
             <a:noAutofit/>
           </a:bodyPr>
           <a:lstStyle/>
           <a:p>
-            <a:pPr indent="0" lvl="0" marL="0" rtl="0" algn="l">
-              <a:spcBef>
-                <a:spcPts val="0"/>
-              </a:spcBef>
-              <a:spcAft>
-                <a:spcPts val="0"/>
-              </a:spcAft>
-              <a:buNone/>
-            </a:pPr>
-            <a:r>
-              <a:t/>
-            </a:r>
+            <a:pPr marL="0" lvl="0" indent="0" algn="l" rtl="0">
+              <a:spcBef>
+                <a:spcPts val="0"/>
+              </a:spcBef>
+              <a:spcAft>
+                <a:spcPts val="0"/>
+              </a:spcAft>
+              <a:buNone/>
+            </a:pPr>
             <a:endParaRPr/>
           </a:p>
         </p:txBody>
@@ -2668,11 +2769,11 @@
 </file>
 
 <file path=ppt/notesSlides/notesSlide9.xml><?xml version="1.0" encoding="utf-8"?>
-<p:notes xmlns:a="http://schemas.openxmlformats.org/drawingml/2006/main" xmlns:r="http://schemas.openxmlformats.org/officeDocument/2006/relationships" xmlns:mc="http://schemas.openxmlformats.org/markup-compatibility/2006" xmlns:mv="urn:schemas-microsoft-com:mac:vml" xmlns:p="http://schemas.openxmlformats.org/presentationml/2006/main" xmlns:c="http://schemas.openxmlformats.org/drawingml/2006/chart" xmlns:dgm="http://schemas.openxmlformats.org/drawingml/2006/diagram" xmlns:o="urn:schemas-microsoft-com:office:office" xmlns:v="urn:schemas-microsoft-com:vml" xmlns:pvml="urn:schemas-microsoft-com:office:powerpoint" xmlns:com="http://schemas.openxmlformats.org/drawingml/2006/compatibility" xmlns:p14="http://schemas.microsoft.com/office/powerpoint/2010/main" xmlns:p15="http://schemas.microsoft.com/office/powerpoint/2012/main" xmlns:ahyp="http://schemas.microsoft.com/office/drawing/2018/hyperlinkcolor" showMasterPhAnim="0" showMasterSp="0">
+<p:notes xmlns:a="http://schemas.openxmlformats.org/drawingml/2006/main" xmlns:r="http://schemas.openxmlformats.org/officeDocument/2006/relationships" xmlns:p="http://schemas.openxmlformats.org/presentationml/2006/main" showMasterSp="0" showMasterPhAnim="0">
   <p:cSld>
     <p:spTree>
       <p:nvGrpSpPr>
-        <p:cNvPr id="99" name="Shape 99"/>
+        <p:cNvPr id="1" name="Shape 99"/>
         <p:cNvGrpSpPr/>
         <p:nvPr/>
       </p:nvGrpSpPr>
@@ -2687,9 +2788,11 @@
       <p:sp>
         <p:nvSpPr>
           <p:cNvPr id="100" name="Google Shape;100;g1d2ad900d0a_0_16:notes"/>
-          <p:cNvSpPr/>
+          <p:cNvSpPr>
+            <a:spLocks noGrp="1" noRot="1" noChangeAspect="1"/>
+          </p:cNvSpPr>
           <p:nvPr>
-            <p:ph idx="2" type="sldImg"/>
+            <p:ph type="sldImg" idx="2"/>
           </p:nvPr>
         </p:nvSpPr>
         <p:spPr>
@@ -2698,9 +2801,13 @@
             <a:ext cx="6096000" cy="3429000"/>
           </a:xfrm>
           <a:custGeom>
-            <a:rect b="b" l="l" r="r" t="t"/>
+            <a:avLst/>
+            <a:gdLst/>
+            <a:ahLst/>
+            <a:cxnLst/>
+            <a:rect l="l" t="t" r="r" b="b"/>
             <a:pathLst>
-              <a:path extrusionOk="0" h="120000" w="120000">
+              <a:path w="120000" h="120000" extrusionOk="0">
                 <a:moveTo>
                   <a:pt x="0" y="0"/>
                 </a:moveTo>
@@ -2722,9 +2829,11 @@
       <p:sp>
         <p:nvSpPr>
           <p:cNvPr id="101" name="Google Shape;101;g1d2ad900d0a_0_16:notes"/>
-          <p:cNvSpPr txBox="1"/>
+          <p:cNvSpPr txBox="1">
+            <a:spLocks noGrp="1"/>
+          </p:cNvSpPr>
           <p:nvPr>
-            <p:ph idx="1" type="body"/>
+            <p:ph type="body" idx="1"/>
           </p:nvPr>
         </p:nvSpPr>
         <p:spPr>
@@ -2737,12 +2846,12 @@
           </a:prstGeom>
         </p:spPr>
         <p:txBody>
-          <a:bodyPr anchorCtr="0" anchor="t" bIns="91425" lIns="91425" spcFirstLastPara="1" rIns="91425" wrap="square" tIns="91425">
+          <a:bodyPr spcFirstLastPara="1" wrap="square" lIns="91425" tIns="91425" rIns="91425" bIns="91425" anchor="t" anchorCtr="0">
             <a:noAutofit/>
           </a:bodyPr>
           <a:lstStyle/>
           <a:p>
-            <a:pPr indent="-298450" lvl="0" marL="457200" rtl="0" algn="l">
+            <a:pPr marL="457200" lvl="0" indent="-298450" algn="l" rtl="0">
               <a:spcBef>
                 <a:spcPts val="0"/>
               </a:spcBef>
@@ -2759,7 +2868,7 @@
             <a:endParaRPr/>
           </a:p>
           <a:p>
-            <a:pPr indent="-298450" lvl="0" marL="457200" rtl="0" algn="l">
+            <a:pPr marL="457200" lvl="0" indent="-298450" algn="l" rtl="0">
               <a:spcBef>
                 <a:spcPts val="0"/>
               </a:spcBef>
@@ -2776,7 +2885,7 @@
             <a:endParaRPr/>
           </a:p>
           <a:p>
-            <a:pPr indent="-317500" lvl="1" marL="914400" rtl="0" algn="l">
+            <a:pPr marL="914400" lvl="1" indent="-317500" algn="l" rtl="0">
               <a:spcBef>
                 <a:spcPts val="0"/>
               </a:spcBef>
@@ -2793,7 +2902,7 @@
             <a:endParaRPr/>
           </a:p>
           <a:p>
-            <a:pPr indent="-298450" lvl="0" marL="457200" rtl="0" algn="l">
+            <a:pPr marL="457200" lvl="0" indent="-298450" algn="l" rtl="0">
               <a:spcBef>
                 <a:spcPts val="0"/>
               </a:spcBef>
@@ -2810,7 +2919,7 @@
             <a:endParaRPr/>
           </a:p>
           <a:p>
-            <a:pPr indent="-317500" lvl="1" marL="914400" rtl="0" algn="l">
+            <a:pPr marL="914400" lvl="1" indent="-317500" algn="l" rtl="0">
               <a:spcBef>
                 <a:spcPts val="0"/>
               </a:spcBef>
@@ -2827,7 +2936,7 @@
             <a:endParaRPr/>
           </a:p>
           <a:p>
-            <a:pPr indent="-317500" lvl="1" marL="914400" rtl="0" algn="l">
+            <a:pPr marL="914400" lvl="1" indent="-317500" algn="l" rtl="0">
               <a:spcBef>
                 <a:spcPts val="0"/>
               </a:spcBef>
@@ -2854,11 +2963,11 @@
 </file>
 
 <file path=ppt/slideLayouts/slideLayout1.xml><?xml version="1.0" encoding="utf-8"?>
-<p:sldLayout xmlns:a="http://schemas.openxmlformats.org/drawingml/2006/main" xmlns:r="http://schemas.openxmlformats.org/officeDocument/2006/relationships" xmlns:mc="http://schemas.openxmlformats.org/markup-compatibility/2006" xmlns:mv="urn:schemas-microsoft-com:mac:vml" xmlns:p="http://schemas.openxmlformats.org/presentationml/2006/main" xmlns:c="http://schemas.openxmlformats.org/drawingml/2006/chart" xmlns:dgm="http://schemas.openxmlformats.org/drawingml/2006/diagram" xmlns:o="urn:schemas-microsoft-com:office:office" xmlns:v="urn:schemas-microsoft-com:vml" xmlns:pvml="urn:schemas-microsoft-com:office:powerpoint" xmlns:com="http://schemas.openxmlformats.org/drawingml/2006/compatibility" xmlns:p14="http://schemas.microsoft.com/office/powerpoint/2010/main" xmlns:p15="http://schemas.microsoft.com/office/powerpoint/2012/main" xmlns:ahyp="http://schemas.microsoft.com/office/drawing/2018/hyperlinkcolor" matchingName="Title slide" type="title">
+<p:sldLayout xmlns:a="http://schemas.openxmlformats.org/drawingml/2006/main" xmlns:r="http://schemas.openxmlformats.org/officeDocument/2006/relationships" xmlns:p="http://schemas.openxmlformats.org/presentationml/2006/main" matchingName="Title slide" type="title">
   <p:cSld name="TITLE">
     <p:spTree>
       <p:nvGrpSpPr>
-        <p:cNvPr id="9" name="Shape 9"/>
+        <p:cNvPr id="1" name="Shape 9"/>
         <p:cNvGrpSpPr/>
         <p:nvPr/>
       </p:nvGrpSpPr>
@@ -2873,7 +2982,9 @@
       <p:sp>
         <p:nvSpPr>
           <p:cNvPr id="10" name="Google Shape;10;p2"/>
-          <p:cNvSpPr txBox="1"/>
+          <p:cNvSpPr txBox="1">
+            <a:spLocks noGrp="1"/>
+          </p:cNvSpPr>
           <p:nvPr>
             <p:ph type="ctrTitle"/>
           </p:nvPr>
@@ -2888,7 +2999,7 @@
           </a:prstGeom>
         </p:spPr>
         <p:txBody>
-          <a:bodyPr anchorCtr="0" anchor="b" bIns="91425" lIns="91425" spcFirstLastPara="1" rIns="91425" wrap="square" tIns="91425">
+          <a:bodyPr spcFirstLastPara="1" wrap="square" lIns="91425" tIns="91425" rIns="91425" bIns="91425" anchor="b" anchorCtr="0">
             <a:normAutofit/>
           </a:bodyPr>
           <a:lstStyle>
@@ -2997,15 +3108,19 @@
               <a:defRPr sz="5200"/>
             </a:lvl9pPr>
           </a:lstStyle>
-          <a:p/>
+          <a:p>
+            <a:endParaRPr/>
+          </a:p>
         </p:txBody>
       </p:sp>
       <p:sp>
         <p:nvSpPr>
           <p:cNvPr id="11" name="Google Shape;11;p2"/>
-          <p:cNvSpPr txBox="1"/>
+          <p:cNvSpPr txBox="1">
+            <a:spLocks noGrp="1"/>
+          </p:cNvSpPr>
           <p:nvPr>
-            <p:ph idx="1" type="subTitle"/>
+            <p:ph type="subTitle" idx="1"/>
           </p:nvPr>
         </p:nvSpPr>
         <p:spPr>
@@ -3018,7 +3133,7 @@
           </a:prstGeom>
         </p:spPr>
         <p:txBody>
-          <a:bodyPr anchorCtr="0" anchor="t" bIns="91425" lIns="91425" spcFirstLastPara="1" rIns="91425" wrap="square" tIns="91425">
+          <a:bodyPr spcFirstLastPara="1" wrap="square" lIns="91425" tIns="91425" rIns="91425" bIns="91425" anchor="t" anchorCtr="0">
             <a:normAutofit/>
           </a:bodyPr>
           <a:lstStyle>
@@ -3154,15 +3269,19 @@
               <a:defRPr sz="2800"/>
             </a:lvl9pPr>
           </a:lstStyle>
-          <a:p/>
+          <a:p>
+            <a:endParaRPr/>
+          </a:p>
         </p:txBody>
       </p:sp>
       <p:sp>
         <p:nvSpPr>
           <p:cNvPr id="12" name="Google Shape;12;p2"/>
-          <p:cNvSpPr txBox="1"/>
+          <p:cNvSpPr txBox="1">
+            <a:spLocks noGrp="1"/>
+          </p:cNvSpPr>
           <p:nvPr>
-            <p:ph idx="12" type="sldNum"/>
+            <p:ph type="sldNum" idx="12"/>
           </p:nvPr>
         </p:nvSpPr>
         <p:spPr>
@@ -3175,7 +3294,7 @@
           </a:prstGeom>
         </p:spPr>
         <p:txBody>
-          <a:bodyPr anchorCtr="0" anchor="ctr" bIns="91425" lIns="91425" spcFirstLastPara="1" rIns="91425" wrap="square" tIns="91425">
+          <a:bodyPr spcFirstLastPara="1" wrap="square" lIns="91425" tIns="91425" rIns="91425" bIns="91425" anchor="ctr" anchorCtr="0">
             <a:normAutofit/>
           </a:bodyPr>
           <a:lstStyle>
@@ -3217,7 +3336,7 @@
             </a:lvl9pPr>
           </a:lstStyle>
           <a:p>
-            <a:pPr indent="0" lvl="0" marL="0" rtl="0" algn="r">
+            <a:pPr marL="0" lvl="0" indent="0" algn="r" rtl="0">
               <a:spcBef>
                 <a:spcPts val="0"/>
               </a:spcBef>
@@ -3243,11 +3362,11 @@
 </file>
 
 <file path=ppt/slideLayouts/slideLayout10.xml><?xml version="1.0" encoding="utf-8"?>
-<p:sldLayout xmlns:a="http://schemas.openxmlformats.org/drawingml/2006/main" xmlns:r="http://schemas.openxmlformats.org/officeDocument/2006/relationships" xmlns:mc="http://schemas.openxmlformats.org/markup-compatibility/2006" xmlns:mv="urn:schemas-microsoft-com:mac:vml" xmlns:p="http://schemas.openxmlformats.org/presentationml/2006/main" xmlns:c="http://schemas.openxmlformats.org/drawingml/2006/chart" xmlns:dgm="http://schemas.openxmlformats.org/drawingml/2006/diagram" xmlns:o="urn:schemas-microsoft-com:office:office" xmlns:v="urn:schemas-microsoft-com:vml" xmlns:pvml="urn:schemas-microsoft-com:office:powerpoint" xmlns:com="http://schemas.openxmlformats.org/drawingml/2006/compatibility" xmlns:p14="http://schemas.microsoft.com/office/powerpoint/2010/main" xmlns:p15="http://schemas.microsoft.com/office/powerpoint/2012/main" xmlns:ahyp="http://schemas.microsoft.com/office/drawing/2018/hyperlinkcolor" matchingName="Big number">
+<p:sldLayout xmlns:a="http://schemas.openxmlformats.org/drawingml/2006/main" xmlns:r="http://schemas.openxmlformats.org/officeDocument/2006/relationships" xmlns:p="http://schemas.openxmlformats.org/presentationml/2006/main" matchingName="Big number">
   <p:cSld name="BIG_NUMBER">
     <p:spTree>
       <p:nvGrpSpPr>
-        <p:cNvPr id="44" name="Shape 44"/>
+        <p:cNvPr id="1" name="Shape 44"/>
         <p:cNvGrpSpPr/>
         <p:nvPr/>
       </p:nvGrpSpPr>
@@ -3262,9 +3381,11 @@
       <p:sp>
         <p:nvSpPr>
           <p:cNvPr id="45" name="Google Shape;45;p11"/>
-          <p:cNvSpPr txBox="1"/>
+          <p:cNvSpPr txBox="1">
+            <a:spLocks noGrp="1"/>
+          </p:cNvSpPr>
           <p:nvPr>
-            <p:ph hasCustomPrompt="1" type="title"/>
+            <p:ph type="title" hasCustomPrompt="1"/>
           </p:nvPr>
         </p:nvSpPr>
         <p:spPr>
@@ -3277,7 +3398,7 @@
           </a:prstGeom>
         </p:spPr>
         <p:txBody>
-          <a:bodyPr anchorCtr="0" anchor="b" bIns="91425" lIns="91425" spcFirstLastPara="1" rIns="91425" wrap="square" tIns="91425">
+          <a:bodyPr spcFirstLastPara="1" wrap="square" lIns="91425" tIns="91425" rIns="91425" bIns="91425" anchor="b" anchorCtr="0">
             <a:normAutofit/>
           </a:bodyPr>
           <a:lstStyle>
@@ -3391,9 +3512,11 @@
       <p:sp>
         <p:nvSpPr>
           <p:cNvPr id="46" name="Google Shape;46;p11"/>
-          <p:cNvSpPr txBox="1"/>
+          <p:cNvSpPr txBox="1">
+            <a:spLocks noGrp="1"/>
+          </p:cNvSpPr>
           <p:nvPr>
-            <p:ph idx="1" type="body"/>
+            <p:ph type="body" idx="1"/>
           </p:nvPr>
         </p:nvSpPr>
         <p:spPr>
@@ -3406,11 +3529,11 @@
           </a:prstGeom>
         </p:spPr>
         <p:txBody>
-          <a:bodyPr anchorCtr="0" anchor="t" bIns="91425" lIns="91425" spcFirstLastPara="1" rIns="91425" wrap="square" tIns="91425">
+          <a:bodyPr spcFirstLastPara="1" wrap="square" lIns="91425" tIns="91425" rIns="91425" bIns="91425" anchor="t" anchorCtr="0">
             <a:normAutofit/>
           </a:bodyPr>
           <a:lstStyle>
-            <a:lvl1pPr indent="-342900" lvl="0" marL="457200" algn="ctr">
+            <a:lvl1pPr marL="457200" lvl="0" indent="-342900" algn="ctr">
               <a:spcBef>
                 <a:spcPts val="0"/>
               </a:spcBef>
@@ -3421,7 +3544,7 @@
               <a:buChar char="●"/>
               <a:defRPr/>
             </a:lvl1pPr>
-            <a:lvl2pPr indent="-317500" lvl="1" marL="914400" algn="ctr">
+            <a:lvl2pPr marL="914400" lvl="1" indent="-317500" algn="ctr">
               <a:spcBef>
                 <a:spcPts val="0"/>
               </a:spcBef>
@@ -3432,7 +3555,7 @@
               <a:buChar char="○"/>
               <a:defRPr/>
             </a:lvl2pPr>
-            <a:lvl3pPr indent="-317500" lvl="2" marL="1371600" algn="ctr">
+            <a:lvl3pPr marL="1371600" lvl="2" indent="-317500" algn="ctr">
               <a:spcBef>
                 <a:spcPts val="0"/>
               </a:spcBef>
@@ -3443,7 +3566,7 @@
               <a:buChar char="■"/>
               <a:defRPr/>
             </a:lvl3pPr>
-            <a:lvl4pPr indent="-317500" lvl="3" marL="1828800" algn="ctr">
+            <a:lvl4pPr marL="1828800" lvl="3" indent="-317500" algn="ctr">
               <a:spcBef>
                 <a:spcPts val="0"/>
               </a:spcBef>
@@ -3454,7 +3577,7 @@
               <a:buChar char="●"/>
               <a:defRPr/>
             </a:lvl4pPr>
-            <a:lvl5pPr indent="-317500" lvl="4" marL="2286000" algn="ctr">
+            <a:lvl5pPr marL="2286000" lvl="4" indent="-317500" algn="ctr">
               <a:spcBef>
                 <a:spcPts val="0"/>
               </a:spcBef>
@@ -3465,7 +3588,7 @@
               <a:buChar char="○"/>
               <a:defRPr/>
             </a:lvl5pPr>
-            <a:lvl6pPr indent="-317500" lvl="5" marL="2743200" algn="ctr">
+            <a:lvl6pPr marL="2743200" lvl="5" indent="-317500" algn="ctr">
               <a:spcBef>
                 <a:spcPts val="0"/>
               </a:spcBef>
@@ -3476,7 +3599,7 @@
               <a:buChar char="■"/>
               <a:defRPr/>
             </a:lvl6pPr>
-            <a:lvl7pPr indent="-317500" lvl="6" marL="3200400" algn="ctr">
+            <a:lvl7pPr marL="3200400" lvl="6" indent="-317500" algn="ctr">
               <a:spcBef>
                 <a:spcPts val="0"/>
               </a:spcBef>
@@ -3487,7 +3610,7 @@
               <a:buChar char="●"/>
               <a:defRPr/>
             </a:lvl7pPr>
-            <a:lvl8pPr indent="-317500" lvl="7" marL="3657600" algn="ctr">
+            <a:lvl8pPr marL="3657600" lvl="7" indent="-317500" algn="ctr">
               <a:spcBef>
                 <a:spcPts val="0"/>
               </a:spcBef>
@@ -3498,7 +3621,7 @@
               <a:buChar char="○"/>
               <a:defRPr/>
             </a:lvl8pPr>
-            <a:lvl9pPr indent="-317500" lvl="8" marL="4114800" algn="ctr">
+            <a:lvl9pPr marL="4114800" lvl="8" indent="-317500" algn="ctr">
               <a:spcBef>
                 <a:spcPts val="0"/>
               </a:spcBef>
@@ -3510,15 +3633,19 @@
               <a:defRPr/>
             </a:lvl9pPr>
           </a:lstStyle>
-          <a:p/>
+          <a:p>
+            <a:endParaRPr/>
+          </a:p>
         </p:txBody>
       </p:sp>
       <p:sp>
         <p:nvSpPr>
           <p:cNvPr id="47" name="Google Shape;47;p11"/>
-          <p:cNvSpPr txBox="1"/>
+          <p:cNvSpPr txBox="1">
+            <a:spLocks noGrp="1"/>
+          </p:cNvSpPr>
           <p:nvPr>
-            <p:ph idx="12" type="sldNum"/>
+            <p:ph type="sldNum" idx="12"/>
           </p:nvPr>
         </p:nvSpPr>
         <p:spPr>
@@ -3531,7 +3658,7 @@
           </a:prstGeom>
         </p:spPr>
         <p:txBody>
-          <a:bodyPr anchorCtr="0" anchor="ctr" bIns="91425" lIns="91425" spcFirstLastPara="1" rIns="91425" wrap="square" tIns="91425">
+          <a:bodyPr spcFirstLastPara="1" wrap="square" lIns="91425" tIns="91425" rIns="91425" bIns="91425" anchor="ctr" anchorCtr="0">
             <a:normAutofit/>
           </a:bodyPr>
           <a:lstStyle>
@@ -3573,7 +3700,7 @@
             </a:lvl9pPr>
           </a:lstStyle>
           <a:p>
-            <a:pPr indent="0" lvl="0" marL="0" rtl="0" algn="r">
+            <a:pPr marL="0" lvl="0" indent="0" algn="r" rtl="0">
               <a:spcBef>
                 <a:spcPts val="0"/>
               </a:spcBef>
@@ -3599,11 +3726,11 @@
 </file>
 
 <file path=ppt/slideLayouts/slideLayout11.xml><?xml version="1.0" encoding="utf-8"?>
-<p:sldLayout xmlns:a="http://schemas.openxmlformats.org/drawingml/2006/main" xmlns:r="http://schemas.openxmlformats.org/officeDocument/2006/relationships" xmlns:mc="http://schemas.openxmlformats.org/markup-compatibility/2006" xmlns:mv="urn:schemas-microsoft-com:mac:vml" xmlns:p="http://schemas.openxmlformats.org/presentationml/2006/main" xmlns:c="http://schemas.openxmlformats.org/drawingml/2006/chart" xmlns:dgm="http://schemas.openxmlformats.org/drawingml/2006/diagram" xmlns:o="urn:schemas-microsoft-com:office:office" xmlns:v="urn:schemas-microsoft-com:vml" xmlns:pvml="urn:schemas-microsoft-com:office:powerpoint" xmlns:com="http://schemas.openxmlformats.org/drawingml/2006/compatibility" xmlns:p14="http://schemas.microsoft.com/office/powerpoint/2010/main" xmlns:p15="http://schemas.microsoft.com/office/powerpoint/2012/main" xmlns:ahyp="http://schemas.microsoft.com/office/drawing/2018/hyperlinkcolor" matchingName="Blank" type="blank">
+<p:sldLayout xmlns:a="http://schemas.openxmlformats.org/drawingml/2006/main" xmlns:r="http://schemas.openxmlformats.org/officeDocument/2006/relationships" xmlns:p="http://schemas.openxmlformats.org/presentationml/2006/main" matchingName="Blank" type="blank">
   <p:cSld name="BLANK">
     <p:spTree>
       <p:nvGrpSpPr>
-        <p:cNvPr id="48" name="Shape 48"/>
+        <p:cNvPr id="1" name="Shape 48"/>
         <p:cNvGrpSpPr/>
         <p:nvPr/>
       </p:nvGrpSpPr>
@@ -3618,9 +3745,11 @@
       <p:sp>
         <p:nvSpPr>
           <p:cNvPr id="49" name="Google Shape;49;p12"/>
-          <p:cNvSpPr txBox="1"/>
+          <p:cNvSpPr txBox="1">
+            <a:spLocks noGrp="1"/>
+          </p:cNvSpPr>
           <p:nvPr>
-            <p:ph idx="12" type="sldNum"/>
+            <p:ph type="sldNum" idx="12"/>
           </p:nvPr>
         </p:nvSpPr>
         <p:spPr>
@@ -3633,7 +3762,7 @@
           </a:prstGeom>
         </p:spPr>
         <p:txBody>
-          <a:bodyPr anchorCtr="0" anchor="ctr" bIns="91425" lIns="91425" spcFirstLastPara="1" rIns="91425" wrap="square" tIns="91425">
+          <a:bodyPr spcFirstLastPara="1" wrap="square" lIns="91425" tIns="91425" rIns="91425" bIns="91425" anchor="ctr" anchorCtr="0">
             <a:normAutofit/>
           </a:bodyPr>
           <a:lstStyle>
@@ -3675,7 +3804,7 @@
             </a:lvl9pPr>
           </a:lstStyle>
           <a:p>
-            <a:pPr indent="0" lvl="0" marL="0" rtl="0" algn="r">
+            <a:pPr marL="0" lvl="0" indent="0" algn="r" rtl="0">
               <a:spcBef>
                 <a:spcPts val="0"/>
               </a:spcBef>
@@ -3701,11 +3830,11 @@
 </file>
 
 <file path=ppt/slideLayouts/slideLayout2.xml><?xml version="1.0" encoding="utf-8"?>
-<p:sldLayout xmlns:a="http://schemas.openxmlformats.org/drawingml/2006/main" xmlns:r="http://schemas.openxmlformats.org/officeDocument/2006/relationships" xmlns:mc="http://schemas.openxmlformats.org/markup-compatibility/2006" xmlns:mv="urn:schemas-microsoft-com:mac:vml" xmlns:p="http://schemas.openxmlformats.org/presentationml/2006/main" xmlns:c="http://schemas.openxmlformats.org/drawingml/2006/chart" xmlns:dgm="http://schemas.openxmlformats.org/drawingml/2006/diagram" xmlns:o="urn:schemas-microsoft-com:office:office" xmlns:v="urn:schemas-microsoft-com:vml" xmlns:pvml="urn:schemas-microsoft-com:office:powerpoint" xmlns:com="http://schemas.openxmlformats.org/drawingml/2006/compatibility" xmlns:p14="http://schemas.microsoft.com/office/powerpoint/2010/main" xmlns:p15="http://schemas.microsoft.com/office/powerpoint/2012/main" xmlns:ahyp="http://schemas.microsoft.com/office/drawing/2018/hyperlinkcolor" matchingName="Section header" type="secHead">
+<p:sldLayout xmlns:a="http://schemas.openxmlformats.org/drawingml/2006/main" xmlns:r="http://schemas.openxmlformats.org/officeDocument/2006/relationships" xmlns:p="http://schemas.openxmlformats.org/presentationml/2006/main" matchingName="Section header" type="secHead">
   <p:cSld name="SECTION_HEADER">
     <p:spTree>
       <p:nvGrpSpPr>
-        <p:cNvPr id="13" name="Shape 13"/>
+        <p:cNvPr id="1" name="Shape 13"/>
         <p:cNvGrpSpPr/>
         <p:nvPr/>
       </p:nvGrpSpPr>
@@ -3720,7 +3849,9 @@
       <p:sp>
         <p:nvSpPr>
           <p:cNvPr id="14" name="Google Shape;14;p3"/>
-          <p:cNvSpPr txBox="1"/>
+          <p:cNvSpPr txBox="1">
+            <a:spLocks noGrp="1"/>
+          </p:cNvSpPr>
           <p:nvPr>
             <p:ph type="title"/>
           </p:nvPr>
@@ -3735,7 +3866,7 @@
           </a:prstGeom>
         </p:spPr>
         <p:txBody>
-          <a:bodyPr anchorCtr="0" anchor="ctr" bIns="91425" lIns="91425" spcFirstLastPara="1" rIns="91425" wrap="square" tIns="91425">
+          <a:bodyPr spcFirstLastPara="1" wrap="square" lIns="91425" tIns="91425" rIns="91425" bIns="91425" anchor="ctr" anchorCtr="0">
             <a:normAutofit/>
           </a:bodyPr>
           <a:lstStyle>
@@ -3844,15 +3975,19 @@
               <a:defRPr sz="3600"/>
             </a:lvl9pPr>
           </a:lstStyle>
-          <a:p/>
+          <a:p>
+            <a:endParaRPr/>
+          </a:p>
         </p:txBody>
       </p:sp>
       <p:sp>
         <p:nvSpPr>
           <p:cNvPr id="15" name="Google Shape;15;p3"/>
-          <p:cNvSpPr txBox="1"/>
+          <p:cNvSpPr txBox="1">
+            <a:spLocks noGrp="1"/>
+          </p:cNvSpPr>
           <p:nvPr>
-            <p:ph idx="12" type="sldNum"/>
+            <p:ph type="sldNum" idx="12"/>
           </p:nvPr>
         </p:nvSpPr>
         <p:spPr>
@@ -3865,7 +4000,7 @@
           </a:prstGeom>
         </p:spPr>
         <p:txBody>
-          <a:bodyPr anchorCtr="0" anchor="ctr" bIns="91425" lIns="91425" spcFirstLastPara="1" rIns="91425" wrap="square" tIns="91425">
+          <a:bodyPr spcFirstLastPara="1" wrap="square" lIns="91425" tIns="91425" rIns="91425" bIns="91425" anchor="ctr" anchorCtr="0">
             <a:normAutofit/>
           </a:bodyPr>
           <a:lstStyle>
@@ -3907,7 +4042,7 @@
             </a:lvl9pPr>
           </a:lstStyle>
           <a:p>
-            <a:pPr indent="0" lvl="0" marL="0" rtl="0" algn="r">
+            <a:pPr marL="0" lvl="0" indent="0" algn="r" rtl="0">
               <a:spcBef>
                 <a:spcPts val="0"/>
               </a:spcBef>
@@ -3933,11 +4068,11 @@
 </file>
 
 <file path=ppt/slideLayouts/slideLayout3.xml><?xml version="1.0" encoding="utf-8"?>
-<p:sldLayout xmlns:a="http://schemas.openxmlformats.org/drawingml/2006/main" xmlns:r="http://schemas.openxmlformats.org/officeDocument/2006/relationships" xmlns:mc="http://schemas.openxmlformats.org/markup-compatibility/2006" xmlns:mv="urn:schemas-microsoft-com:mac:vml" xmlns:p="http://schemas.openxmlformats.org/presentationml/2006/main" xmlns:c="http://schemas.openxmlformats.org/drawingml/2006/chart" xmlns:dgm="http://schemas.openxmlformats.org/drawingml/2006/diagram" xmlns:o="urn:schemas-microsoft-com:office:office" xmlns:v="urn:schemas-microsoft-com:vml" xmlns:pvml="urn:schemas-microsoft-com:office:powerpoint" xmlns:com="http://schemas.openxmlformats.org/drawingml/2006/compatibility" xmlns:p14="http://schemas.microsoft.com/office/powerpoint/2010/main" xmlns:p15="http://schemas.microsoft.com/office/powerpoint/2012/main" xmlns:ahyp="http://schemas.microsoft.com/office/drawing/2018/hyperlinkcolor" matchingName="Title and body" type="tx">
+<p:sldLayout xmlns:a="http://schemas.openxmlformats.org/drawingml/2006/main" xmlns:r="http://schemas.openxmlformats.org/officeDocument/2006/relationships" xmlns:p="http://schemas.openxmlformats.org/presentationml/2006/main" matchingName="Title and body" type="tx">
   <p:cSld name="TITLE_AND_BODY">
     <p:spTree>
       <p:nvGrpSpPr>
-        <p:cNvPr id="16" name="Shape 16"/>
+        <p:cNvPr id="1" name="Shape 16"/>
         <p:cNvGrpSpPr/>
         <p:nvPr/>
       </p:nvGrpSpPr>
@@ -3952,7 +4087,9 @@
       <p:sp>
         <p:nvSpPr>
           <p:cNvPr id="17" name="Google Shape;17;p4"/>
-          <p:cNvSpPr txBox="1"/>
+          <p:cNvSpPr txBox="1">
+            <a:spLocks noGrp="1"/>
+          </p:cNvSpPr>
           <p:nvPr>
             <p:ph type="title"/>
           </p:nvPr>
@@ -3967,7 +4104,7 @@
           </a:prstGeom>
         </p:spPr>
         <p:txBody>
-          <a:bodyPr anchorCtr="0" anchor="t" bIns="91425" lIns="91425" spcFirstLastPara="1" rIns="91425" wrap="square" tIns="91425">
+          <a:bodyPr spcFirstLastPara="1" wrap="square" lIns="91425" tIns="91425" rIns="91425" bIns="91425" anchor="t" anchorCtr="0">
             <a:normAutofit/>
           </a:bodyPr>
           <a:lstStyle>
@@ -4076,15 +4213,19 @@
               <a:defRPr/>
             </a:lvl9pPr>
           </a:lstStyle>
-          <a:p/>
+          <a:p>
+            <a:endParaRPr/>
+          </a:p>
         </p:txBody>
       </p:sp>
       <p:sp>
         <p:nvSpPr>
           <p:cNvPr id="18" name="Google Shape;18;p4"/>
-          <p:cNvSpPr txBox="1"/>
+          <p:cNvSpPr txBox="1">
+            <a:spLocks noGrp="1"/>
+          </p:cNvSpPr>
           <p:nvPr>
-            <p:ph idx="1" type="body"/>
+            <p:ph type="body" idx="1"/>
           </p:nvPr>
         </p:nvSpPr>
         <p:spPr>
@@ -4097,11 +4238,11 @@
           </a:prstGeom>
         </p:spPr>
         <p:txBody>
-          <a:bodyPr anchorCtr="0" anchor="t" bIns="91425" lIns="91425" spcFirstLastPara="1" rIns="91425" wrap="square" tIns="91425">
+          <a:bodyPr spcFirstLastPara="1" wrap="square" lIns="91425" tIns="91425" rIns="91425" bIns="91425" anchor="t" anchorCtr="0">
             <a:normAutofit/>
           </a:bodyPr>
           <a:lstStyle>
-            <a:lvl1pPr indent="-342900" lvl="0" marL="457200">
+            <a:lvl1pPr marL="457200" lvl="0" indent="-342900">
               <a:spcBef>
                 <a:spcPts val="0"/>
               </a:spcBef>
@@ -4120,7 +4261,7 @@
                 <a:sym typeface="Montserrat"/>
               </a:defRPr>
             </a:lvl1pPr>
-            <a:lvl2pPr indent="-317500" lvl="1" marL="914400">
+            <a:lvl2pPr marL="914400" lvl="1" indent="-317500">
               <a:spcBef>
                 <a:spcPts val="0"/>
               </a:spcBef>
@@ -4139,7 +4280,7 @@
                 <a:sym typeface="Montserrat"/>
               </a:defRPr>
             </a:lvl2pPr>
-            <a:lvl3pPr indent="-317500" lvl="2" marL="1371600">
+            <a:lvl3pPr marL="1371600" lvl="2" indent="-317500">
               <a:spcBef>
                 <a:spcPts val="0"/>
               </a:spcBef>
@@ -4155,7 +4296,7 @@
                 <a:sym typeface="Montserrat"/>
               </a:defRPr>
             </a:lvl3pPr>
-            <a:lvl4pPr indent="-317500" lvl="3" marL="1828800">
+            <a:lvl4pPr marL="1828800" lvl="3" indent="-317500">
               <a:spcBef>
                 <a:spcPts val="0"/>
               </a:spcBef>
@@ -4166,7 +4307,7 @@
               <a:buAutoNum type="arabicPeriod"/>
               <a:defRPr/>
             </a:lvl4pPr>
-            <a:lvl5pPr indent="-317500" lvl="4" marL="2286000">
+            <a:lvl5pPr marL="2286000" lvl="4" indent="-317500">
               <a:spcBef>
                 <a:spcPts val="0"/>
               </a:spcBef>
@@ -4177,7 +4318,7 @@
               <a:buAutoNum type="alphaLcPeriod"/>
               <a:defRPr/>
             </a:lvl5pPr>
-            <a:lvl6pPr indent="-317500" lvl="5" marL="2743200">
+            <a:lvl6pPr marL="2743200" lvl="5" indent="-317500">
               <a:spcBef>
                 <a:spcPts val="0"/>
               </a:spcBef>
@@ -4188,7 +4329,7 @@
               <a:buAutoNum type="romanLcPeriod"/>
               <a:defRPr/>
             </a:lvl6pPr>
-            <a:lvl7pPr indent="-317500" lvl="6" marL="3200400">
+            <a:lvl7pPr marL="3200400" lvl="6" indent="-317500">
               <a:spcBef>
                 <a:spcPts val="0"/>
               </a:spcBef>
@@ -4199,7 +4340,7 @@
               <a:buAutoNum type="arabicPeriod"/>
               <a:defRPr/>
             </a:lvl7pPr>
-            <a:lvl8pPr indent="-317500" lvl="7" marL="3657600">
+            <a:lvl8pPr marL="3657600" lvl="7" indent="-317500">
               <a:spcBef>
                 <a:spcPts val="0"/>
               </a:spcBef>
@@ -4210,7 +4351,7 @@
               <a:buAutoNum type="alphaLcPeriod"/>
               <a:defRPr/>
             </a:lvl8pPr>
-            <a:lvl9pPr indent="-317500" lvl="8" marL="4114800">
+            <a:lvl9pPr marL="4114800" lvl="8" indent="-317500">
               <a:spcBef>
                 <a:spcPts val="0"/>
               </a:spcBef>
@@ -4222,15 +4363,19 @@
               <a:defRPr/>
             </a:lvl9pPr>
           </a:lstStyle>
-          <a:p/>
+          <a:p>
+            <a:endParaRPr/>
+          </a:p>
         </p:txBody>
       </p:sp>
       <p:sp>
         <p:nvSpPr>
           <p:cNvPr id="19" name="Google Shape;19;p4"/>
-          <p:cNvSpPr txBox="1"/>
+          <p:cNvSpPr txBox="1">
+            <a:spLocks noGrp="1"/>
+          </p:cNvSpPr>
           <p:nvPr>
-            <p:ph idx="12" type="sldNum"/>
+            <p:ph type="sldNum" idx="12"/>
           </p:nvPr>
         </p:nvSpPr>
         <p:spPr>
@@ -4243,7 +4388,7 @@
           </a:prstGeom>
         </p:spPr>
         <p:txBody>
-          <a:bodyPr anchorCtr="0" anchor="ctr" bIns="91425" lIns="91425" spcFirstLastPara="1" rIns="91425" wrap="square" tIns="91425">
+          <a:bodyPr spcFirstLastPara="1" wrap="square" lIns="91425" tIns="91425" rIns="91425" bIns="91425" anchor="ctr" anchorCtr="0">
             <a:normAutofit/>
           </a:bodyPr>
           <a:lstStyle>
@@ -4285,7 +4430,7 @@
             </a:lvl9pPr>
           </a:lstStyle>
           <a:p>
-            <a:pPr indent="0" lvl="0" marL="0" rtl="0" algn="r">
+            <a:pPr marL="0" lvl="0" indent="0" algn="r" rtl="0">
               <a:spcBef>
                 <a:spcPts val="0"/>
               </a:spcBef>
@@ -4311,11 +4456,11 @@
 </file>
 
 <file path=ppt/slideLayouts/slideLayout4.xml><?xml version="1.0" encoding="utf-8"?>
-<p:sldLayout xmlns:a="http://schemas.openxmlformats.org/drawingml/2006/main" xmlns:r="http://schemas.openxmlformats.org/officeDocument/2006/relationships" xmlns:mc="http://schemas.openxmlformats.org/markup-compatibility/2006" xmlns:mv="urn:schemas-microsoft-com:mac:vml" xmlns:p="http://schemas.openxmlformats.org/presentationml/2006/main" xmlns:c="http://schemas.openxmlformats.org/drawingml/2006/chart" xmlns:dgm="http://schemas.openxmlformats.org/drawingml/2006/diagram" xmlns:o="urn:schemas-microsoft-com:office:office" xmlns:v="urn:schemas-microsoft-com:vml" xmlns:pvml="urn:schemas-microsoft-com:office:powerpoint" xmlns:com="http://schemas.openxmlformats.org/drawingml/2006/compatibility" xmlns:p14="http://schemas.microsoft.com/office/powerpoint/2010/main" xmlns:p15="http://schemas.microsoft.com/office/powerpoint/2012/main" xmlns:ahyp="http://schemas.microsoft.com/office/drawing/2018/hyperlinkcolor" matchingName="Title and two columns" type="twoColTx">
+<p:sldLayout xmlns:a="http://schemas.openxmlformats.org/drawingml/2006/main" xmlns:r="http://schemas.openxmlformats.org/officeDocument/2006/relationships" xmlns:p="http://schemas.openxmlformats.org/presentationml/2006/main" matchingName="Title and two columns" type="twoColTx">
   <p:cSld name="TITLE_AND_TWO_COLUMNS">
     <p:spTree>
       <p:nvGrpSpPr>
-        <p:cNvPr id="20" name="Shape 20"/>
+        <p:cNvPr id="1" name="Shape 20"/>
         <p:cNvGrpSpPr/>
         <p:nvPr/>
       </p:nvGrpSpPr>
@@ -4330,7 +4475,9 @@
       <p:sp>
         <p:nvSpPr>
           <p:cNvPr id="21" name="Google Shape;21;p5"/>
-          <p:cNvSpPr txBox="1"/>
+          <p:cNvSpPr txBox="1">
+            <a:spLocks noGrp="1"/>
+          </p:cNvSpPr>
           <p:nvPr>
             <p:ph type="title"/>
           </p:nvPr>
@@ -4345,7 +4492,7 @@
           </a:prstGeom>
         </p:spPr>
         <p:txBody>
-          <a:bodyPr anchorCtr="0" anchor="t" bIns="91425" lIns="91425" spcFirstLastPara="1" rIns="91425" wrap="square" tIns="91425">
+          <a:bodyPr spcFirstLastPara="1" wrap="square" lIns="91425" tIns="91425" rIns="91425" bIns="91425" anchor="t" anchorCtr="0">
             <a:normAutofit/>
           </a:bodyPr>
           <a:lstStyle>
@@ -4454,15 +4601,19 @@
               <a:defRPr/>
             </a:lvl9pPr>
           </a:lstStyle>
-          <a:p/>
+          <a:p>
+            <a:endParaRPr/>
+          </a:p>
         </p:txBody>
       </p:sp>
       <p:sp>
         <p:nvSpPr>
           <p:cNvPr id="22" name="Google Shape;22;p5"/>
-          <p:cNvSpPr txBox="1"/>
+          <p:cNvSpPr txBox="1">
+            <a:spLocks noGrp="1"/>
+          </p:cNvSpPr>
           <p:nvPr>
-            <p:ph idx="1" type="body"/>
+            <p:ph type="body" idx="1"/>
           </p:nvPr>
         </p:nvSpPr>
         <p:spPr>
@@ -4475,11 +4626,11 @@
           </a:prstGeom>
         </p:spPr>
         <p:txBody>
-          <a:bodyPr anchorCtr="0" anchor="t" bIns="91425" lIns="91425" spcFirstLastPara="1" rIns="91425" wrap="square" tIns="91425">
+          <a:bodyPr spcFirstLastPara="1" wrap="square" lIns="91425" tIns="91425" rIns="91425" bIns="91425" anchor="t" anchorCtr="0">
             <a:normAutofit/>
           </a:bodyPr>
           <a:lstStyle>
-            <a:lvl1pPr indent="-317500" lvl="0" marL="457200">
+            <a:lvl1pPr marL="457200" lvl="0" indent="-317500">
               <a:spcBef>
                 <a:spcPts val="0"/>
               </a:spcBef>
@@ -4495,7 +4646,7 @@
                 <a:sym typeface="Montserrat"/>
               </a:defRPr>
             </a:lvl1pPr>
-            <a:lvl2pPr indent="-304800" lvl="1" marL="914400">
+            <a:lvl2pPr marL="914400" lvl="1" indent="-304800">
               <a:spcBef>
                 <a:spcPts val="0"/>
               </a:spcBef>
@@ -4506,7 +4657,7 @@
               <a:buChar char="○"/>
               <a:defRPr sz="1200"/>
             </a:lvl2pPr>
-            <a:lvl3pPr indent="-304800" lvl="2" marL="1371600">
+            <a:lvl3pPr marL="1371600" lvl="2" indent="-304800">
               <a:spcBef>
                 <a:spcPts val="0"/>
               </a:spcBef>
@@ -4517,7 +4668,7 @@
               <a:buChar char="■"/>
               <a:defRPr sz="1200"/>
             </a:lvl3pPr>
-            <a:lvl4pPr indent="-304800" lvl="3" marL="1828800">
+            <a:lvl4pPr marL="1828800" lvl="3" indent="-304800">
               <a:spcBef>
                 <a:spcPts val="0"/>
               </a:spcBef>
@@ -4528,7 +4679,7 @@
               <a:buChar char="●"/>
               <a:defRPr sz="1200"/>
             </a:lvl4pPr>
-            <a:lvl5pPr indent="-304800" lvl="4" marL="2286000">
+            <a:lvl5pPr marL="2286000" lvl="4" indent="-304800">
               <a:spcBef>
                 <a:spcPts val="0"/>
               </a:spcBef>
@@ -4539,7 +4690,7 @@
               <a:buChar char="○"/>
               <a:defRPr sz="1200"/>
             </a:lvl5pPr>
-            <a:lvl6pPr indent="-304800" lvl="5" marL="2743200">
+            <a:lvl6pPr marL="2743200" lvl="5" indent="-304800">
               <a:spcBef>
                 <a:spcPts val="0"/>
               </a:spcBef>
@@ -4550,7 +4701,7 @@
               <a:buChar char="■"/>
               <a:defRPr sz="1200"/>
             </a:lvl6pPr>
-            <a:lvl7pPr indent="-304800" lvl="6" marL="3200400">
+            <a:lvl7pPr marL="3200400" lvl="6" indent="-304800">
               <a:spcBef>
                 <a:spcPts val="0"/>
               </a:spcBef>
@@ -4561,7 +4712,7 @@
               <a:buChar char="●"/>
               <a:defRPr sz="1200"/>
             </a:lvl7pPr>
-            <a:lvl8pPr indent="-304800" lvl="7" marL="3657600">
+            <a:lvl8pPr marL="3657600" lvl="7" indent="-304800">
               <a:spcBef>
                 <a:spcPts val="0"/>
               </a:spcBef>
@@ -4572,7 +4723,7 @@
               <a:buChar char="○"/>
               <a:defRPr sz="1200"/>
             </a:lvl8pPr>
-            <a:lvl9pPr indent="-304800" lvl="8" marL="4114800">
+            <a:lvl9pPr marL="4114800" lvl="8" indent="-304800">
               <a:spcBef>
                 <a:spcPts val="0"/>
               </a:spcBef>
@@ -4584,15 +4735,19 @@
               <a:defRPr sz="1200"/>
             </a:lvl9pPr>
           </a:lstStyle>
-          <a:p/>
+          <a:p>
+            <a:endParaRPr/>
+          </a:p>
         </p:txBody>
       </p:sp>
       <p:sp>
         <p:nvSpPr>
           <p:cNvPr id="23" name="Google Shape;23;p5"/>
-          <p:cNvSpPr txBox="1"/>
+          <p:cNvSpPr txBox="1">
+            <a:spLocks noGrp="1"/>
+          </p:cNvSpPr>
           <p:nvPr>
-            <p:ph idx="2" type="body"/>
+            <p:ph type="body" idx="2"/>
           </p:nvPr>
         </p:nvSpPr>
         <p:spPr>
@@ -4605,11 +4760,11 @@
           </a:prstGeom>
         </p:spPr>
         <p:txBody>
-          <a:bodyPr anchorCtr="0" anchor="t" bIns="91425" lIns="91425" spcFirstLastPara="1" rIns="91425" wrap="square" tIns="91425">
+          <a:bodyPr spcFirstLastPara="1" wrap="square" lIns="91425" tIns="91425" rIns="91425" bIns="91425" anchor="t" anchorCtr="0">
             <a:normAutofit/>
           </a:bodyPr>
           <a:lstStyle>
-            <a:lvl1pPr indent="-317500" lvl="0" marL="457200">
+            <a:lvl1pPr marL="457200" lvl="0" indent="-317500">
               <a:spcBef>
                 <a:spcPts val="0"/>
               </a:spcBef>
@@ -4625,7 +4780,7 @@
                 <a:sym typeface="Montserrat"/>
               </a:defRPr>
             </a:lvl1pPr>
-            <a:lvl2pPr indent="-304800" lvl="1" marL="914400">
+            <a:lvl2pPr marL="914400" lvl="1" indent="-304800">
               <a:spcBef>
                 <a:spcPts val="0"/>
               </a:spcBef>
@@ -4636,7 +4791,7 @@
               <a:buChar char="○"/>
               <a:defRPr sz="1200"/>
             </a:lvl2pPr>
-            <a:lvl3pPr indent="-304800" lvl="2" marL="1371600">
+            <a:lvl3pPr marL="1371600" lvl="2" indent="-304800">
               <a:spcBef>
                 <a:spcPts val="0"/>
               </a:spcBef>
@@ -4647,7 +4802,7 @@
               <a:buChar char="■"/>
               <a:defRPr sz="1200"/>
             </a:lvl3pPr>
-            <a:lvl4pPr indent="-304800" lvl="3" marL="1828800">
+            <a:lvl4pPr marL="1828800" lvl="3" indent="-304800">
               <a:spcBef>
                 <a:spcPts val="0"/>
               </a:spcBef>
@@ -4658,7 +4813,7 @@
               <a:buChar char="●"/>
               <a:defRPr sz="1200"/>
             </a:lvl4pPr>
-            <a:lvl5pPr indent="-304800" lvl="4" marL="2286000">
+            <a:lvl5pPr marL="2286000" lvl="4" indent="-304800">
               <a:spcBef>
                 <a:spcPts val="0"/>
               </a:spcBef>
@@ -4669,7 +4824,7 @@
               <a:buChar char="○"/>
               <a:defRPr sz="1200"/>
             </a:lvl5pPr>
-            <a:lvl6pPr indent="-304800" lvl="5" marL="2743200">
+            <a:lvl6pPr marL="2743200" lvl="5" indent="-304800">
               <a:spcBef>
                 <a:spcPts val="0"/>
               </a:spcBef>
@@ -4680,7 +4835,7 @@
               <a:buChar char="■"/>
               <a:defRPr sz="1200"/>
             </a:lvl6pPr>
-            <a:lvl7pPr indent="-304800" lvl="6" marL="3200400">
+            <a:lvl7pPr marL="3200400" lvl="6" indent="-304800">
               <a:spcBef>
                 <a:spcPts val="0"/>
               </a:spcBef>
@@ -4691,7 +4846,7 @@
               <a:buChar char="●"/>
               <a:defRPr sz="1200"/>
             </a:lvl7pPr>
-            <a:lvl8pPr indent="-304800" lvl="7" marL="3657600">
+            <a:lvl8pPr marL="3657600" lvl="7" indent="-304800">
               <a:spcBef>
                 <a:spcPts val="0"/>
               </a:spcBef>
@@ -4702,7 +4857,7 @@
               <a:buChar char="○"/>
               <a:defRPr sz="1200"/>
             </a:lvl8pPr>
-            <a:lvl9pPr indent="-304800" lvl="8" marL="4114800">
+            <a:lvl9pPr marL="4114800" lvl="8" indent="-304800">
               <a:spcBef>
                 <a:spcPts val="0"/>
               </a:spcBef>
@@ -4714,15 +4869,19 @@
               <a:defRPr sz="1200"/>
             </a:lvl9pPr>
           </a:lstStyle>
-          <a:p/>
+          <a:p>
+            <a:endParaRPr/>
+          </a:p>
         </p:txBody>
       </p:sp>
       <p:sp>
         <p:nvSpPr>
           <p:cNvPr id="24" name="Google Shape;24;p5"/>
-          <p:cNvSpPr txBox="1"/>
+          <p:cNvSpPr txBox="1">
+            <a:spLocks noGrp="1"/>
+          </p:cNvSpPr>
           <p:nvPr>
-            <p:ph idx="12" type="sldNum"/>
+            <p:ph type="sldNum" idx="12"/>
           </p:nvPr>
         </p:nvSpPr>
         <p:spPr>
@@ -4735,7 +4894,7 @@
           </a:prstGeom>
         </p:spPr>
         <p:txBody>
-          <a:bodyPr anchorCtr="0" anchor="ctr" bIns="91425" lIns="91425" spcFirstLastPara="1" rIns="91425" wrap="square" tIns="91425">
+          <a:bodyPr spcFirstLastPara="1" wrap="square" lIns="91425" tIns="91425" rIns="91425" bIns="91425" anchor="ctr" anchorCtr="0">
             <a:normAutofit/>
           </a:bodyPr>
           <a:lstStyle>
@@ -4777,7 +4936,7 @@
             </a:lvl9pPr>
           </a:lstStyle>
           <a:p>
-            <a:pPr indent="0" lvl="0" marL="0" rtl="0" algn="r">
+            <a:pPr marL="0" lvl="0" indent="0" algn="r" rtl="0">
               <a:spcBef>
                 <a:spcPts val="0"/>
               </a:spcBef>
@@ -4803,11 +4962,11 @@
 </file>
 
 <file path=ppt/slideLayouts/slideLayout5.xml><?xml version="1.0" encoding="utf-8"?>
-<p:sldLayout xmlns:a="http://schemas.openxmlformats.org/drawingml/2006/main" xmlns:r="http://schemas.openxmlformats.org/officeDocument/2006/relationships" xmlns:mc="http://schemas.openxmlformats.org/markup-compatibility/2006" xmlns:mv="urn:schemas-microsoft-com:mac:vml" xmlns:p="http://schemas.openxmlformats.org/presentationml/2006/main" xmlns:c="http://schemas.openxmlformats.org/drawingml/2006/chart" xmlns:dgm="http://schemas.openxmlformats.org/drawingml/2006/diagram" xmlns:o="urn:schemas-microsoft-com:office:office" xmlns:v="urn:schemas-microsoft-com:vml" xmlns:pvml="urn:schemas-microsoft-com:office:powerpoint" xmlns:com="http://schemas.openxmlformats.org/drawingml/2006/compatibility" xmlns:p14="http://schemas.microsoft.com/office/powerpoint/2010/main" xmlns:p15="http://schemas.microsoft.com/office/powerpoint/2012/main" xmlns:ahyp="http://schemas.microsoft.com/office/drawing/2018/hyperlinkcolor" matchingName="Title only" type="titleOnly">
+<p:sldLayout xmlns:a="http://schemas.openxmlformats.org/drawingml/2006/main" xmlns:r="http://schemas.openxmlformats.org/officeDocument/2006/relationships" xmlns:p="http://schemas.openxmlformats.org/presentationml/2006/main" matchingName="Title only" type="titleOnly">
   <p:cSld name="TITLE_ONLY">
     <p:spTree>
       <p:nvGrpSpPr>
-        <p:cNvPr id="25" name="Shape 25"/>
+        <p:cNvPr id="1" name="Shape 25"/>
         <p:cNvGrpSpPr/>
         <p:nvPr/>
       </p:nvGrpSpPr>
@@ -4822,7 +4981,9 @@
       <p:sp>
         <p:nvSpPr>
           <p:cNvPr id="26" name="Google Shape;26;p6"/>
-          <p:cNvSpPr txBox="1"/>
+          <p:cNvSpPr txBox="1">
+            <a:spLocks noGrp="1"/>
+          </p:cNvSpPr>
           <p:nvPr>
             <p:ph type="title"/>
           </p:nvPr>
@@ -4837,7 +4998,7 @@
           </a:prstGeom>
         </p:spPr>
         <p:txBody>
-          <a:bodyPr anchorCtr="0" anchor="t" bIns="91425" lIns="91425" spcFirstLastPara="1" rIns="91425" wrap="square" tIns="91425">
+          <a:bodyPr spcFirstLastPara="1" wrap="square" lIns="91425" tIns="91425" rIns="91425" bIns="91425" anchor="t" anchorCtr="0">
             <a:normAutofit/>
           </a:bodyPr>
           <a:lstStyle>
@@ -4941,15 +5102,19 @@
               <a:defRPr/>
             </a:lvl9pPr>
           </a:lstStyle>
-          <a:p/>
+          <a:p>
+            <a:endParaRPr/>
+          </a:p>
         </p:txBody>
       </p:sp>
       <p:sp>
         <p:nvSpPr>
           <p:cNvPr id="27" name="Google Shape;27;p6"/>
-          <p:cNvSpPr txBox="1"/>
+          <p:cNvSpPr txBox="1">
+            <a:spLocks noGrp="1"/>
+          </p:cNvSpPr>
           <p:nvPr>
-            <p:ph idx="12" type="sldNum"/>
+            <p:ph type="sldNum" idx="12"/>
           </p:nvPr>
         </p:nvSpPr>
         <p:spPr>
@@ -4962,7 +5127,7 @@
           </a:prstGeom>
         </p:spPr>
         <p:txBody>
-          <a:bodyPr anchorCtr="0" anchor="ctr" bIns="91425" lIns="91425" spcFirstLastPara="1" rIns="91425" wrap="square" tIns="91425">
+          <a:bodyPr spcFirstLastPara="1" wrap="square" lIns="91425" tIns="91425" rIns="91425" bIns="91425" anchor="ctr" anchorCtr="0">
             <a:normAutofit/>
           </a:bodyPr>
           <a:lstStyle>
@@ -5004,7 +5169,7 @@
             </a:lvl9pPr>
           </a:lstStyle>
           <a:p>
-            <a:pPr indent="0" lvl="0" marL="0" rtl="0" algn="r">
+            <a:pPr marL="0" lvl="0" indent="0" algn="r" rtl="0">
               <a:spcBef>
                 <a:spcPts val="0"/>
               </a:spcBef>
@@ -5030,11 +5195,11 @@
 </file>
 
 <file path=ppt/slideLayouts/slideLayout6.xml><?xml version="1.0" encoding="utf-8"?>
-<p:sldLayout xmlns:a="http://schemas.openxmlformats.org/drawingml/2006/main" xmlns:r="http://schemas.openxmlformats.org/officeDocument/2006/relationships" xmlns:mc="http://schemas.openxmlformats.org/markup-compatibility/2006" xmlns:mv="urn:schemas-microsoft-com:mac:vml" xmlns:p="http://schemas.openxmlformats.org/presentationml/2006/main" xmlns:c="http://schemas.openxmlformats.org/drawingml/2006/chart" xmlns:dgm="http://schemas.openxmlformats.org/drawingml/2006/diagram" xmlns:o="urn:schemas-microsoft-com:office:office" xmlns:v="urn:schemas-microsoft-com:vml" xmlns:pvml="urn:schemas-microsoft-com:office:powerpoint" xmlns:com="http://schemas.openxmlformats.org/drawingml/2006/compatibility" xmlns:p14="http://schemas.microsoft.com/office/powerpoint/2010/main" xmlns:p15="http://schemas.microsoft.com/office/powerpoint/2012/main" xmlns:ahyp="http://schemas.microsoft.com/office/drawing/2018/hyperlinkcolor" matchingName="One column text">
+<p:sldLayout xmlns:a="http://schemas.openxmlformats.org/drawingml/2006/main" xmlns:r="http://schemas.openxmlformats.org/officeDocument/2006/relationships" xmlns:p="http://schemas.openxmlformats.org/presentationml/2006/main" matchingName="One column text">
   <p:cSld name="ONE_COLUMN_TEXT">
     <p:spTree>
       <p:nvGrpSpPr>
-        <p:cNvPr id="28" name="Shape 28"/>
+        <p:cNvPr id="1" name="Shape 28"/>
         <p:cNvGrpSpPr/>
         <p:nvPr/>
       </p:nvGrpSpPr>
@@ -5049,7 +5214,9 @@
       <p:sp>
         <p:nvSpPr>
           <p:cNvPr id="29" name="Google Shape;29;p7"/>
-          <p:cNvSpPr txBox="1"/>
+          <p:cNvSpPr txBox="1">
+            <a:spLocks noGrp="1"/>
+          </p:cNvSpPr>
           <p:nvPr>
             <p:ph type="title"/>
           </p:nvPr>
@@ -5064,7 +5231,7 @@
           </a:prstGeom>
         </p:spPr>
         <p:txBody>
-          <a:bodyPr anchorCtr="0" anchor="b" bIns="91425" lIns="91425" spcFirstLastPara="1" rIns="91425" wrap="square" tIns="91425">
+          <a:bodyPr spcFirstLastPara="1" wrap="square" lIns="91425" tIns="91425" rIns="91425" bIns="91425" anchor="b" anchorCtr="0">
             <a:normAutofit/>
           </a:bodyPr>
           <a:lstStyle>
@@ -5168,15 +5335,19 @@
               <a:defRPr sz="2400"/>
             </a:lvl9pPr>
           </a:lstStyle>
-          <a:p/>
+          <a:p>
+            <a:endParaRPr/>
+          </a:p>
         </p:txBody>
       </p:sp>
       <p:sp>
         <p:nvSpPr>
           <p:cNvPr id="30" name="Google Shape;30;p7"/>
-          <p:cNvSpPr txBox="1"/>
+          <p:cNvSpPr txBox="1">
+            <a:spLocks noGrp="1"/>
+          </p:cNvSpPr>
           <p:nvPr>
-            <p:ph idx="1" type="body"/>
+            <p:ph type="body" idx="1"/>
           </p:nvPr>
         </p:nvSpPr>
         <p:spPr>
@@ -5189,11 +5360,11 @@
           </a:prstGeom>
         </p:spPr>
         <p:txBody>
-          <a:bodyPr anchorCtr="0" anchor="t" bIns="91425" lIns="91425" spcFirstLastPara="1" rIns="91425" wrap="square" tIns="91425">
+          <a:bodyPr spcFirstLastPara="1" wrap="square" lIns="91425" tIns="91425" rIns="91425" bIns="91425" anchor="t" anchorCtr="0">
             <a:normAutofit/>
           </a:bodyPr>
           <a:lstStyle>
-            <a:lvl1pPr indent="-304800" lvl="0" marL="457200">
+            <a:lvl1pPr marL="457200" lvl="0" indent="-304800">
               <a:spcBef>
                 <a:spcPts val="0"/>
               </a:spcBef>
@@ -5204,7 +5375,7 @@
               <a:buChar char="●"/>
               <a:defRPr sz="1200"/>
             </a:lvl1pPr>
-            <a:lvl2pPr indent="-304800" lvl="1" marL="914400">
+            <a:lvl2pPr marL="914400" lvl="1" indent="-304800">
               <a:spcBef>
                 <a:spcPts val="0"/>
               </a:spcBef>
@@ -5215,7 +5386,7 @@
               <a:buChar char="○"/>
               <a:defRPr sz="1200"/>
             </a:lvl2pPr>
-            <a:lvl3pPr indent="-304800" lvl="2" marL="1371600">
+            <a:lvl3pPr marL="1371600" lvl="2" indent="-304800">
               <a:spcBef>
                 <a:spcPts val="0"/>
               </a:spcBef>
@@ -5226,7 +5397,7 @@
               <a:buChar char="■"/>
               <a:defRPr sz="1200"/>
             </a:lvl3pPr>
-            <a:lvl4pPr indent="-304800" lvl="3" marL="1828800">
+            <a:lvl4pPr marL="1828800" lvl="3" indent="-304800">
               <a:spcBef>
                 <a:spcPts val="0"/>
               </a:spcBef>
@@ -5237,7 +5408,7 @@
               <a:buChar char="●"/>
               <a:defRPr sz="1200"/>
             </a:lvl4pPr>
-            <a:lvl5pPr indent="-304800" lvl="4" marL="2286000">
+            <a:lvl5pPr marL="2286000" lvl="4" indent="-304800">
               <a:spcBef>
                 <a:spcPts val="0"/>
               </a:spcBef>
@@ -5248,7 +5419,7 @@
               <a:buChar char="○"/>
               <a:defRPr sz="1200"/>
             </a:lvl5pPr>
-            <a:lvl6pPr indent="-304800" lvl="5" marL="2743200">
+            <a:lvl6pPr marL="2743200" lvl="5" indent="-304800">
               <a:spcBef>
                 <a:spcPts val="0"/>
               </a:spcBef>
@@ -5259,7 +5430,7 @@
               <a:buChar char="■"/>
               <a:defRPr sz="1200"/>
             </a:lvl6pPr>
-            <a:lvl7pPr indent="-304800" lvl="6" marL="3200400">
+            <a:lvl7pPr marL="3200400" lvl="6" indent="-304800">
               <a:spcBef>
                 <a:spcPts val="0"/>
               </a:spcBef>
@@ -5270,7 +5441,7 @@
               <a:buChar char="●"/>
               <a:defRPr sz="1200"/>
             </a:lvl7pPr>
-            <a:lvl8pPr indent="-304800" lvl="7" marL="3657600">
+            <a:lvl8pPr marL="3657600" lvl="7" indent="-304800">
               <a:spcBef>
                 <a:spcPts val="0"/>
               </a:spcBef>
@@ -5281,7 +5452,7 @@
               <a:buChar char="○"/>
               <a:defRPr sz="1200"/>
             </a:lvl8pPr>
-            <a:lvl9pPr indent="-304800" lvl="8" marL="4114800">
+            <a:lvl9pPr marL="4114800" lvl="8" indent="-304800">
               <a:spcBef>
                 <a:spcPts val="0"/>
               </a:spcBef>
@@ -5293,15 +5464,19 @@
               <a:defRPr sz="1200"/>
             </a:lvl9pPr>
           </a:lstStyle>
-          <a:p/>
+          <a:p>
+            <a:endParaRPr/>
+          </a:p>
         </p:txBody>
       </p:sp>
       <p:sp>
         <p:nvSpPr>
           <p:cNvPr id="31" name="Google Shape;31;p7"/>
-          <p:cNvSpPr txBox="1"/>
+          <p:cNvSpPr txBox="1">
+            <a:spLocks noGrp="1"/>
+          </p:cNvSpPr>
           <p:nvPr>
-            <p:ph idx="12" type="sldNum"/>
+            <p:ph type="sldNum" idx="12"/>
           </p:nvPr>
         </p:nvSpPr>
         <p:spPr>
@@ -5314,7 +5489,7 @@
           </a:prstGeom>
         </p:spPr>
         <p:txBody>
-          <a:bodyPr anchorCtr="0" anchor="ctr" bIns="91425" lIns="91425" spcFirstLastPara="1" rIns="91425" wrap="square" tIns="91425">
+          <a:bodyPr spcFirstLastPara="1" wrap="square" lIns="91425" tIns="91425" rIns="91425" bIns="91425" anchor="ctr" anchorCtr="0">
             <a:normAutofit/>
           </a:bodyPr>
           <a:lstStyle>
@@ -5356,7 +5531,7 @@
             </a:lvl9pPr>
           </a:lstStyle>
           <a:p>
-            <a:pPr indent="0" lvl="0" marL="0" rtl="0" algn="r">
+            <a:pPr marL="0" lvl="0" indent="0" algn="r" rtl="0">
               <a:spcBef>
                 <a:spcPts val="0"/>
               </a:spcBef>
@@ -5382,11 +5557,11 @@
 </file>
 
 <file path=ppt/slideLayouts/slideLayout7.xml><?xml version="1.0" encoding="utf-8"?>
-<p:sldLayout xmlns:a="http://schemas.openxmlformats.org/drawingml/2006/main" xmlns:r="http://schemas.openxmlformats.org/officeDocument/2006/relationships" xmlns:mc="http://schemas.openxmlformats.org/markup-compatibility/2006" xmlns:mv="urn:schemas-microsoft-com:mac:vml" xmlns:p="http://schemas.openxmlformats.org/presentationml/2006/main" xmlns:c="http://schemas.openxmlformats.org/drawingml/2006/chart" xmlns:dgm="http://schemas.openxmlformats.org/drawingml/2006/diagram" xmlns:o="urn:schemas-microsoft-com:office:office" xmlns:v="urn:schemas-microsoft-com:vml" xmlns:pvml="urn:schemas-microsoft-com:office:powerpoint" xmlns:com="http://schemas.openxmlformats.org/drawingml/2006/compatibility" xmlns:p14="http://schemas.microsoft.com/office/powerpoint/2010/main" xmlns:p15="http://schemas.microsoft.com/office/powerpoint/2012/main" xmlns:ahyp="http://schemas.microsoft.com/office/drawing/2018/hyperlinkcolor" matchingName="Main point">
+<p:sldLayout xmlns:a="http://schemas.openxmlformats.org/drawingml/2006/main" xmlns:r="http://schemas.openxmlformats.org/officeDocument/2006/relationships" xmlns:p="http://schemas.openxmlformats.org/presentationml/2006/main" matchingName="Main point">
   <p:cSld name="MAIN_POINT">
     <p:spTree>
       <p:nvGrpSpPr>
-        <p:cNvPr id="32" name="Shape 32"/>
+        <p:cNvPr id="1" name="Shape 32"/>
         <p:cNvGrpSpPr/>
         <p:nvPr/>
       </p:nvGrpSpPr>
@@ -5401,7 +5576,9 @@
       <p:sp>
         <p:nvSpPr>
           <p:cNvPr id="33" name="Google Shape;33;p8"/>
-          <p:cNvSpPr txBox="1"/>
+          <p:cNvSpPr txBox="1">
+            <a:spLocks noGrp="1"/>
+          </p:cNvSpPr>
           <p:nvPr>
             <p:ph type="title"/>
           </p:nvPr>
@@ -5416,7 +5593,7 @@
           </a:prstGeom>
         </p:spPr>
         <p:txBody>
-          <a:bodyPr anchorCtr="0" anchor="ctr" bIns="91425" lIns="91425" spcFirstLastPara="1" rIns="91425" wrap="square" tIns="91425">
+          <a:bodyPr spcFirstLastPara="1" wrap="square" lIns="91425" tIns="91425" rIns="91425" bIns="91425" anchor="ctr" anchorCtr="0">
             <a:normAutofit/>
           </a:bodyPr>
           <a:lstStyle>
@@ -5520,15 +5697,19 @@
               <a:defRPr sz="4800"/>
             </a:lvl9pPr>
           </a:lstStyle>
-          <a:p/>
+          <a:p>
+            <a:endParaRPr/>
+          </a:p>
         </p:txBody>
       </p:sp>
       <p:sp>
         <p:nvSpPr>
           <p:cNvPr id="34" name="Google Shape;34;p8"/>
-          <p:cNvSpPr txBox="1"/>
+          <p:cNvSpPr txBox="1">
+            <a:spLocks noGrp="1"/>
+          </p:cNvSpPr>
           <p:nvPr>
-            <p:ph idx="12" type="sldNum"/>
+            <p:ph type="sldNum" idx="12"/>
           </p:nvPr>
         </p:nvSpPr>
         <p:spPr>
@@ -5541,7 +5722,7 @@
           </a:prstGeom>
         </p:spPr>
         <p:txBody>
-          <a:bodyPr anchorCtr="0" anchor="ctr" bIns="91425" lIns="91425" spcFirstLastPara="1" rIns="91425" wrap="square" tIns="91425">
+          <a:bodyPr spcFirstLastPara="1" wrap="square" lIns="91425" tIns="91425" rIns="91425" bIns="91425" anchor="ctr" anchorCtr="0">
             <a:normAutofit/>
           </a:bodyPr>
           <a:lstStyle>
@@ -5583,7 +5764,7 @@
             </a:lvl9pPr>
           </a:lstStyle>
           <a:p>
-            <a:pPr indent="0" lvl="0" marL="0" rtl="0" algn="r">
+            <a:pPr marL="0" lvl="0" indent="0" algn="r" rtl="0">
               <a:spcBef>
                 <a:spcPts val="0"/>
               </a:spcBef>
@@ -5609,11 +5790,11 @@
 </file>
 
 <file path=ppt/slideLayouts/slideLayout8.xml><?xml version="1.0" encoding="utf-8"?>
-<p:sldLayout xmlns:a="http://schemas.openxmlformats.org/drawingml/2006/main" xmlns:r="http://schemas.openxmlformats.org/officeDocument/2006/relationships" xmlns:mc="http://schemas.openxmlformats.org/markup-compatibility/2006" xmlns:mv="urn:schemas-microsoft-com:mac:vml" xmlns:p="http://schemas.openxmlformats.org/presentationml/2006/main" xmlns:c="http://schemas.openxmlformats.org/drawingml/2006/chart" xmlns:dgm="http://schemas.openxmlformats.org/drawingml/2006/diagram" xmlns:o="urn:schemas-microsoft-com:office:office" xmlns:v="urn:schemas-microsoft-com:vml" xmlns:pvml="urn:schemas-microsoft-com:office:powerpoint" xmlns:com="http://schemas.openxmlformats.org/drawingml/2006/compatibility" xmlns:p14="http://schemas.microsoft.com/office/powerpoint/2010/main" xmlns:p15="http://schemas.microsoft.com/office/powerpoint/2012/main" xmlns:ahyp="http://schemas.microsoft.com/office/drawing/2018/hyperlinkcolor" matchingName="Section title and description">
+<p:sldLayout xmlns:a="http://schemas.openxmlformats.org/drawingml/2006/main" xmlns:r="http://schemas.openxmlformats.org/officeDocument/2006/relationships" xmlns:p="http://schemas.openxmlformats.org/presentationml/2006/main" matchingName="Section title and description">
   <p:cSld name="SECTION_TITLE_AND_DESCRIPTION">
     <p:spTree>
       <p:nvGrpSpPr>
-        <p:cNvPr id="35" name="Shape 35"/>
+        <p:cNvPr id="1" name="Shape 35"/>
         <p:cNvGrpSpPr/>
         <p:nvPr/>
       </p:nvGrpSpPr>
@@ -5647,23 +5828,20 @@
           </a:ln>
         </p:spPr>
         <p:txBody>
-          <a:bodyPr anchorCtr="0" anchor="ctr" bIns="91425" lIns="91425" spcFirstLastPara="1" rIns="91425" wrap="square" tIns="91425">
+          <a:bodyPr spcFirstLastPara="1" wrap="square" lIns="91425" tIns="91425" rIns="91425" bIns="91425" anchor="ctr" anchorCtr="0">
             <a:noAutofit/>
           </a:bodyPr>
           <a:lstStyle/>
           <a:p>
-            <a:pPr indent="0" lvl="0" marL="0" rtl="0" algn="l">
-              <a:spcBef>
-                <a:spcPts val="0"/>
-              </a:spcBef>
-              <a:spcAft>
-                <a:spcPts val="0"/>
-              </a:spcAft>
-              <a:buNone/>
-            </a:pPr>
-            <a:r>
-              <a:t/>
-            </a:r>
+            <a:pPr marL="0" lvl="0" indent="0" algn="l" rtl="0">
+              <a:spcBef>
+                <a:spcPts val="0"/>
+              </a:spcBef>
+              <a:spcAft>
+                <a:spcPts val="0"/>
+              </a:spcAft>
+              <a:buNone/>
+            </a:pPr>
             <a:endParaRPr/>
           </a:p>
         </p:txBody>
@@ -5671,7 +5849,9 @@
       <p:sp>
         <p:nvSpPr>
           <p:cNvPr id="37" name="Google Shape;37;p9"/>
-          <p:cNvSpPr txBox="1"/>
+          <p:cNvSpPr txBox="1">
+            <a:spLocks noGrp="1"/>
+          </p:cNvSpPr>
           <p:nvPr>
             <p:ph type="title"/>
           </p:nvPr>
@@ -5686,7 +5866,7 @@
           </a:prstGeom>
         </p:spPr>
         <p:txBody>
-          <a:bodyPr anchorCtr="0" anchor="b" bIns="91425" lIns="91425" spcFirstLastPara="1" rIns="91425" wrap="square" tIns="91425">
+          <a:bodyPr spcFirstLastPara="1" wrap="square" lIns="91425" tIns="91425" rIns="91425" bIns="91425" anchor="b" anchorCtr="0">
             <a:normAutofit/>
           </a:bodyPr>
           <a:lstStyle>
@@ -5795,15 +5975,19 @@
               <a:defRPr sz="4200"/>
             </a:lvl9pPr>
           </a:lstStyle>
-          <a:p/>
+          <a:p>
+            <a:endParaRPr/>
+          </a:p>
         </p:txBody>
       </p:sp>
       <p:sp>
         <p:nvSpPr>
           <p:cNvPr id="38" name="Google Shape;38;p9"/>
-          <p:cNvSpPr txBox="1"/>
+          <p:cNvSpPr txBox="1">
+            <a:spLocks noGrp="1"/>
+          </p:cNvSpPr>
           <p:nvPr>
-            <p:ph idx="1" type="subTitle"/>
+            <p:ph type="subTitle" idx="1"/>
           </p:nvPr>
         </p:nvSpPr>
         <p:spPr>
@@ -5816,7 +6000,7 @@
           </a:prstGeom>
         </p:spPr>
         <p:txBody>
-          <a:bodyPr anchorCtr="0" anchor="t" bIns="91425" lIns="91425" spcFirstLastPara="1" rIns="91425" wrap="square" tIns="91425">
+          <a:bodyPr spcFirstLastPara="1" wrap="square" lIns="91425" tIns="91425" rIns="91425" bIns="91425" anchor="t" anchorCtr="0">
             <a:normAutofit/>
           </a:bodyPr>
           <a:lstStyle>
@@ -5947,15 +6131,19 @@
               <a:defRPr sz="2100"/>
             </a:lvl9pPr>
           </a:lstStyle>
-          <a:p/>
+          <a:p>
+            <a:endParaRPr/>
+          </a:p>
         </p:txBody>
       </p:sp>
       <p:sp>
         <p:nvSpPr>
           <p:cNvPr id="39" name="Google Shape;39;p9"/>
-          <p:cNvSpPr txBox="1"/>
+          <p:cNvSpPr txBox="1">
+            <a:spLocks noGrp="1"/>
+          </p:cNvSpPr>
           <p:nvPr>
-            <p:ph idx="2" type="body"/>
+            <p:ph type="body" idx="2"/>
           </p:nvPr>
         </p:nvSpPr>
         <p:spPr>
@@ -5968,11 +6156,11 @@
           </a:prstGeom>
         </p:spPr>
         <p:txBody>
-          <a:bodyPr anchorCtr="0" anchor="ctr" bIns="91425" lIns="91425" spcFirstLastPara="1" rIns="91425" wrap="square" tIns="91425">
+          <a:bodyPr spcFirstLastPara="1" wrap="square" lIns="91425" tIns="91425" rIns="91425" bIns="91425" anchor="ctr" anchorCtr="0">
             <a:normAutofit/>
           </a:bodyPr>
           <a:lstStyle>
-            <a:lvl1pPr indent="-342900" lvl="0" marL="457200">
+            <a:lvl1pPr marL="457200" lvl="0" indent="-342900">
               <a:spcBef>
                 <a:spcPts val="0"/>
               </a:spcBef>
@@ -5988,7 +6176,7 @@
                 <a:sym typeface="Montserrat"/>
               </a:defRPr>
             </a:lvl1pPr>
-            <a:lvl2pPr indent="-317500" lvl="1" marL="914400">
+            <a:lvl2pPr marL="914400" lvl="1" indent="-317500">
               <a:spcBef>
                 <a:spcPts val="0"/>
               </a:spcBef>
@@ -5999,7 +6187,7 @@
               <a:buAutoNum type="alphaLcPeriod"/>
               <a:defRPr/>
             </a:lvl2pPr>
-            <a:lvl3pPr indent="-317500" lvl="2" marL="1371600">
+            <a:lvl3pPr marL="1371600" lvl="2" indent="-317500">
               <a:spcBef>
                 <a:spcPts val="0"/>
               </a:spcBef>
@@ -6010,7 +6198,7 @@
               <a:buAutoNum type="romanLcPeriod"/>
               <a:defRPr/>
             </a:lvl3pPr>
-            <a:lvl4pPr indent="-317500" lvl="3" marL="1828800">
+            <a:lvl4pPr marL="1828800" lvl="3" indent="-317500">
               <a:spcBef>
                 <a:spcPts val="0"/>
               </a:spcBef>
@@ -6021,7 +6209,7 @@
               <a:buAutoNum type="arabicPeriod"/>
               <a:defRPr/>
             </a:lvl4pPr>
-            <a:lvl5pPr indent="-317500" lvl="4" marL="2286000">
+            <a:lvl5pPr marL="2286000" lvl="4" indent="-317500">
               <a:spcBef>
                 <a:spcPts val="0"/>
               </a:spcBef>
@@ -6032,7 +6220,7 @@
               <a:buAutoNum type="alphaLcPeriod"/>
               <a:defRPr/>
             </a:lvl5pPr>
-            <a:lvl6pPr indent="-317500" lvl="5" marL="2743200">
+            <a:lvl6pPr marL="2743200" lvl="5" indent="-317500">
               <a:spcBef>
                 <a:spcPts val="0"/>
               </a:spcBef>
@@ -6043,7 +6231,7 @@
               <a:buAutoNum type="romanLcPeriod"/>
               <a:defRPr/>
             </a:lvl6pPr>
-            <a:lvl7pPr indent="-317500" lvl="6" marL="3200400">
+            <a:lvl7pPr marL="3200400" lvl="6" indent="-317500">
               <a:spcBef>
                 <a:spcPts val="0"/>
               </a:spcBef>
@@ -6054,7 +6242,7 @@
               <a:buAutoNum type="arabicPeriod"/>
               <a:defRPr/>
             </a:lvl7pPr>
-            <a:lvl8pPr indent="-317500" lvl="7" marL="3657600">
+            <a:lvl8pPr marL="3657600" lvl="7" indent="-317500">
               <a:spcBef>
                 <a:spcPts val="0"/>
               </a:spcBef>
@@ -6065,7 +6253,7 @@
               <a:buAutoNum type="alphaLcPeriod"/>
               <a:defRPr/>
             </a:lvl8pPr>
-            <a:lvl9pPr indent="-317500" lvl="8" marL="4114800">
+            <a:lvl9pPr marL="4114800" lvl="8" indent="-317500">
               <a:spcBef>
                 <a:spcPts val="0"/>
               </a:spcBef>
@@ -6077,15 +6265,19 @@
               <a:defRPr/>
             </a:lvl9pPr>
           </a:lstStyle>
-          <a:p/>
+          <a:p>
+            <a:endParaRPr/>
+          </a:p>
         </p:txBody>
       </p:sp>
       <p:sp>
         <p:nvSpPr>
           <p:cNvPr id="40" name="Google Shape;40;p9"/>
-          <p:cNvSpPr txBox="1"/>
+          <p:cNvSpPr txBox="1">
+            <a:spLocks noGrp="1"/>
+          </p:cNvSpPr>
           <p:nvPr>
-            <p:ph idx="12" type="sldNum"/>
+            <p:ph type="sldNum" idx="12"/>
           </p:nvPr>
         </p:nvSpPr>
         <p:spPr>
@@ -6098,7 +6290,7 @@
           </a:prstGeom>
         </p:spPr>
         <p:txBody>
-          <a:bodyPr anchorCtr="0" anchor="ctr" bIns="91425" lIns="91425" spcFirstLastPara="1" rIns="91425" wrap="square" tIns="91425">
+          <a:bodyPr spcFirstLastPara="1" wrap="square" lIns="91425" tIns="91425" rIns="91425" bIns="91425" anchor="ctr" anchorCtr="0">
             <a:normAutofit/>
           </a:bodyPr>
           <a:lstStyle>
@@ -6140,7 +6332,7 @@
             </a:lvl9pPr>
           </a:lstStyle>
           <a:p>
-            <a:pPr indent="0" lvl="0" marL="0" rtl="0" algn="r">
+            <a:pPr marL="0" lvl="0" indent="0" algn="r" rtl="0">
               <a:spcBef>
                 <a:spcPts val="0"/>
               </a:spcBef>
@@ -6166,11 +6358,11 @@
 </file>
 
 <file path=ppt/slideLayouts/slideLayout9.xml><?xml version="1.0" encoding="utf-8"?>
-<p:sldLayout xmlns:a="http://schemas.openxmlformats.org/drawingml/2006/main" xmlns:r="http://schemas.openxmlformats.org/officeDocument/2006/relationships" xmlns:mc="http://schemas.openxmlformats.org/markup-compatibility/2006" xmlns:mv="urn:schemas-microsoft-com:mac:vml" xmlns:p="http://schemas.openxmlformats.org/presentationml/2006/main" xmlns:c="http://schemas.openxmlformats.org/drawingml/2006/chart" xmlns:dgm="http://schemas.openxmlformats.org/drawingml/2006/diagram" xmlns:o="urn:schemas-microsoft-com:office:office" xmlns:v="urn:schemas-microsoft-com:vml" xmlns:pvml="urn:schemas-microsoft-com:office:powerpoint" xmlns:com="http://schemas.openxmlformats.org/drawingml/2006/compatibility" xmlns:p14="http://schemas.microsoft.com/office/powerpoint/2010/main" xmlns:p15="http://schemas.microsoft.com/office/powerpoint/2012/main" xmlns:ahyp="http://schemas.microsoft.com/office/drawing/2018/hyperlinkcolor" matchingName="Caption">
+<p:sldLayout xmlns:a="http://schemas.openxmlformats.org/drawingml/2006/main" xmlns:r="http://schemas.openxmlformats.org/officeDocument/2006/relationships" xmlns:p="http://schemas.openxmlformats.org/presentationml/2006/main" matchingName="Caption">
   <p:cSld name="CAPTION_ONLY">
     <p:spTree>
       <p:nvGrpSpPr>
-        <p:cNvPr id="41" name="Shape 41"/>
+        <p:cNvPr id="1" name="Shape 41"/>
         <p:cNvGrpSpPr/>
         <p:nvPr/>
       </p:nvGrpSpPr>
@@ -6185,9 +6377,11 @@
       <p:sp>
         <p:nvSpPr>
           <p:cNvPr id="42" name="Google Shape;42;p10"/>
-          <p:cNvSpPr txBox="1"/>
+          <p:cNvSpPr txBox="1">
+            <a:spLocks noGrp="1"/>
+          </p:cNvSpPr>
           <p:nvPr>
-            <p:ph idx="1" type="body"/>
+            <p:ph type="body" idx="1"/>
           </p:nvPr>
         </p:nvSpPr>
         <p:spPr>
@@ -6200,11 +6394,11 @@
           </a:prstGeom>
         </p:spPr>
         <p:txBody>
-          <a:bodyPr anchorCtr="0" anchor="ctr" bIns="91425" lIns="91425" spcFirstLastPara="1" rIns="91425" wrap="square" tIns="91425">
+          <a:bodyPr spcFirstLastPara="1" wrap="square" lIns="91425" tIns="91425" rIns="91425" bIns="91425" anchor="ctr" anchorCtr="0">
             <a:normAutofit/>
           </a:bodyPr>
           <a:lstStyle>
-            <a:lvl1pPr indent="-228600" lvl="0" marL="457200">
+            <a:lvl1pPr marL="457200" lvl="0" indent="-228600">
               <a:lnSpc>
                 <a:spcPct val="100000"/>
               </a:lnSpc>
@@ -6219,15 +6413,19 @@
               <a:defRPr/>
             </a:lvl1pPr>
           </a:lstStyle>
-          <a:p/>
+          <a:p>
+            <a:endParaRPr/>
+          </a:p>
         </p:txBody>
       </p:sp>
       <p:sp>
         <p:nvSpPr>
           <p:cNvPr id="43" name="Google Shape;43;p10"/>
-          <p:cNvSpPr txBox="1"/>
+          <p:cNvSpPr txBox="1">
+            <a:spLocks noGrp="1"/>
+          </p:cNvSpPr>
           <p:nvPr>
-            <p:ph idx="12" type="sldNum"/>
+            <p:ph type="sldNum" idx="12"/>
           </p:nvPr>
         </p:nvSpPr>
         <p:spPr>
@@ -6240,7 +6438,7 @@
           </a:prstGeom>
         </p:spPr>
         <p:txBody>
-          <a:bodyPr anchorCtr="0" anchor="ctr" bIns="91425" lIns="91425" spcFirstLastPara="1" rIns="91425" wrap="square" tIns="91425">
+          <a:bodyPr spcFirstLastPara="1" wrap="square" lIns="91425" tIns="91425" rIns="91425" bIns="91425" anchor="ctr" anchorCtr="0">
             <a:normAutofit/>
           </a:bodyPr>
           <a:lstStyle>
@@ -6282,7 +6480,7 @@
             </a:lvl9pPr>
           </a:lstStyle>
           <a:p>
-            <a:pPr indent="0" lvl="0" marL="0" rtl="0" algn="r">
+            <a:pPr marL="0" lvl="0" indent="0" algn="r" rtl="0">
               <a:spcBef>
                 <a:spcPts val="0"/>
               </a:spcBef>
@@ -6308,18 +6506,19 @@
 </file>
 
 <file path=ppt/slideMasters/slideMaster1.xml><?xml version="1.0" encoding="utf-8"?>
-<p:sldMaster xmlns:a="http://schemas.openxmlformats.org/drawingml/2006/main" xmlns:r="http://schemas.openxmlformats.org/officeDocument/2006/relationships" xmlns:mc="http://schemas.openxmlformats.org/markup-compatibility/2006" xmlns:mv="urn:schemas-microsoft-com:mac:vml" xmlns:p="http://schemas.openxmlformats.org/presentationml/2006/main" xmlns:c="http://schemas.openxmlformats.org/drawingml/2006/chart" xmlns:dgm="http://schemas.openxmlformats.org/drawingml/2006/diagram" xmlns:o="urn:schemas-microsoft-com:office:office" xmlns:v="urn:schemas-microsoft-com:vml" xmlns:pvml="urn:schemas-microsoft-com:office:powerpoint" xmlns:com="http://schemas.openxmlformats.org/drawingml/2006/compatibility" xmlns:p14="http://schemas.microsoft.com/office/powerpoint/2010/main" xmlns:p15="http://schemas.microsoft.com/office/powerpoint/2012/main" xmlns:ahyp="http://schemas.microsoft.com/office/drawing/2018/hyperlinkcolor">
+<p:sldMaster xmlns:a="http://schemas.openxmlformats.org/drawingml/2006/main" xmlns:r="http://schemas.openxmlformats.org/officeDocument/2006/relationships" xmlns:p="http://schemas.openxmlformats.org/presentationml/2006/main">
   <p:cSld name="simple-light-2">
     <p:bg>
       <p:bgPr>
         <a:solidFill>
           <a:schemeClr val="lt1"/>
         </a:solidFill>
+        <a:effectLst/>
       </p:bgPr>
     </p:bg>
     <p:spTree>
       <p:nvGrpSpPr>
-        <p:cNvPr id="5" name="Shape 5"/>
+        <p:cNvPr id="1" name="Shape 5"/>
         <p:cNvGrpSpPr/>
         <p:nvPr/>
       </p:nvGrpSpPr>
@@ -6334,7 +6533,9 @@
       <p:sp>
         <p:nvSpPr>
           <p:cNvPr id="6" name="Google Shape;6;p1"/>
-          <p:cNvSpPr txBox="1"/>
+          <p:cNvSpPr txBox="1">
+            <a:spLocks noGrp="1"/>
+          </p:cNvSpPr>
           <p:nvPr>
             <p:ph type="title"/>
           </p:nvPr>
@@ -6353,7 +6554,7 @@
           </a:ln>
         </p:spPr>
         <p:txBody>
-          <a:bodyPr anchorCtr="0" anchor="t" bIns="91425" lIns="91425" spcFirstLastPara="1" rIns="91425" wrap="square" tIns="91425">
+          <a:bodyPr spcFirstLastPara="1" wrap="square" lIns="91425" tIns="91425" rIns="91425" bIns="91425" anchor="t" anchorCtr="0">
             <a:normAutofit/>
           </a:bodyPr>
           <a:lstStyle>
@@ -6520,15 +6721,19 @@
               </a:defRPr>
             </a:lvl9pPr>
           </a:lstStyle>
-          <a:p/>
+          <a:p>
+            <a:endParaRPr/>
+          </a:p>
         </p:txBody>
       </p:sp>
       <p:sp>
         <p:nvSpPr>
           <p:cNvPr id="7" name="Google Shape;7;p1"/>
-          <p:cNvSpPr txBox="1"/>
+          <p:cNvSpPr txBox="1">
+            <a:spLocks noGrp="1"/>
+          </p:cNvSpPr>
           <p:nvPr>
-            <p:ph idx="1" type="body"/>
+            <p:ph type="body" idx="1"/>
           </p:nvPr>
         </p:nvSpPr>
         <p:spPr>
@@ -6545,11 +6750,11 @@
           </a:ln>
         </p:spPr>
         <p:txBody>
-          <a:bodyPr anchorCtr="0" anchor="t" bIns="91425" lIns="91425" spcFirstLastPara="1" rIns="91425" wrap="square" tIns="91425">
+          <a:bodyPr spcFirstLastPara="1" wrap="square" lIns="91425" tIns="91425" rIns="91425" bIns="91425" anchor="t" anchorCtr="0">
             <a:normAutofit/>
           </a:bodyPr>
           <a:lstStyle>
-            <a:lvl1pPr indent="-342900" lvl="0" marL="457200">
+            <a:lvl1pPr marL="457200" lvl="0" indent="-342900">
               <a:lnSpc>
                 <a:spcPct val="115000"/>
               </a:lnSpc>
@@ -6570,7 +6775,7 @@
                 </a:solidFill>
               </a:defRPr>
             </a:lvl1pPr>
-            <a:lvl2pPr indent="-317500" lvl="1" marL="914400">
+            <a:lvl2pPr marL="914400" lvl="1" indent="-317500">
               <a:lnSpc>
                 <a:spcPct val="115000"/>
               </a:lnSpc>
@@ -6591,7 +6796,7 @@
                 </a:solidFill>
               </a:defRPr>
             </a:lvl2pPr>
-            <a:lvl3pPr indent="-317500" lvl="2" marL="1371600">
+            <a:lvl3pPr marL="1371600" lvl="2" indent="-317500">
               <a:lnSpc>
                 <a:spcPct val="115000"/>
               </a:lnSpc>
@@ -6612,7 +6817,7 @@
                 </a:solidFill>
               </a:defRPr>
             </a:lvl3pPr>
-            <a:lvl4pPr indent="-317500" lvl="3" marL="1828800">
+            <a:lvl4pPr marL="1828800" lvl="3" indent="-317500">
               <a:lnSpc>
                 <a:spcPct val="115000"/>
               </a:lnSpc>
@@ -6633,7 +6838,7 @@
                 </a:solidFill>
               </a:defRPr>
             </a:lvl4pPr>
-            <a:lvl5pPr indent="-317500" lvl="4" marL="2286000">
+            <a:lvl5pPr marL="2286000" lvl="4" indent="-317500">
               <a:lnSpc>
                 <a:spcPct val="115000"/>
               </a:lnSpc>
@@ -6654,7 +6859,7 @@
                 </a:solidFill>
               </a:defRPr>
             </a:lvl5pPr>
-            <a:lvl6pPr indent="-317500" lvl="5" marL="2743200">
+            <a:lvl6pPr marL="2743200" lvl="5" indent="-317500">
               <a:lnSpc>
                 <a:spcPct val="115000"/>
               </a:lnSpc>
@@ -6675,7 +6880,7 @@
                 </a:solidFill>
               </a:defRPr>
             </a:lvl6pPr>
-            <a:lvl7pPr indent="-317500" lvl="6" marL="3200400">
+            <a:lvl7pPr marL="3200400" lvl="6" indent="-317500">
               <a:lnSpc>
                 <a:spcPct val="115000"/>
               </a:lnSpc>
@@ -6696,7 +6901,7 @@
                 </a:solidFill>
               </a:defRPr>
             </a:lvl7pPr>
-            <a:lvl8pPr indent="-317500" lvl="7" marL="3657600">
+            <a:lvl8pPr marL="3657600" lvl="7" indent="-317500">
               <a:lnSpc>
                 <a:spcPct val="115000"/>
               </a:lnSpc>
@@ -6717,7 +6922,7 @@
                 </a:solidFill>
               </a:defRPr>
             </a:lvl8pPr>
-            <a:lvl9pPr indent="-317500" lvl="8" marL="4114800">
+            <a:lvl9pPr marL="4114800" lvl="8" indent="-317500">
               <a:lnSpc>
                 <a:spcPct val="115000"/>
               </a:lnSpc>
@@ -6739,15 +6944,19 @@
               </a:defRPr>
             </a:lvl9pPr>
           </a:lstStyle>
-          <a:p/>
+          <a:p>
+            <a:endParaRPr/>
+          </a:p>
         </p:txBody>
       </p:sp>
       <p:sp>
         <p:nvSpPr>
           <p:cNvPr id="8" name="Google Shape;8;p1"/>
-          <p:cNvSpPr txBox="1"/>
+          <p:cNvSpPr txBox="1">
+            <a:spLocks noGrp="1"/>
+          </p:cNvSpPr>
           <p:nvPr>
-            <p:ph idx="12" type="sldNum"/>
+            <p:ph type="sldNum" idx="12"/>
           </p:nvPr>
         </p:nvSpPr>
         <p:spPr>
@@ -6764,7 +6973,7 @@
           </a:ln>
         </p:spPr>
         <p:txBody>
-          <a:bodyPr anchorCtr="0" anchor="ctr" bIns="91425" lIns="91425" spcFirstLastPara="1" rIns="91425" wrap="square" tIns="91425">
+          <a:bodyPr spcFirstLastPara="1" wrap="square" lIns="91425" tIns="91425" rIns="91425" bIns="91425" anchor="ctr" anchorCtr="0">
             <a:normAutofit/>
           </a:bodyPr>
           <a:lstStyle>
@@ -6842,7 +7051,7 @@
             </a:lvl9pPr>
           </a:lstStyle>
           <a:p>
-            <a:pPr indent="0" lvl="0" marL="0" rtl="0" algn="r">
+            <a:pPr marL="0" lvl="0" indent="0" algn="r" rtl="0">
               <a:spcBef>
                 <a:spcPts val="0"/>
               </a:spcBef>
@@ -6861,7 +7070,7 @@
       </p:sp>
     </p:spTree>
   </p:cSld>
-  <p:clrMap accent1="accent1" accent2="accent2" accent3="accent3" accent4="accent4" accent5="accent5" accent6="accent6" bg1="lt1" bg2="dk2" tx1="dk1" tx2="lt2" folHlink="folHlink" hlink="hlink"/>
+  <p:clrMap bg1="lt1" tx1="dk1" bg2="dk2" tx2="lt2" accent1="accent1" accent2="accent2" accent3="accent3" accent4="accent4" accent5="accent5" accent6="accent6" hlink="hlink" folHlink="folHlink"/>
   <p:sldLayoutIdLst>
     <p:sldLayoutId id="2147483648" r:id="rId1"/>
     <p:sldLayoutId id="2147483649" r:id="rId2"/>
@@ -6875,10 +7084,10 @@
     <p:sldLayoutId id="2147483657" r:id="rId10"/>
     <p:sldLayoutId id="2147483658" r:id="rId11"/>
   </p:sldLayoutIdLst>
-  <p:hf dt="0" ftr="0" hdr="0" sldNum="0"/>
+  <p:hf sldNum="0" hdr="0" ftr="0" dt="0"/>
   <p:txStyles>
     <p:titleStyle>
-      <a:defPPr lvl="0" marR="0" rtl="0" algn="l">
+      <a:defPPr marR="0" lvl="0" algn="l" rtl="0">
         <a:lnSpc>
           <a:spcPct val="100000"/>
         </a:lnSpc>
@@ -6889,7 +7098,7 @@
           <a:spcPts val="0"/>
         </a:spcAft>
       </a:defPPr>
-      <a:lvl1pPr lvl="0" marR="0" rtl="0" algn="l">
+      <a:lvl1pPr marR="0" lvl="0" algn="l" rtl="0">
         <a:lnSpc>
           <a:spcPct val="100000"/>
         </a:lnSpc>
@@ -6903,7 +7112,7 @@
           <a:srgbClr val="000000"/>
         </a:buClr>
         <a:buFont typeface="Arial"/>
-        <a:defRPr b="0" i="0" sz="1400" u="none" cap="none" strike="noStrike">
+        <a:defRPr sz="1400" b="0" i="0" u="none" strike="noStrike" cap="none">
           <a:solidFill>
             <a:srgbClr val="000000"/>
           </a:solidFill>
@@ -6913,7 +7122,7 @@
           <a:sym typeface="Arial"/>
         </a:defRPr>
       </a:lvl1pPr>
-      <a:lvl2pPr lvl="1" marR="0" rtl="0" algn="l">
+      <a:lvl2pPr marR="0" lvl="1" algn="l" rtl="0">
         <a:lnSpc>
           <a:spcPct val="100000"/>
         </a:lnSpc>
@@ -6927,7 +7136,7 @@
           <a:srgbClr val="000000"/>
         </a:buClr>
         <a:buFont typeface="Arial"/>
-        <a:defRPr b="0" i="0" sz="1400" u="none" cap="none" strike="noStrike">
+        <a:defRPr sz="1400" b="0" i="0" u="none" strike="noStrike" cap="none">
           <a:solidFill>
             <a:srgbClr val="000000"/>
           </a:solidFill>
@@ -6937,7 +7146,7 @@
           <a:sym typeface="Arial"/>
         </a:defRPr>
       </a:lvl2pPr>
-      <a:lvl3pPr lvl="2" marR="0" rtl="0" algn="l">
+      <a:lvl3pPr marR="0" lvl="2" algn="l" rtl="0">
         <a:lnSpc>
           <a:spcPct val="100000"/>
         </a:lnSpc>
@@ -6951,7 +7160,7 @@
           <a:srgbClr val="000000"/>
         </a:buClr>
         <a:buFont typeface="Arial"/>
-        <a:defRPr b="0" i="0" sz="1400" u="none" cap="none" strike="noStrike">
+        <a:defRPr sz="1400" b="0" i="0" u="none" strike="noStrike" cap="none">
           <a:solidFill>
             <a:srgbClr val="000000"/>
           </a:solidFill>
@@ -6961,7 +7170,7 @@
           <a:sym typeface="Arial"/>
         </a:defRPr>
       </a:lvl3pPr>
-      <a:lvl4pPr lvl="3" marR="0" rtl="0" algn="l">
+      <a:lvl4pPr marR="0" lvl="3" algn="l" rtl="0">
         <a:lnSpc>
           <a:spcPct val="100000"/>
         </a:lnSpc>
@@ -6975,7 +7184,7 @@
           <a:srgbClr val="000000"/>
         </a:buClr>
         <a:buFont typeface="Arial"/>
-        <a:defRPr b="0" i="0" sz="1400" u="none" cap="none" strike="noStrike">
+        <a:defRPr sz="1400" b="0" i="0" u="none" strike="noStrike" cap="none">
           <a:solidFill>
             <a:srgbClr val="000000"/>
           </a:solidFill>
@@ -6985,7 +7194,7 @@
           <a:sym typeface="Arial"/>
         </a:defRPr>
       </a:lvl4pPr>
-      <a:lvl5pPr lvl="4" marR="0" rtl="0" algn="l">
+      <a:lvl5pPr marR="0" lvl="4" algn="l" rtl="0">
         <a:lnSpc>
           <a:spcPct val="100000"/>
         </a:lnSpc>
@@ -6999,7 +7208,7 @@
           <a:srgbClr val="000000"/>
         </a:buClr>
         <a:buFont typeface="Arial"/>
-        <a:defRPr b="0" i="0" sz="1400" u="none" cap="none" strike="noStrike">
+        <a:defRPr sz="1400" b="0" i="0" u="none" strike="noStrike" cap="none">
           <a:solidFill>
             <a:srgbClr val="000000"/>
           </a:solidFill>
@@ -7009,7 +7218,7 @@
           <a:sym typeface="Arial"/>
         </a:defRPr>
       </a:lvl5pPr>
-      <a:lvl6pPr lvl="5" marR="0" rtl="0" algn="l">
+      <a:lvl6pPr marR="0" lvl="5" algn="l" rtl="0">
         <a:lnSpc>
           <a:spcPct val="100000"/>
         </a:lnSpc>
@@ -7023,7 +7232,7 @@
           <a:srgbClr val="000000"/>
         </a:buClr>
         <a:buFont typeface="Arial"/>
-        <a:defRPr b="0" i="0" sz="1400" u="none" cap="none" strike="noStrike">
+        <a:defRPr sz="1400" b="0" i="0" u="none" strike="noStrike" cap="none">
           <a:solidFill>
             <a:srgbClr val="000000"/>
           </a:solidFill>
@@ -7033,7 +7242,7 @@
           <a:sym typeface="Arial"/>
         </a:defRPr>
       </a:lvl6pPr>
-      <a:lvl7pPr lvl="6" marR="0" rtl="0" algn="l">
+      <a:lvl7pPr marR="0" lvl="6" algn="l" rtl="0">
         <a:lnSpc>
           <a:spcPct val="100000"/>
         </a:lnSpc>
@@ -7047,7 +7256,7 @@
           <a:srgbClr val="000000"/>
         </a:buClr>
         <a:buFont typeface="Arial"/>
-        <a:defRPr b="0" i="0" sz="1400" u="none" cap="none" strike="noStrike">
+        <a:defRPr sz="1400" b="0" i="0" u="none" strike="noStrike" cap="none">
           <a:solidFill>
             <a:srgbClr val="000000"/>
           </a:solidFill>
@@ -7057,7 +7266,7 @@
           <a:sym typeface="Arial"/>
         </a:defRPr>
       </a:lvl7pPr>
-      <a:lvl8pPr lvl="7" marR="0" rtl="0" algn="l">
+      <a:lvl8pPr marR="0" lvl="7" algn="l" rtl="0">
         <a:lnSpc>
           <a:spcPct val="100000"/>
         </a:lnSpc>
@@ -7071,7 +7280,7 @@
           <a:srgbClr val="000000"/>
         </a:buClr>
         <a:buFont typeface="Arial"/>
-        <a:defRPr b="0" i="0" sz="1400" u="none" cap="none" strike="noStrike">
+        <a:defRPr sz="1400" b="0" i="0" u="none" strike="noStrike" cap="none">
           <a:solidFill>
             <a:srgbClr val="000000"/>
           </a:solidFill>
@@ -7081,7 +7290,7 @@
           <a:sym typeface="Arial"/>
         </a:defRPr>
       </a:lvl8pPr>
-      <a:lvl9pPr lvl="8" marR="0" rtl="0" algn="l">
+      <a:lvl9pPr marR="0" lvl="8" algn="l" rtl="0">
         <a:lnSpc>
           <a:spcPct val="100000"/>
         </a:lnSpc>
@@ -7095,7 +7304,7 @@
           <a:srgbClr val="000000"/>
         </a:buClr>
         <a:buFont typeface="Arial"/>
-        <a:defRPr b="0" i="0" sz="1400" u="none" cap="none" strike="noStrike">
+        <a:defRPr sz="1400" b="0" i="0" u="none" strike="noStrike" cap="none">
           <a:solidFill>
             <a:srgbClr val="000000"/>
           </a:solidFill>
@@ -7107,7 +7316,7 @@
       </a:lvl9pPr>
     </p:titleStyle>
     <p:bodyStyle>
-      <a:defPPr lvl="0" marR="0" rtl="0" algn="l">
+      <a:defPPr marR="0" lvl="0" algn="l" rtl="0">
         <a:lnSpc>
           <a:spcPct val="100000"/>
         </a:lnSpc>
@@ -7118,7 +7327,7 @@
           <a:spcPts val="0"/>
         </a:spcAft>
       </a:defPPr>
-      <a:lvl1pPr lvl="0" marR="0" rtl="0" algn="l">
+      <a:lvl1pPr marR="0" lvl="0" algn="l" rtl="0">
         <a:lnSpc>
           <a:spcPct val="100000"/>
         </a:lnSpc>
@@ -7132,7 +7341,7 @@
           <a:srgbClr val="000000"/>
         </a:buClr>
         <a:buFont typeface="Arial"/>
-        <a:defRPr b="0" i="0" sz="1400" u="none" cap="none" strike="noStrike">
+        <a:defRPr sz="1400" b="0" i="0" u="none" strike="noStrike" cap="none">
           <a:solidFill>
             <a:srgbClr val="000000"/>
           </a:solidFill>
@@ -7142,7 +7351,7 @@
           <a:sym typeface="Arial"/>
         </a:defRPr>
       </a:lvl1pPr>
-      <a:lvl2pPr lvl="1" marR="0" rtl="0" algn="l">
+      <a:lvl2pPr marR="0" lvl="1" algn="l" rtl="0">
         <a:lnSpc>
           <a:spcPct val="100000"/>
         </a:lnSpc>
@@ -7156,7 +7365,7 @@
           <a:srgbClr val="000000"/>
         </a:buClr>
         <a:buFont typeface="Arial"/>
-        <a:defRPr b="0" i="0" sz="1400" u="none" cap="none" strike="noStrike">
+        <a:defRPr sz="1400" b="0" i="0" u="none" strike="noStrike" cap="none">
           <a:solidFill>
             <a:srgbClr val="000000"/>
           </a:solidFill>
@@ -7166,7 +7375,7 @@
           <a:sym typeface="Arial"/>
         </a:defRPr>
       </a:lvl2pPr>
-      <a:lvl3pPr lvl="2" marR="0" rtl="0" algn="l">
+      <a:lvl3pPr marR="0" lvl="2" algn="l" rtl="0">
         <a:lnSpc>
           <a:spcPct val="100000"/>
         </a:lnSpc>
@@ -7180,7 +7389,7 @@
           <a:srgbClr val="000000"/>
         </a:buClr>
         <a:buFont typeface="Arial"/>
-        <a:defRPr b="0" i="0" sz="1400" u="none" cap="none" strike="noStrike">
+        <a:defRPr sz="1400" b="0" i="0" u="none" strike="noStrike" cap="none">
           <a:solidFill>
             <a:srgbClr val="000000"/>
           </a:solidFill>
@@ -7190,7 +7399,7 @@
           <a:sym typeface="Arial"/>
         </a:defRPr>
       </a:lvl3pPr>
-      <a:lvl4pPr lvl="3" marR="0" rtl="0" algn="l">
+      <a:lvl4pPr marR="0" lvl="3" algn="l" rtl="0">
         <a:lnSpc>
           <a:spcPct val="100000"/>
         </a:lnSpc>
@@ -7204,7 +7413,7 @@
           <a:srgbClr val="000000"/>
         </a:buClr>
         <a:buFont typeface="Arial"/>
-        <a:defRPr b="0" i="0" sz="1400" u="none" cap="none" strike="noStrike">
+        <a:defRPr sz="1400" b="0" i="0" u="none" strike="noStrike" cap="none">
           <a:solidFill>
             <a:srgbClr val="000000"/>
           </a:solidFill>
@@ -7214,7 +7423,7 @@
           <a:sym typeface="Arial"/>
         </a:defRPr>
       </a:lvl4pPr>
-      <a:lvl5pPr lvl="4" marR="0" rtl="0" algn="l">
+      <a:lvl5pPr marR="0" lvl="4" algn="l" rtl="0">
         <a:lnSpc>
           <a:spcPct val="100000"/>
         </a:lnSpc>
@@ -7228,7 +7437,7 @@
           <a:srgbClr val="000000"/>
         </a:buClr>
         <a:buFont typeface="Arial"/>
-        <a:defRPr b="0" i="0" sz="1400" u="none" cap="none" strike="noStrike">
+        <a:defRPr sz="1400" b="0" i="0" u="none" strike="noStrike" cap="none">
           <a:solidFill>
             <a:srgbClr val="000000"/>
           </a:solidFill>
@@ -7238,7 +7447,7 @@
           <a:sym typeface="Arial"/>
         </a:defRPr>
       </a:lvl5pPr>
-      <a:lvl6pPr lvl="5" marR="0" rtl="0" algn="l">
+      <a:lvl6pPr marR="0" lvl="5" algn="l" rtl="0">
         <a:lnSpc>
           <a:spcPct val="100000"/>
         </a:lnSpc>
@@ -7252,7 +7461,7 @@
           <a:srgbClr val="000000"/>
         </a:buClr>
         <a:buFont typeface="Arial"/>
-        <a:defRPr b="0" i="0" sz="1400" u="none" cap="none" strike="noStrike">
+        <a:defRPr sz="1400" b="0" i="0" u="none" strike="noStrike" cap="none">
           <a:solidFill>
             <a:srgbClr val="000000"/>
           </a:solidFill>
@@ -7262,7 +7471,7 @@
           <a:sym typeface="Arial"/>
         </a:defRPr>
       </a:lvl6pPr>
-      <a:lvl7pPr lvl="6" marR="0" rtl="0" algn="l">
+      <a:lvl7pPr marR="0" lvl="6" algn="l" rtl="0">
         <a:lnSpc>
           <a:spcPct val="100000"/>
         </a:lnSpc>
@@ -7276,7 +7485,7 @@
           <a:srgbClr val="000000"/>
         </a:buClr>
         <a:buFont typeface="Arial"/>
-        <a:defRPr b="0" i="0" sz="1400" u="none" cap="none" strike="noStrike">
+        <a:defRPr sz="1400" b="0" i="0" u="none" strike="noStrike" cap="none">
           <a:solidFill>
             <a:srgbClr val="000000"/>
           </a:solidFill>
@@ -7286,7 +7495,7 @@
           <a:sym typeface="Arial"/>
         </a:defRPr>
       </a:lvl7pPr>
-      <a:lvl8pPr lvl="7" marR="0" rtl="0" algn="l">
+      <a:lvl8pPr marR="0" lvl="7" algn="l" rtl="0">
         <a:lnSpc>
           <a:spcPct val="100000"/>
         </a:lnSpc>
@@ -7300,7 +7509,7 @@
           <a:srgbClr val="000000"/>
         </a:buClr>
         <a:buFont typeface="Arial"/>
-        <a:defRPr b="0" i="0" sz="1400" u="none" cap="none" strike="noStrike">
+        <a:defRPr sz="1400" b="0" i="0" u="none" strike="noStrike" cap="none">
           <a:solidFill>
             <a:srgbClr val="000000"/>
           </a:solidFill>
@@ -7310,7 +7519,7 @@
           <a:sym typeface="Arial"/>
         </a:defRPr>
       </a:lvl8pPr>
-      <a:lvl9pPr lvl="8" marR="0" rtl="0" algn="l">
+      <a:lvl9pPr marR="0" lvl="8" algn="l" rtl="0">
         <a:lnSpc>
           <a:spcPct val="100000"/>
         </a:lnSpc>
@@ -7324,7 +7533,7 @@
           <a:srgbClr val="000000"/>
         </a:buClr>
         <a:buFont typeface="Arial"/>
-        <a:defRPr b="0" i="0" sz="1400" u="none" cap="none" strike="noStrike">
+        <a:defRPr sz="1400" b="0" i="0" u="none" strike="noStrike" cap="none">
           <a:solidFill>
             <a:srgbClr val="000000"/>
           </a:solidFill>
@@ -7336,7 +7545,7 @@
       </a:lvl9pPr>
     </p:bodyStyle>
     <p:otherStyle>
-      <a:defPPr lvl="0" marR="0" rtl="0" algn="l">
+      <a:defPPr marR="0" lvl="0" algn="l" rtl="0">
         <a:lnSpc>
           <a:spcPct val="100000"/>
         </a:lnSpc>
@@ -7347,7 +7556,7 @@
           <a:spcPts val="0"/>
         </a:spcAft>
       </a:defPPr>
-      <a:lvl1pPr lvl="0" marR="0" rtl="0" algn="l">
+      <a:lvl1pPr marR="0" lvl="0" algn="l" rtl="0">
         <a:lnSpc>
           <a:spcPct val="100000"/>
         </a:lnSpc>
@@ -7361,7 +7570,7 @@
           <a:srgbClr val="000000"/>
         </a:buClr>
         <a:buFont typeface="Arial"/>
-        <a:defRPr b="0" i="0" sz="1400" u="none" cap="none" strike="noStrike">
+        <a:defRPr sz="1400" b="0" i="0" u="none" strike="noStrike" cap="none">
           <a:solidFill>
             <a:srgbClr val="000000"/>
           </a:solidFill>
@@ -7371,7 +7580,7 @@
           <a:sym typeface="Arial"/>
         </a:defRPr>
       </a:lvl1pPr>
-      <a:lvl2pPr lvl="1" marR="0" rtl="0" algn="l">
+      <a:lvl2pPr marR="0" lvl="1" algn="l" rtl="0">
         <a:lnSpc>
           <a:spcPct val="100000"/>
         </a:lnSpc>
@@ -7385,7 +7594,7 @@
           <a:srgbClr val="000000"/>
         </a:buClr>
         <a:buFont typeface="Arial"/>
-        <a:defRPr b="0" i="0" sz="1400" u="none" cap="none" strike="noStrike">
+        <a:defRPr sz="1400" b="0" i="0" u="none" strike="noStrike" cap="none">
           <a:solidFill>
             <a:srgbClr val="000000"/>
           </a:solidFill>
@@ -7395,7 +7604,7 @@
           <a:sym typeface="Arial"/>
         </a:defRPr>
       </a:lvl2pPr>
-      <a:lvl3pPr lvl="2" marR="0" rtl="0" algn="l">
+      <a:lvl3pPr marR="0" lvl="2" algn="l" rtl="0">
         <a:lnSpc>
           <a:spcPct val="100000"/>
         </a:lnSpc>
@@ -7409,7 +7618,7 @@
           <a:srgbClr val="000000"/>
         </a:buClr>
         <a:buFont typeface="Arial"/>
-        <a:defRPr b="0" i="0" sz="1400" u="none" cap="none" strike="noStrike">
+        <a:defRPr sz="1400" b="0" i="0" u="none" strike="noStrike" cap="none">
           <a:solidFill>
             <a:srgbClr val="000000"/>
           </a:solidFill>
@@ -7419,7 +7628,7 @@
           <a:sym typeface="Arial"/>
         </a:defRPr>
       </a:lvl3pPr>
-      <a:lvl4pPr lvl="3" marR="0" rtl="0" algn="l">
+      <a:lvl4pPr marR="0" lvl="3" algn="l" rtl="0">
         <a:lnSpc>
           <a:spcPct val="100000"/>
         </a:lnSpc>
@@ -7433,7 +7642,7 @@
           <a:srgbClr val="000000"/>
         </a:buClr>
         <a:buFont typeface="Arial"/>
-        <a:defRPr b="0" i="0" sz="1400" u="none" cap="none" strike="noStrike">
+        <a:defRPr sz="1400" b="0" i="0" u="none" strike="noStrike" cap="none">
           <a:solidFill>
             <a:srgbClr val="000000"/>
           </a:solidFill>
@@ -7443,7 +7652,7 @@
           <a:sym typeface="Arial"/>
         </a:defRPr>
       </a:lvl4pPr>
-      <a:lvl5pPr lvl="4" marR="0" rtl="0" algn="l">
+      <a:lvl5pPr marR="0" lvl="4" algn="l" rtl="0">
         <a:lnSpc>
           <a:spcPct val="100000"/>
         </a:lnSpc>
@@ -7457,7 +7666,7 @@
           <a:srgbClr val="000000"/>
         </a:buClr>
         <a:buFont typeface="Arial"/>
-        <a:defRPr b="0" i="0" sz="1400" u="none" cap="none" strike="noStrike">
+        <a:defRPr sz="1400" b="0" i="0" u="none" strike="noStrike" cap="none">
           <a:solidFill>
             <a:srgbClr val="000000"/>
           </a:solidFill>
@@ -7467,7 +7676,7 @@
           <a:sym typeface="Arial"/>
         </a:defRPr>
       </a:lvl5pPr>
-      <a:lvl6pPr lvl="5" marR="0" rtl="0" algn="l">
+      <a:lvl6pPr marR="0" lvl="5" algn="l" rtl="0">
         <a:lnSpc>
           <a:spcPct val="100000"/>
         </a:lnSpc>
@@ -7481,7 +7690,7 @@
           <a:srgbClr val="000000"/>
         </a:buClr>
         <a:buFont typeface="Arial"/>
-        <a:defRPr b="0" i="0" sz="1400" u="none" cap="none" strike="noStrike">
+        <a:defRPr sz="1400" b="0" i="0" u="none" strike="noStrike" cap="none">
           <a:solidFill>
             <a:srgbClr val="000000"/>
           </a:solidFill>
@@ -7491,7 +7700,7 @@
           <a:sym typeface="Arial"/>
         </a:defRPr>
       </a:lvl6pPr>
-      <a:lvl7pPr lvl="6" marR="0" rtl="0" algn="l">
+      <a:lvl7pPr marR="0" lvl="6" algn="l" rtl="0">
         <a:lnSpc>
           <a:spcPct val="100000"/>
         </a:lnSpc>
@@ -7505,7 +7714,7 @@
           <a:srgbClr val="000000"/>
         </a:buClr>
         <a:buFont typeface="Arial"/>
-        <a:defRPr b="0" i="0" sz="1400" u="none" cap="none" strike="noStrike">
+        <a:defRPr sz="1400" b="0" i="0" u="none" strike="noStrike" cap="none">
           <a:solidFill>
             <a:srgbClr val="000000"/>
           </a:solidFill>
@@ -7515,7 +7724,7 @@
           <a:sym typeface="Arial"/>
         </a:defRPr>
       </a:lvl7pPr>
-      <a:lvl8pPr lvl="7" marR="0" rtl="0" algn="l">
+      <a:lvl8pPr marR="0" lvl="7" algn="l" rtl="0">
         <a:lnSpc>
           <a:spcPct val="100000"/>
         </a:lnSpc>
@@ -7529,7 +7738,7 @@
           <a:srgbClr val="000000"/>
         </a:buClr>
         <a:buFont typeface="Arial"/>
-        <a:defRPr b="0" i="0" sz="1400" u="none" cap="none" strike="noStrike">
+        <a:defRPr sz="1400" b="0" i="0" u="none" strike="noStrike" cap="none">
           <a:solidFill>
             <a:srgbClr val="000000"/>
           </a:solidFill>
@@ -7539,7 +7748,7 @@
           <a:sym typeface="Arial"/>
         </a:defRPr>
       </a:lvl8pPr>
-      <a:lvl9pPr lvl="8" marR="0" rtl="0" algn="l">
+      <a:lvl9pPr marR="0" lvl="8" algn="l" rtl="0">
         <a:lnSpc>
           <a:spcPct val="100000"/>
         </a:lnSpc>
@@ -7553,7 +7762,7 @@
           <a:srgbClr val="000000"/>
         </a:buClr>
         <a:buFont typeface="Arial"/>
-        <a:defRPr b="0" i="0" sz="1400" u="none" cap="none" strike="noStrike">
+        <a:defRPr sz="1400" b="0" i="0" u="none" strike="noStrike" cap="none">
           <a:solidFill>
             <a:srgbClr val="000000"/>
           </a:solidFill>
@@ -7569,11 +7778,11 @@
 </file>
 
 <file path=ppt/slides/slide1.xml><?xml version="1.0" encoding="utf-8"?>
-<p:sld xmlns:a="http://schemas.openxmlformats.org/drawingml/2006/main" xmlns:r="http://schemas.openxmlformats.org/officeDocument/2006/relationships" xmlns:mc="http://schemas.openxmlformats.org/markup-compatibility/2006" xmlns:mv="urn:schemas-microsoft-com:mac:vml" xmlns:p="http://schemas.openxmlformats.org/presentationml/2006/main" xmlns:c="http://schemas.openxmlformats.org/drawingml/2006/chart" xmlns:dgm="http://schemas.openxmlformats.org/drawingml/2006/diagram" xmlns:o="urn:schemas-microsoft-com:office:office" xmlns:v="urn:schemas-microsoft-com:vml" xmlns:pvml="urn:schemas-microsoft-com:office:powerpoint" xmlns:com="http://schemas.openxmlformats.org/drawingml/2006/compatibility" xmlns:p14="http://schemas.microsoft.com/office/powerpoint/2010/main" xmlns:p15="http://schemas.microsoft.com/office/powerpoint/2012/main" xmlns:ahyp="http://schemas.microsoft.com/office/drawing/2018/hyperlinkcolor">
+<p:sld xmlns:a="http://schemas.openxmlformats.org/drawingml/2006/main" xmlns:r="http://schemas.openxmlformats.org/officeDocument/2006/relationships" xmlns:p="http://schemas.openxmlformats.org/presentationml/2006/main">
   <p:cSld>
     <p:spTree>
       <p:nvGrpSpPr>
-        <p:cNvPr id="53" name="Shape 53"/>
+        <p:cNvPr id="1" name="Shape 53"/>
         <p:cNvGrpSpPr/>
         <p:nvPr/>
       </p:nvGrpSpPr>
@@ -7588,7 +7797,9 @@
       <p:sp>
         <p:nvSpPr>
           <p:cNvPr id="54" name="Google Shape;54;p13"/>
-          <p:cNvSpPr txBox="1"/>
+          <p:cNvSpPr txBox="1">
+            <a:spLocks noGrp="1"/>
+          </p:cNvSpPr>
           <p:nvPr>
             <p:ph type="ctrTitle"/>
           </p:nvPr>
@@ -7603,12 +7814,12 @@
           </a:prstGeom>
         </p:spPr>
         <p:txBody>
-          <a:bodyPr anchorCtr="0" anchor="b" bIns="91425" lIns="91425" spcFirstLastPara="1" rIns="91425" wrap="square" tIns="91425">
+          <a:bodyPr spcFirstLastPara="1" wrap="square" lIns="91425" tIns="91425" rIns="91425" bIns="91425" anchor="b" anchorCtr="0">
             <a:normAutofit/>
           </a:bodyPr>
           <a:lstStyle/>
           <a:p>
-            <a:pPr indent="0" lvl="0" marL="0" rtl="0" algn="ctr">
+            <a:pPr marL="0" lvl="0" indent="0" algn="ctr" rtl="0">
               <a:spcBef>
                 <a:spcPts val="0"/>
               </a:spcBef>
@@ -7628,9 +7839,11 @@
       <p:sp>
         <p:nvSpPr>
           <p:cNvPr id="55" name="Google Shape;55;p13"/>
-          <p:cNvSpPr txBox="1"/>
+          <p:cNvSpPr txBox="1">
+            <a:spLocks noGrp="1"/>
+          </p:cNvSpPr>
           <p:nvPr>
-            <p:ph idx="1" type="subTitle"/>
+            <p:ph type="subTitle" idx="1"/>
           </p:nvPr>
         </p:nvSpPr>
         <p:spPr>
@@ -7643,12 +7856,12 @@
           </a:prstGeom>
         </p:spPr>
         <p:txBody>
-          <a:bodyPr anchorCtr="0" anchor="t" bIns="91425" lIns="91425" spcFirstLastPara="1" rIns="91425" wrap="square" tIns="91425">
+          <a:bodyPr spcFirstLastPara="1" wrap="square" lIns="91425" tIns="91425" rIns="91425" bIns="91425" anchor="t" anchorCtr="0">
             <a:normAutofit/>
           </a:bodyPr>
           <a:lstStyle/>
           <a:p>
-            <a:pPr indent="0" lvl="0" marL="0" rtl="0" algn="ctr">
+            <a:pPr marL="0" lvl="0" indent="0" algn="ctr" rtl="0">
               <a:spcBef>
                 <a:spcPts val="0"/>
               </a:spcBef>
@@ -7693,11 +7906,11 @@
 </file>
 
 <file path=ppt/slides/slide10.xml><?xml version="1.0" encoding="utf-8"?>
-<p:sld xmlns:a="http://schemas.openxmlformats.org/drawingml/2006/main" xmlns:r="http://schemas.openxmlformats.org/officeDocument/2006/relationships" xmlns:mc="http://schemas.openxmlformats.org/markup-compatibility/2006" xmlns:mv="urn:schemas-microsoft-com:mac:vml" xmlns:p="http://schemas.openxmlformats.org/presentationml/2006/main" xmlns:c="http://schemas.openxmlformats.org/drawingml/2006/chart" xmlns:dgm="http://schemas.openxmlformats.org/drawingml/2006/diagram" xmlns:o="urn:schemas-microsoft-com:office:office" xmlns:v="urn:schemas-microsoft-com:vml" xmlns:pvml="urn:schemas-microsoft-com:office:powerpoint" xmlns:com="http://schemas.openxmlformats.org/drawingml/2006/compatibility" xmlns:p14="http://schemas.microsoft.com/office/powerpoint/2010/main" xmlns:p15="http://schemas.microsoft.com/office/powerpoint/2012/main" xmlns:ahyp="http://schemas.microsoft.com/office/drawing/2018/hyperlinkcolor">
+<p:sld xmlns:a="http://schemas.openxmlformats.org/drawingml/2006/main" xmlns:r="http://schemas.openxmlformats.org/officeDocument/2006/relationships" xmlns:p="http://schemas.openxmlformats.org/presentationml/2006/main">
   <p:cSld>
     <p:spTree>
       <p:nvGrpSpPr>
-        <p:cNvPr id="108" name="Shape 108"/>
+        <p:cNvPr id="1" name="Shape 108"/>
         <p:cNvGrpSpPr/>
         <p:nvPr/>
       </p:nvGrpSpPr>
@@ -7712,7 +7925,9 @@
       <p:sp>
         <p:nvSpPr>
           <p:cNvPr id="109" name="Google Shape;109;p22"/>
-          <p:cNvSpPr txBox="1"/>
+          <p:cNvSpPr txBox="1">
+            <a:spLocks noGrp="1"/>
+          </p:cNvSpPr>
           <p:nvPr>
             <p:ph type="title"/>
           </p:nvPr>
@@ -7727,12 +7942,12 @@
           </a:prstGeom>
         </p:spPr>
         <p:txBody>
-          <a:bodyPr anchorCtr="0" anchor="t" bIns="91425" lIns="91425" spcFirstLastPara="1" rIns="91425" wrap="square" tIns="91425">
+          <a:bodyPr spcFirstLastPara="1" wrap="square" lIns="91425" tIns="91425" rIns="91425" bIns="91425" anchor="t" anchorCtr="0">
             <a:normAutofit fontScale="90000"/>
           </a:bodyPr>
           <a:lstStyle/>
           <a:p>
-            <a:pPr indent="0" lvl="0" marL="0" rtl="0" algn="l">
+            <a:pPr marL="0" lvl="0" indent="0" algn="l" rtl="0">
               <a:spcBef>
                 <a:spcPts val="0"/>
               </a:spcBef>
@@ -7743,11 +7958,7 @@
             </a:pPr>
             <a:r>
               <a:rPr lang="en"/>
-              <a:t>2. </a:t>
-            </a:r>
-            <a:r>
-              <a:rPr lang="en"/>
-              <a:t>Voluntariness v. Involuntariness</a:t>
+              <a:t>2. Voluntariness v. Involuntariness</a:t>
             </a:r>
             <a:endParaRPr/>
           </a:p>
@@ -7756,9 +7967,11 @@
       <p:sp>
         <p:nvSpPr>
           <p:cNvPr id="110" name="Google Shape;110;p22"/>
-          <p:cNvSpPr txBox="1"/>
+          <p:cNvSpPr txBox="1">
+            <a:spLocks noGrp="1"/>
+          </p:cNvSpPr>
           <p:nvPr>
-            <p:ph idx="1" type="body"/>
+            <p:ph type="body" idx="1"/>
           </p:nvPr>
         </p:nvSpPr>
         <p:spPr>
@@ -7771,26 +7984,26 @@
           </a:prstGeom>
         </p:spPr>
         <p:txBody>
-          <a:bodyPr anchorCtr="0" anchor="t" bIns="91425" lIns="91425" spcFirstLastPara="1" rIns="91425" wrap="square" tIns="91425">
-            <a:normAutofit lnSpcReduction="10000"/>
+          <a:bodyPr spcFirstLastPara="1" wrap="square" lIns="91425" tIns="91425" rIns="91425" bIns="91425" anchor="t" anchorCtr="0">
+            <a:normAutofit fontScale="92500"/>
           </a:bodyPr>
           <a:lstStyle/>
           <a:p>
-            <a:pPr indent="0" lvl="0" marL="0" rtl="0" algn="l">
-              <a:spcBef>
-                <a:spcPts val="0"/>
-              </a:spcBef>
-              <a:spcAft>
-                <a:spcPts val="0"/>
-              </a:spcAft>
-              <a:buNone/>
-            </a:pPr>
-            <a:r>
-              <a:rPr lang="en"/>
+            <a:pPr marL="0" lvl="0" indent="0" algn="l" rtl="0">
+              <a:spcBef>
+                <a:spcPts val="0"/>
+              </a:spcBef>
+              <a:spcAft>
+                <a:spcPts val="0"/>
+              </a:spcAft>
+              <a:buNone/>
+            </a:pPr>
+            <a:r>
+              <a:rPr lang="en" dirty="0"/>
               <a:t>From the comments section of the New York Times re: </a:t>
             </a:r>
             <a:r>
-              <a:rPr lang="en" u="sng">
+              <a:rPr lang="en" u="sng" dirty="0">
                 <a:solidFill>
                   <a:schemeClr val="hlink"/>
                 </a:solidFill>
@@ -7799,13 +8012,25 @@
               <a:t>It’s Google’s World. We Just Live in It</a:t>
             </a:r>
             <a:r>
-              <a:rPr lang="en"/>
-              <a:t>:</a:t>
-            </a:r>
-            <a:endParaRPr/>
-          </a:p>
-          <a:p>
-            <a:pPr indent="0" lvl="0" marL="457200" marR="850270" rtl="0" algn="l">
+              <a:rPr lang="en" dirty="0"/>
+              <a:t> (see course-website/course-files/readings/</a:t>
+            </a:r>
+            <a:r>
+              <a:rPr lang="en-US" dirty="0"/>
+              <a:t>It’s Google’s World. We Just Live in It. - The New York </a:t>
+            </a:r>
+            <a:r>
+              <a:rPr lang="en-US" dirty="0" err="1"/>
+              <a:t>Times.pdf</a:t>
+            </a:r>
+            <a:r>
+              <a:rPr lang="en-US" dirty="0"/>
+              <a:t>):</a:t>
+            </a:r>
+            <a:endParaRPr dirty="0"/>
+          </a:p>
+          <a:p>
+            <a:pPr marL="457200" marR="850270" lvl="0" indent="0" algn="l" rtl="0">
               <a:spcBef>
                 <a:spcPts val="1000"/>
               </a:spcBef>
@@ -7815,28 +8040,41 @@
               <a:buNone/>
             </a:pPr>
             <a:r>
-              <a:rPr i="1" lang="en"/>
-              <a:t>“The key here is that we all CHOOSE to use Google search. We choose to use gmail. We choose to use Google maps, Google Earth and Youtube, etc. It is easy to turn these Google features off and not use them. We use these Google products because they work and provide us information and data we want.”</a:t>
-            </a:r>
-            <a:endParaRPr i="1"/>
-          </a:p>
-          <a:p>
-            <a:pPr indent="0" lvl="0" marL="0" rtl="0" algn="l">
-              <a:spcBef>
-                <a:spcPts val="0"/>
-              </a:spcBef>
-              <a:spcAft>
-                <a:spcPts val="0"/>
-              </a:spcAft>
-              <a:buNone/>
-            </a:pPr>
-            <a:r>
-              <a:t/>
-            </a:r>
-            <a:endParaRPr/>
-          </a:p>
-          <a:p>
-            <a:pPr indent="0" lvl="0" marL="0" rtl="0" algn="l">
+              <a:rPr lang="en" i="1" dirty="0"/>
+              <a:t>“The key here is that we all CHOOSE to use Google search. We choose to use </a:t>
+            </a:r>
+            <a:r>
+              <a:rPr lang="en" i="1" dirty="0" err="1"/>
+              <a:t>gmail</a:t>
+            </a:r>
+            <a:r>
+              <a:rPr lang="en" i="1" dirty="0"/>
+              <a:t>. We choose to use Google maps, Google Earth and </a:t>
+            </a:r>
+            <a:r>
+              <a:rPr lang="en" i="1" dirty="0" err="1"/>
+              <a:t>Youtube</a:t>
+            </a:r>
+            <a:r>
+              <a:rPr lang="en" i="1" dirty="0"/>
+              <a:t>, etc. It is easy to turn these Google features off and not use them. We use these Google products because they work and provide us information and data we want.”</a:t>
+            </a:r>
+            <a:endParaRPr i="1" dirty="0"/>
+          </a:p>
+          <a:p>
+            <a:pPr marL="0" lvl="0" indent="0" algn="l" rtl="0">
+              <a:spcBef>
+                <a:spcPts val="0"/>
+              </a:spcBef>
+              <a:spcAft>
+                <a:spcPts val="0"/>
+              </a:spcAft>
+              <a:buNone/>
+            </a:pPr>
+            <a:endParaRPr dirty="0"/>
+          </a:p>
+          <a:p>
+            <a:pPr marL="0" lvl="0" indent="0" algn="l" rtl="0">
               <a:spcBef>
                 <a:spcPts val="1000"/>
               </a:spcBef>
@@ -7846,10 +8084,10 @@
               <a:buNone/>
             </a:pPr>
             <a:r>
-              <a:rPr lang="en"/>
+              <a:rPr lang="en" dirty="0"/>
               <a:t>Even if we don’t participate in Google, Facebook, Twitter, etc., are we still impacted by these systems? How?</a:t>
             </a:r>
-            <a:endParaRPr/>
+            <a:endParaRPr dirty="0"/>
           </a:p>
         </p:txBody>
       </p:sp>
@@ -7862,11 +8100,11 @@
 </file>
 
 <file path=ppt/slides/slide11.xml><?xml version="1.0" encoding="utf-8"?>
-<p:sld xmlns:a="http://schemas.openxmlformats.org/drawingml/2006/main" xmlns:r="http://schemas.openxmlformats.org/officeDocument/2006/relationships" xmlns:mc="http://schemas.openxmlformats.org/markup-compatibility/2006" xmlns:mv="urn:schemas-microsoft-com:mac:vml" xmlns:p="http://schemas.openxmlformats.org/presentationml/2006/main" xmlns:c="http://schemas.openxmlformats.org/drawingml/2006/chart" xmlns:dgm="http://schemas.openxmlformats.org/drawingml/2006/diagram" xmlns:o="urn:schemas-microsoft-com:office:office" xmlns:v="urn:schemas-microsoft-com:vml" xmlns:pvml="urn:schemas-microsoft-com:office:powerpoint" xmlns:com="http://schemas.openxmlformats.org/drawingml/2006/compatibility" xmlns:p14="http://schemas.microsoft.com/office/powerpoint/2010/main" xmlns:p15="http://schemas.microsoft.com/office/powerpoint/2012/main" xmlns:ahyp="http://schemas.microsoft.com/office/drawing/2018/hyperlinkcolor">
+<p:sld xmlns:a="http://schemas.openxmlformats.org/drawingml/2006/main" xmlns:r="http://schemas.openxmlformats.org/officeDocument/2006/relationships" xmlns:p="http://schemas.openxmlformats.org/presentationml/2006/main">
   <p:cSld>
     <p:spTree>
       <p:nvGrpSpPr>
-        <p:cNvPr id="114" name="Shape 114"/>
+        <p:cNvPr id="1" name="Shape 114"/>
         <p:cNvGrpSpPr/>
         <p:nvPr/>
       </p:nvGrpSpPr>
@@ -7881,7 +8119,9 @@
       <p:sp>
         <p:nvSpPr>
           <p:cNvPr id="115" name="Google Shape;115;p23"/>
-          <p:cNvSpPr txBox="1"/>
+          <p:cNvSpPr txBox="1">
+            <a:spLocks noGrp="1"/>
+          </p:cNvSpPr>
           <p:nvPr>
             <p:ph type="title"/>
           </p:nvPr>
@@ -7896,12 +8136,12 @@
           </a:prstGeom>
         </p:spPr>
         <p:txBody>
-          <a:bodyPr anchorCtr="0" anchor="t" bIns="91425" lIns="91425" spcFirstLastPara="1" rIns="91425" wrap="square" tIns="91425">
+          <a:bodyPr spcFirstLastPara="1" wrap="square" lIns="91425" tIns="91425" rIns="91425" bIns="91425" anchor="t" anchorCtr="0">
             <a:normAutofit fontScale="90000"/>
           </a:bodyPr>
           <a:lstStyle/>
           <a:p>
-            <a:pPr indent="0" lvl="0" marL="0" rtl="0" algn="l">
+            <a:pPr marL="0" lvl="0" indent="0" algn="l" rtl="0">
               <a:spcBef>
                 <a:spcPts val="0"/>
               </a:spcBef>
@@ -7921,9 +8161,11 @@
       <p:sp>
         <p:nvSpPr>
           <p:cNvPr id="116" name="Google Shape;116;p23"/>
-          <p:cNvSpPr txBox="1"/>
+          <p:cNvSpPr txBox="1">
+            <a:spLocks noGrp="1"/>
+          </p:cNvSpPr>
           <p:nvPr>
-            <p:ph idx="1" type="body"/>
+            <p:ph type="body" idx="1"/>
           </p:nvPr>
         </p:nvSpPr>
         <p:spPr>
@@ -7936,12 +8178,12 @@
           </a:prstGeom>
         </p:spPr>
         <p:txBody>
-          <a:bodyPr anchorCtr="0" anchor="t" bIns="91425" lIns="91425" spcFirstLastPara="1" rIns="91425" wrap="square" tIns="91425">
+          <a:bodyPr spcFirstLastPara="1" wrap="square" lIns="91425" tIns="91425" rIns="91425" bIns="91425" anchor="t" anchorCtr="0">
             <a:normAutofit/>
           </a:bodyPr>
           <a:lstStyle/>
           <a:p>
-            <a:pPr indent="-342900" lvl="0" marL="457200" rtl="0" algn="l">
+            <a:pPr marL="457200" lvl="0" indent="-342900" algn="l" rtl="0">
               <a:spcBef>
                 <a:spcPts val="0"/>
               </a:spcBef>
@@ -7955,7 +8197,7 @@
               <a:buChar char="●"/>
             </a:pPr>
             <a:r>
-              <a:rPr b="1" lang="en"/>
+              <a:rPr lang="en" b="1"/>
               <a:t>1990s: </a:t>
             </a:r>
             <a:r>
@@ -7965,7 +8207,7 @@
             <a:endParaRPr/>
           </a:p>
           <a:p>
-            <a:pPr indent="-342900" lvl="0" marL="457200" rtl="0" algn="l">
+            <a:pPr marL="457200" lvl="0" indent="-342900" algn="l" rtl="0">
               <a:spcBef>
                 <a:spcPts val="1000"/>
               </a:spcBef>
@@ -7979,7 +8221,7 @@
               <a:buChar char="●"/>
             </a:pPr>
             <a:r>
-              <a:rPr b="1" lang="en"/>
+              <a:rPr lang="en" b="1"/>
               <a:t>Today: </a:t>
             </a:r>
             <a:r>
@@ -7999,18 +8241,19 @@
 </file>
 
 <file path=ppt/slides/slide12.xml><?xml version="1.0" encoding="utf-8"?>
-<p:sld xmlns:a="http://schemas.openxmlformats.org/drawingml/2006/main" xmlns:r="http://schemas.openxmlformats.org/officeDocument/2006/relationships" xmlns:mc="http://schemas.openxmlformats.org/markup-compatibility/2006" xmlns:mv="urn:schemas-microsoft-com:mac:vml" xmlns:p="http://schemas.openxmlformats.org/presentationml/2006/main" xmlns:c="http://schemas.openxmlformats.org/drawingml/2006/chart" xmlns:dgm="http://schemas.openxmlformats.org/drawingml/2006/diagram" xmlns:o="urn:schemas-microsoft-com:office:office" xmlns:v="urn:schemas-microsoft-com:vml" xmlns:pvml="urn:schemas-microsoft-com:office:powerpoint" xmlns:com="http://schemas.openxmlformats.org/drawingml/2006/compatibility" xmlns:p14="http://schemas.microsoft.com/office/powerpoint/2010/main" xmlns:p15="http://schemas.microsoft.com/office/powerpoint/2012/main" xmlns:ahyp="http://schemas.microsoft.com/office/drawing/2018/hyperlinkcolor">
+<p:sld xmlns:a="http://schemas.openxmlformats.org/drawingml/2006/main" xmlns:r="http://schemas.openxmlformats.org/officeDocument/2006/relationships" xmlns:p="http://schemas.openxmlformats.org/presentationml/2006/main">
   <p:cSld>
     <p:bg>
       <p:bgPr>
         <a:solidFill>
           <a:schemeClr val="lt1"/>
         </a:solidFill>
+        <a:effectLst/>
       </p:bgPr>
     </p:bg>
     <p:spTree>
       <p:nvGrpSpPr>
-        <p:cNvPr id="120" name="Shape 120"/>
+        <p:cNvPr id="1" name="Shape 120"/>
         <p:cNvGrpSpPr/>
         <p:nvPr/>
       </p:nvGrpSpPr>
@@ -8025,9 +8268,11 @@
       <p:sp>
         <p:nvSpPr>
           <p:cNvPr id="121" name="Google Shape;121;p24"/>
-          <p:cNvSpPr txBox="1"/>
+          <p:cNvSpPr txBox="1">
+            <a:spLocks noGrp="1"/>
+          </p:cNvSpPr>
           <p:nvPr>
-            <p:ph idx="1" type="body"/>
+            <p:ph type="body" idx="1"/>
           </p:nvPr>
         </p:nvSpPr>
         <p:spPr>
@@ -8040,12 +8285,12 @@
           </a:prstGeom>
         </p:spPr>
         <p:txBody>
-          <a:bodyPr anchorCtr="0" anchor="t" bIns="91425" lIns="91425" spcFirstLastPara="1" rIns="91425" wrap="square" tIns="91425">
+          <a:bodyPr spcFirstLastPara="1" wrap="square" lIns="91425" tIns="91425" rIns="91425" bIns="91425" anchor="t" anchorCtr="0">
             <a:normAutofit/>
           </a:bodyPr>
           <a:lstStyle/>
           <a:p>
-            <a:pPr indent="-342900" lvl="0" marL="457200" rtl="0" algn="l">
+            <a:pPr marL="457200" lvl="0" indent="-342900" algn="l" rtl="0">
               <a:spcBef>
                 <a:spcPts val="0"/>
               </a:spcBef>
@@ -8063,7 +8308,7 @@
             <a:endParaRPr/>
           </a:p>
           <a:p>
-            <a:pPr indent="-342900" lvl="0" marL="457200" rtl="0" algn="l">
+            <a:pPr marL="457200" lvl="0" indent="-342900" algn="l" rtl="0">
               <a:spcBef>
                 <a:spcPts val="1000"/>
               </a:spcBef>
@@ -8081,7 +8326,7 @@
             <a:endParaRPr/>
           </a:p>
           <a:p>
-            <a:pPr indent="-342900" lvl="0" marL="457200" rtl="0" algn="l">
+            <a:pPr marL="457200" lvl="0" indent="-342900" algn="l" rtl="0">
               <a:spcBef>
                 <a:spcPts val="1000"/>
               </a:spcBef>
@@ -8099,7 +8344,7 @@
             <a:endParaRPr/>
           </a:p>
           <a:p>
-            <a:pPr indent="-342900" lvl="0" marL="457200" rtl="0" algn="l">
+            <a:pPr marL="457200" lvl="0" indent="-342900" algn="l" rtl="0">
               <a:spcBef>
                 <a:spcPts val="1000"/>
               </a:spcBef>
@@ -8117,7 +8362,7 @@
             <a:endParaRPr/>
           </a:p>
           <a:p>
-            <a:pPr indent="-342900" lvl="0" marL="457200" rtl="0" algn="l">
+            <a:pPr marL="457200" lvl="0" indent="-342900" algn="l" rtl="0">
               <a:spcBef>
                 <a:spcPts val="1000"/>
               </a:spcBef>
@@ -8130,15 +8375,7 @@
             </a:pPr>
             <a:r>
               <a:rPr lang="en"/>
-              <a:t>Can collapse </a:t>
-            </a:r>
-            <a:r>
-              <a:rPr lang="en"/>
-              <a:t>time</a:t>
-            </a:r>
-            <a:r>
-              <a:rPr lang="en"/>
-              <a:t> and space – it will be the end of the nation state. One world, one people, etc., etc.</a:t>
+              <a:t>Can collapse time and space – it will be the end of the nation state. One world, one people, etc., etc.</a:t>
             </a:r>
             <a:endParaRPr/>
           </a:p>
@@ -8147,7 +8384,9 @@
       <p:sp>
         <p:nvSpPr>
           <p:cNvPr id="122" name="Google Shape;122;p24"/>
-          <p:cNvSpPr txBox="1"/>
+          <p:cNvSpPr txBox="1">
+            <a:spLocks noGrp="1"/>
+          </p:cNvSpPr>
           <p:nvPr>
             <p:ph type="title"/>
           </p:nvPr>
@@ -8162,12 +8401,12 @@
           </a:prstGeom>
         </p:spPr>
         <p:txBody>
-          <a:bodyPr anchorCtr="0" anchor="t" bIns="91425" lIns="91425" spcFirstLastPara="1" rIns="91425" wrap="square" tIns="91425">
+          <a:bodyPr spcFirstLastPara="1" wrap="square" lIns="91425" tIns="91425" rIns="91425" bIns="91425" anchor="t" anchorCtr="0">
             <a:normAutofit fontScale="90000"/>
           </a:bodyPr>
           <a:lstStyle/>
           <a:p>
-            <a:pPr indent="0" lvl="0" marL="0" rtl="0" algn="l">
+            <a:pPr marL="0" lvl="0" indent="0" algn="l" rtl="0">
               <a:spcBef>
                 <a:spcPts val="0"/>
               </a:spcBef>
@@ -8178,11 +8417,7 @@
             </a:pPr>
             <a:r>
               <a:rPr lang="en"/>
-              <a:t>3. </a:t>
-            </a:r>
-            <a:r>
-              <a:rPr lang="en"/>
-              <a:t>The Internet in the 90s: Early Hopes</a:t>
+              <a:t>3. The Internet in the 90s: Early Hopes</a:t>
             </a:r>
             <a:endParaRPr/>
           </a:p>
@@ -8191,9 +8426,11 @@
       <p:sp>
         <p:nvSpPr>
           <p:cNvPr id="123" name="Google Shape;123;p24"/>
-          <p:cNvSpPr txBox="1"/>
+          <p:cNvSpPr txBox="1">
+            <a:spLocks noGrp="1"/>
+          </p:cNvSpPr>
           <p:nvPr>
-            <p:ph idx="12" type="sldNum"/>
+            <p:ph type="sldNum" idx="12"/>
           </p:nvPr>
         </p:nvSpPr>
         <p:spPr>
@@ -8206,12 +8443,12 @@
           </a:prstGeom>
         </p:spPr>
         <p:txBody>
-          <a:bodyPr anchorCtr="0" anchor="ctr" bIns="91425" lIns="91425" spcFirstLastPara="1" rIns="91425" wrap="square" tIns="91425">
+          <a:bodyPr spcFirstLastPara="1" wrap="square" lIns="91425" tIns="91425" rIns="91425" bIns="91425" anchor="ctr" anchorCtr="0">
             <a:normAutofit/>
           </a:bodyPr>
           <a:lstStyle/>
           <a:p>
-            <a:pPr indent="0" lvl="0" marL="0" rtl="0" algn="r">
+            <a:pPr marL="0" lvl="0" indent="0" algn="r" rtl="0">
               <a:spcBef>
                 <a:spcPts val="0"/>
               </a:spcBef>
@@ -8222,7 +8459,7 @@
             </a:pPr>
             <a:fld id="{00000000-1234-1234-1234-123412341234}" type="slidenum">
               <a:rPr lang="en"/>
-              <a:t>‹#›</a:t>
+              <a:t>12</a:t>
             </a:fld>
             <a:endParaRPr/>
           </a:p>
@@ -8236,32 +8473,32 @@
   <p:timing>
     <p:tnLst>
       <p:par>
-        <p:cTn dur="indefinite" nodeType="tmRoot" restart="never">
+        <p:cTn id="1" dur="indefinite" restart="never" nodeType="tmRoot">
           <p:childTnLst>
             <p:seq concurrent="1" nextAc="seek">
-              <p:cTn dur="indefinite" id="2" nodeType="mainSeq">
+              <p:cTn id="2" dur="indefinite" nodeType="mainSeq">
                 <p:childTnLst>
                   <p:par>
-                    <p:cTn fill="hold">
+                    <p:cTn id="3" fill="hold">
                       <p:stCondLst>
                         <p:cond delay="indefinite"/>
                       </p:stCondLst>
                       <p:childTnLst>
                         <p:par>
-                          <p:cTn fill="hold">
+                          <p:cTn id="4" fill="hold">
                             <p:stCondLst>
                               <p:cond delay="0"/>
                             </p:stCondLst>
                             <p:childTnLst>
                               <p:par>
-                                <p:cTn fill="hold" nodeType="clickEffect" presetClass="entr" presetID="10" presetSubtype="0">
+                                <p:cTn id="5" presetID="10" presetClass="entr" presetSubtype="0" fill="hold" nodeType="clickEffect">
                                   <p:stCondLst>
                                     <p:cond delay="0"/>
                                   </p:stCondLst>
                                   <p:childTnLst>
                                     <p:set>
                                       <p:cBhvr>
-                                        <p:cTn dur="1" fill="hold">
+                                        <p:cTn id="6" dur="1" fill="hold">
                                           <p:stCondLst>
                                             <p:cond delay="0"/>
                                           </p:stCondLst>
@@ -8269,7 +8506,7 @@
                                         <p:tgtEl>
                                           <p:spTgt spid="121">
                                             <p:txEl>
-                                              <p:pRg end="0" st="0"/>
+                                              <p:pRg st="0" end="0"/>
                                             </p:txEl>
                                           </p:spTgt>
                                         </p:tgtEl>
@@ -8281,13 +8518,13 @@
                                         <p:strVal val="visible"/>
                                       </p:to>
                                     </p:set>
-                                    <p:animEffect filter="fade" transition="in">
+                                    <p:animEffect transition="in" filter="fade">
                                       <p:cBhvr>
-                                        <p:cTn dur="1"/>
+                                        <p:cTn id="7" dur="1"/>
                                         <p:tgtEl>
                                           <p:spTgt spid="121">
                                             <p:txEl>
-                                              <p:pRg end="0" st="0"/>
+                                              <p:pRg st="0" end="0"/>
                                             </p:txEl>
                                           </p:spTgt>
                                         </p:tgtEl>
@@ -8303,26 +8540,26 @@
                     </p:cTn>
                   </p:par>
                   <p:par>
-                    <p:cTn fill="hold">
+                    <p:cTn id="8" fill="hold">
                       <p:stCondLst>
                         <p:cond delay="indefinite"/>
                       </p:stCondLst>
                       <p:childTnLst>
                         <p:par>
-                          <p:cTn fill="hold">
+                          <p:cTn id="9" fill="hold">
                             <p:stCondLst>
                               <p:cond delay="0"/>
                             </p:stCondLst>
                             <p:childTnLst>
                               <p:par>
-                                <p:cTn fill="hold" nodeType="clickEffect" presetClass="entr" presetID="10" presetSubtype="0">
+                                <p:cTn id="10" presetID="10" presetClass="entr" presetSubtype="0" fill="hold" nodeType="clickEffect">
                                   <p:stCondLst>
                                     <p:cond delay="0"/>
                                   </p:stCondLst>
                                   <p:childTnLst>
                                     <p:set>
                                       <p:cBhvr>
-                                        <p:cTn dur="1" fill="hold">
+                                        <p:cTn id="11" dur="1" fill="hold">
                                           <p:stCondLst>
                                             <p:cond delay="0"/>
                                           </p:stCondLst>
@@ -8330,7 +8567,7 @@
                                         <p:tgtEl>
                                           <p:spTgt spid="121">
                                             <p:txEl>
-                                              <p:pRg end="1" st="1"/>
+                                              <p:pRg st="1" end="1"/>
                                             </p:txEl>
                                           </p:spTgt>
                                         </p:tgtEl>
@@ -8342,13 +8579,13 @@
                                         <p:strVal val="visible"/>
                                       </p:to>
                                     </p:set>
-                                    <p:animEffect filter="fade" transition="in">
+                                    <p:animEffect transition="in" filter="fade">
                                       <p:cBhvr>
-                                        <p:cTn dur="1"/>
+                                        <p:cTn id="12" dur="1"/>
                                         <p:tgtEl>
                                           <p:spTgt spid="121">
                                             <p:txEl>
-                                              <p:pRg end="1" st="1"/>
+                                              <p:pRg st="1" end="1"/>
                                             </p:txEl>
                                           </p:spTgt>
                                         </p:tgtEl>
@@ -8364,26 +8601,26 @@
                     </p:cTn>
                   </p:par>
                   <p:par>
-                    <p:cTn fill="hold">
+                    <p:cTn id="13" fill="hold">
                       <p:stCondLst>
                         <p:cond delay="indefinite"/>
                       </p:stCondLst>
                       <p:childTnLst>
                         <p:par>
-                          <p:cTn fill="hold">
+                          <p:cTn id="14" fill="hold">
                             <p:stCondLst>
                               <p:cond delay="0"/>
                             </p:stCondLst>
                             <p:childTnLst>
                               <p:par>
-                                <p:cTn fill="hold" nodeType="clickEffect" presetClass="entr" presetID="10" presetSubtype="0">
+                                <p:cTn id="15" presetID="10" presetClass="entr" presetSubtype="0" fill="hold" nodeType="clickEffect">
                                   <p:stCondLst>
                                     <p:cond delay="0"/>
                                   </p:stCondLst>
                                   <p:childTnLst>
                                     <p:set>
                                       <p:cBhvr>
-                                        <p:cTn dur="1" fill="hold">
+                                        <p:cTn id="16" dur="1" fill="hold">
                                           <p:stCondLst>
                                             <p:cond delay="0"/>
                                           </p:stCondLst>
@@ -8391,7 +8628,7 @@
                                         <p:tgtEl>
                                           <p:spTgt spid="121">
                                             <p:txEl>
-                                              <p:pRg end="2" st="2"/>
+                                              <p:pRg st="2" end="2"/>
                                             </p:txEl>
                                           </p:spTgt>
                                         </p:tgtEl>
@@ -8403,13 +8640,13 @@
                                         <p:strVal val="visible"/>
                                       </p:to>
                                     </p:set>
-                                    <p:animEffect filter="fade" transition="in">
+                                    <p:animEffect transition="in" filter="fade">
                                       <p:cBhvr>
-                                        <p:cTn dur="1"/>
+                                        <p:cTn id="17" dur="1"/>
                                         <p:tgtEl>
                                           <p:spTgt spid="121">
                                             <p:txEl>
-                                              <p:pRg end="2" st="2"/>
+                                              <p:pRg st="2" end="2"/>
                                             </p:txEl>
                                           </p:spTgt>
                                         </p:tgtEl>
@@ -8425,26 +8662,26 @@
                     </p:cTn>
                   </p:par>
                   <p:par>
-                    <p:cTn fill="hold">
+                    <p:cTn id="18" fill="hold">
                       <p:stCondLst>
                         <p:cond delay="indefinite"/>
                       </p:stCondLst>
                       <p:childTnLst>
                         <p:par>
-                          <p:cTn fill="hold">
+                          <p:cTn id="19" fill="hold">
                             <p:stCondLst>
                               <p:cond delay="0"/>
                             </p:stCondLst>
                             <p:childTnLst>
                               <p:par>
-                                <p:cTn fill="hold" nodeType="clickEffect" presetClass="entr" presetID="10" presetSubtype="0">
+                                <p:cTn id="20" presetID="10" presetClass="entr" presetSubtype="0" fill="hold" nodeType="clickEffect">
                                   <p:stCondLst>
                                     <p:cond delay="0"/>
                                   </p:stCondLst>
                                   <p:childTnLst>
                                     <p:set>
                                       <p:cBhvr>
-                                        <p:cTn dur="1" fill="hold">
+                                        <p:cTn id="21" dur="1" fill="hold">
                                           <p:stCondLst>
                                             <p:cond delay="0"/>
                                           </p:stCondLst>
@@ -8452,7 +8689,7 @@
                                         <p:tgtEl>
                                           <p:spTgt spid="121">
                                             <p:txEl>
-                                              <p:pRg end="3" st="3"/>
+                                              <p:pRg st="3" end="3"/>
                                             </p:txEl>
                                           </p:spTgt>
                                         </p:tgtEl>
@@ -8464,13 +8701,13 @@
                                         <p:strVal val="visible"/>
                                       </p:to>
                                     </p:set>
-                                    <p:animEffect filter="fade" transition="in">
+                                    <p:animEffect transition="in" filter="fade">
                                       <p:cBhvr>
-                                        <p:cTn dur="1"/>
+                                        <p:cTn id="22" dur="1"/>
                                         <p:tgtEl>
                                           <p:spTgt spid="121">
                                             <p:txEl>
-                                              <p:pRg end="3" st="3"/>
+                                              <p:pRg st="3" end="3"/>
                                             </p:txEl>
                                           </p:spTgt>
                                         </p:tgtEl>
@@ -8486,26 +8723,26 @@
                     </p:cTn>
                   </p:par>
                   <p:par>
-                    <p:cTn fill="hold">
+                    <p:cTn id="23" fill="hold">
                       <p:stCondLst>
                         <p:cond delay="indefinite"/>
                       </p:stCondLst>
                       <p:childTnLst>
                         <p:par>
-                          <p:cTn fill="hold">
+                          <p:cTn id="24" fill="hold">
                             <p:stCondLst>
                               <p:cond delay="0"/>
                             </p:stCondLst>
                             <p:childTnLst>
                               <p:par>
-                                <p:cTn fill="hold" nodeType="clickEffect" presetClass="entr" presetID="10" presetSubtype="0">
+                                <p:cTn id="25" presetID="10" presetClass="entr" presetSubtype="0" fill="hold" nodeType="clickEffect">
                                   <p:stCondLst>
                                     <p:cond delay="0"/>
                                   </p:stCondLst>
                                   <p:childTnLst>
                                     <p:set>
                                       <p:cBhvr>
-                                        <p:cTn dur="1" fill="hold">
+                                        <p:cTn id="26" dur="1" fill="hold">
                                           <p:stCondLst>
                                             <p:cond delay="0"/>
                                           </p:stCondLst>
@@ -8513,7 +8750,7 @@
                                         <p:tgtEl>
                                           <p:spTgt spid="121">
                                             <p:txEl>
-                                              <p:pRg end="4" st="4"/>
+                                              <p:pRg st="4" end="4"/>
                                             </p:txEl>
                                           </p:spTgt>
                                         </p:tgtEl>
@@ -8525,13 +8762,13 @@
                                         <p:strVal val="visible"/>
                                       </p:to>
                                     </p:set>
-                                    <p:animEffect filter="fade" transition="in">
+                                    <p:animEffect transition="in" filter="fade">
                                       <p:cBhvr>
-                                        <p:cTn dur="1"/>
+                                        <p:cTn id="27" dur="1"/>
                                         <p:tgtEl>
                                           <p:spTgt spid="121">
                                             <p:txEl>
-                                              <p:pRg end="4" st="4"/>
+                                              <p:pRg st="4" end="4"/>
                                             </p:txEl>
                                           </p:spTgt>
                                         </p:tgtEl>
@@ -8549,14 +8786,14 @@
                 </p:childTnLst>
               </p:cTn>
               <p:prevCondLst>
-                <p:cond evt="onPrev">
+                <p:cond evt="onPrev" delay="0">
                   <p:tgtEl>
                     <p:sldTgt/>
                   </p:tgtEl>
                 </p:cond>
               </p:prevCondLst>
               <p:nextCondLst>
-                <p:cond evt="onNext">
+                <p:cond evt="onNext" delay="0">
                   <p:tgtEl>
                     <p:sldTgt/>
                   </p:tgtEl>
@@ -8572,11 +8809,11 @@
 </file>
 
 <file path=ppt/slides/slide13.xml><?xml version="1.0" encoding="utf-8"?>
-<p:sld xmlns:a="http://schemas.openxmlformats.org/drawingml/2006/main" xmlns:r="http://schemas.openxmlformats.org/officeDocument/2006/relationships" xmlns:mc="http://schemas.openxmlformats.org/markup-compatibility/2006" xmlns:mv="urn:schemas-microsoft-com:mac:vml" xmlns:p="http://schemas.openxmlformats.org/presentationml/2006/main" xmlns:c="http://schemas.openxmlformats.org/drawingml/2006/chart" xmlns:dgm="http://schemas.openxmlformats.org/drawingml/2006/diagram" xmlns:o="urn:schemas-microsoft-com:office:office" xmlns:v="urn:schemas-microsoft-com:vml" xmlns:pvml="urn:schemas-microsoft-com:office:powerpoint" xmlns:com="http://schemas.openxmlformats.org/drawingml/2006/compatibility" xmlns:p14="http://schemas.microsoft.com/office/powerpoint/2010/main" xmlns:p15="http://schemas.microsoft.com/office/powerpoint/2012/main" xmlns:ahyp="http://schemas.microsoft.com/office/drawing/2018/hyperlinkcolor">
+<p:sld xmlns:a="http://schemas.openxmlformats.org/drawingml/2006/main" xmlns:r="http://schemas.openxmlformats.org/officeDocument/2006/relationships" xmlns:p="http://schemas.openxmlformats.org/presentationml/2006/main">
   <p:cSld>
     <p:spTree>
       <p:nvGrpSpPr>
-        <p:cNvPr id="127" name="Shape 127"/>
+        <p:cNvPr id="1" name="Shape 127"/>
         <p:cNvGrpSpPr/>
         <p:nvPr/>
       </p:nvGrpSpPr>
@@ -8591,7 +8828,9 @@
       <p:sp>
         <p:nvSpPr>
           <p:cNvPr id="128" name="Google Shape;128;p25"/>
-          <p:cNvSpPr txBox="1"/>
+          <p:cNvSpPr txBox="1">
+            <a:spLocks noGrp="1"/>
+          </p:cNvSpPr>
           <p:nvPr>
             <p:ph type="title"/>
           </p:nvPr>
@@ -8606,12 +8845,12 @@
           </a:prstGeom>
         </p:spPr>
         <p:txBody>
-          <a:bodyPr anchorCtr="0" anchor="t" bIns="91425" lIns="91425" spcFirstLastPara="1" rIns="91425" wrap="square" tIns="91425">
+          <a:bodyPr spcFirstLastPara="1" wrap="square" lIns="91425" tIns="91425" rIns="91425" bIns="91425" anchor="t" anchorCtr="0">
             <a:normAutofit fontScale="90000"/>
           </a:bodyPr>
           <a:lstStyle/>
           <a:p>
-            <a:pPr indent="0" lvl="0" marL="0" rtl="0" algn="l">
+            <a:pPr marL="0" lvl="0" indent="0" algn="l" rtl="0">
               <a:spcBef>
                 <a:spcPts val="0"/>
               </a:spcBef>
@@ -8622,11 +8861,7 @@
             </a:pPr>
             <a:r>
               <a:rPr lang="en"/>
-              <a:t>3. </a:t>
-            </a:r>
-            <a:r>
-              <a:rPr lang="en"/>
-              <a:t>The Internet Today</a:t>
+              <a:t>3. The Internet Today</a:t>
             </a:r>
             <a:endParaRPr/>
           </a:p>
@@ -8635,9 +8870,11 @@
       <p:sp>
         <p:nvSpPr>
           <p:cNvPr id="129" name="Google Shape;129;p25"/>
-          <p:cNvSpPr txBox="1"/>
+          <p:cNvSpPr txBox="1">
+            <a:spLocks noGrp="1"/>
+          </p:cNvSpPr>
           <p:nvPr>
-            <p:ph idx="1" type="body"/>
+            <p:ph type="body" idx="1"/>
           </p:nvPr>
         </p:nvSpPr>
         <p:spPr>
@@ -8650,32 +8887,32 @@
           </a:prstGeom>
         </p:spPr>
         <p:txBody>
-          <a:bodyPr anchorCtr="0" anchor="t" bIns="91425" lIns="91425" spcFirstLastPara="1" rIns="91425" wrap="square" tIns="91425">
+          <a:bodyPr spcFirstLastPara="1" wrap="square" lIns="91425" tIns="91425" rIns="91425" bIns="91425" anchor="t" anchorCtr="0">
             <a:normAutofit/>
           </a:bodyPr>
           <a:lstStyle/>
           <a:p>
-            <a:pPr indent="0" lvl="0" marL="0" rtl="0" algn="l">
-              <a:spcBef>
-                <a:spcPts val="0"/>
-              </a:spcBef>
-              <a:spcAft>
-                <a:spcPts val="0"/>
-              </a:spcAft>
-              <a:buNone/>
-            </a:pPr>
-            <a:r>
-              <a:rPr lang="en"/>
+            <a:pPr marL="0" lvl="0" indent="0" algn="l" rtl="0">
+              <a:spcBef>
+                <a:spcPts val="0"/>
+              </a:spcBef>
+              <a:spcAft>
+                <a:spcPts val="0"/>
+              </a:spcAft>
+              <a:buNone/>
+            </a:pPr>
+            <a:r>
+              <a:rPr lang="en" dirty="0"/>
               <a:t>Anyone can still publish content, </a:t>
             </a:r>
             <a:r>
-              <a:rPr lang="en" sz="1900"/>
+              <a:rPr lang="en" sz="1900" dirty="0"/>
               <a:t>but information intermediaries:</a:t>
             </a:r>
-            <a:endParaRPr sz="1900"/>
-          </a:p>
-          <a:p>
-            <a:pPr indent="0" lvl="0" marL="457200" marR="850270" rtl="0" algn="l">
+            <a:endParaRPr sz="1900" dirty="0"/>
+          </a:p>
+          <a:p>
+            <a:pPr marL="457200" marR="850270" lvl="0" indent="0" algn="l" rtl="0">
               <a:spcBef>
                 <a:spcPts val="1000"/>
               </a:spcBef>
@@ -8685,19 +8922,11 @@
               <a:buNone/>
             </a:pPr>
             <a:r>
-              <a:rPr b="1" lang="en"/>
-              <a:t>“have the power to grant visibility and certify meaning. [Their role has shifted from] “</a:t>
-            </a:r>
-            <a:r>
-              <a:rPr b="1" lang="en"/>
-              <a:t>transmitting what we post (i.e. neutral conduit), to constituting what we see...while at the same time disavowing this role.</a:t>
-            </a:r>
-            <a:r>
-              <a:rPr b="1" lang="en"/>
-              <a:t>” </a:t>
-            </a:r>
-            <a:r>
-              <a:rPr b="1" lang="en" u="sng">
+              <a:rPr lang="en" b="1" dirty="0"/>
+              <a:t>“have the power to grant visibility and certify meaning. [Their role has shifted from] “transmitting what we post (i.e. neutral conduit), to constituting what we see...while at the same time disavowing this role.” </a:t>
+            </a:r>
+            <a:r>
+              <a:rPr lang="en" b="1" u="sng" dirty="0">
                 <a:solidFill>
                   <a:schemeClr val="hlink"/>
                 </a:solidFill>
@@ -8705,10 +8934,10 @@
               </a:rPr>
               <a:t>Gillespie, 2021</a:t>
             </a:r>
-            <a:endParaRPr b="1"/>
-          </a:p>
-          <a:p>
-            <a:pPr indent="-342900" lvl="0" marL="457200" rtl="0" algn="l">
+            <a:endParaRPr b="1" dirty="0"/>
+          </a:p>
+          <a:p>
+            <a:pPr marL="457200" lvl="0" indent="-342900" algn="l" rtl="0">
               <a:spcBef>
                 <a:spcPts val="1000"/>
               </a:spcBef>
@@ -8719,21 +8948,21 @@
               <a:buChar char="●"/>
             </a:pPr>
             <a:r>
-              <a:rPr lang="en"/>
+              <a:rPr lang="en" dirty="0"/>
               <a:t>How do </a:t>
             </a:r>
             <a:r>
-              <a:rPr b="1" lang="en"/>
+              <a:rPr lang="en" b="1" dirty="0"/>
               <a:t>search engines</a:t>
             </a:r>
             <a:r>
-              <a:rPr lang="en"/>
+              <a:rPr lang="en" dirty="0"/>
               <a:t> determine the measurement system, and also what rises to the top?</a:t>
             </a:r>
-            <a:endParaRPr/>
-          </a:p>
-          <a:p>
-            <a:pPr indent="-342900" lvl="0" marL="457200" rtl="0" algn="l">
+            <a:endParaRPr dirty="0"/>
+          </a:p>
+          <a:p>
+            <a:pPr marL="457200" lvl="0" indent="-342900" algn="l" rtl="0">
               <a:spcBef>
                 <a:spcPts val="1000"/>
               </a:spcBef>
@@ -8744,21 +8973,21 @@
               <a:buChar char="●"/>
             </a:pPr>
             <a:r>
-              <a:rPr lang="en"/>
+              <a:rPr lang="en" dirty="0"/>
               <a:t>How do </a:t>
             </a:r>
             <a:r>
-              <a:rPr b="1" lang="en"/>
+              <a:rPr lang="en" b="1" dirty="0"/>
               <a:t>social media platforms</a:t>
             </a:r>
             <a:r>
-              <a:rPr lang="en"/>
+              <a:rPr lang="en" dirty="0"/>
               <a:t> determine which content circulates, and what incentives drive these decisions?</a:t>
             </a:r>
-            <a:endParaRPr/>
-          </a:p>
-          <a:p>
-            <a:pPr indent="-342900" lvl="0" marL="457200" rtl="0" algn="l">
+            <a:endParaRPr dirty="0"/>
+          </a:p>
+          <a:p>
+            <a:pPr marL="457200" lvl="0" indent="-342900" algn="l" rtl="0">
               <a:spcBef>
                 <a:spcPts val="1000"/>
               </a:spcBef>
@@ -8769,18 +8998,10 @@
               <a:buChar char="●"/>
             </a:pPr>
             <a:r>
-              <a:rPr lang="en"/>
-              <a:t>The creation of a new tech elite with </a:t>
-            </a:r>
-            <a:r>
-              <a:rPr lang="en"/>
-              <a:t>unprecedented</a:t>
-            </a:r>
-            <a:r>
-              <a:rPr lang="en"/>
-              <a:t> wealth.</a:t>
-            </a:r>
-            <a:endParaRPr/>
+              <a:rPr lang="en" dirty="0"/>
+              <a:t>The creation of a new tech elite with unprecedented wealth.</a:t>
+            </a:r>
+            <a:endParaRPr dirty="0"/>
           </a:p>
         </p:txBody>
       </p:sp>
@@ -8792,32 +9013,32 @@
   <p:timing>
     <p:tnLst>
       <p:par>
-        <p:cTn dur="indefinite" nodeType="tmRoot" restart="never">
+        <p:cTn id="1" dur="indefinite" restart="never" nodeType="tmRoot">
           <p:childTnLst>
             <p:seq concurrent="1" nextAc="seek">
-              <p:cTn dur="indefinite" id="2" nodeType="mainSeq">
+              <p:cTn id="2" dur="indefinite" nodeType="mainSeq">
                 <p:childTnLst>
                   <p:par>
-                    <p:cTn fill="hold">
+                    <p:cTn id="3" fill="hold">
                       <p:stCondLst>
                         <p:cond delay="indefinite"/>
                       </p:stCondLst>
                       <p:childTnLst>
                         <p:par>
-                          <p:cTn fill="hold">
+                          <p:cTn id="4" fill="hold">
                             <p:stCondLst>
                               <p:cond delay="0"/>
                             </p:stCondLst>
                             <p:childTnLst>
                               <p:par>
-                                <p:cTn fill="hold" nodeType="clickEffect" presetClass="entr" presetID="10" presetSubtype="0">
+                                <p:cTn id="5" presetID="10" presetClass="entr" presetSubtype="0" fill="hold" nodeType="clickEffect">
                                   <p:stCondLst>
                                     <p:cond delay="0"/>
                                   </p:stCondLst>
                                   <p:childTnLst>
                                     <p:set>
                                       <p:cBhvr>
-                                        <p:cTn dur="1" fill="hold">
+                                        <p:cTn id="6" dur="1" fill="hold">
                                           <p:stCondLst>
                                             <p:cond delay="0"/>
                                           </p:stCondLst>
@@ -8825,7 +9046,7 @@
                                         <p:tgtEl>
                                           <p:spTgt spid="129">
                                             <p:txEl>
-                                              <p:pRg end="0" st="0"/>
+                                              <p:pRg st="0" end="0"/>
                                             </p:txEl>
                                           </p:spTgt>
                                         </p:tgtEl>
@@ -8837,13 +9058,13 @@
                                         <p:strVal val="visible"/>
                                       </p:to>
                                     </p:set>
-                                    <p:animEffect filter="fade" transition="in">
+                                    <p:animEffect transition="in" filter="fade">
                                       <p:cBhvr>
-                                        <p:cTn dur="1"/>
+                                        <p:cTn id="7" dur="1"/>
                                         <p:tgtEl>
                                           <p:spTgt spid="129">
                                             <p:txEl>
-                                              <p:pRg end="0" st="0"/>
+                                              <p:pRg st="0" end="0"/>
                                             </p:txEl>
                                           </p:spTgt>
                                         </p:tgtEl>
@@ -8859,26 +9080,26 @@
                     </p:cTn>
                   </p:par>
                   <p:par>
-                    <p:cTn fill="hold">
+                    <p:cTn id="8" fill="hold">
                       <p:stCondLst>
                         <p:cond delay="indefinite"/>
                       </p:stCondLst>
                       <p:childTnLst>
                         <p:par>
-                          <p:cTn fill="hold">
+                          <p:cTn id="9" fill="hold">
                             <p:stCondLst>
                               <p:cond delay="0"/>
                             </p:stCondLst>
                             <p:childTnLst>
                               <p:par>
-                                <p:cTn fill="hold" nodeType="clickEffect" presetClass="entr" presetID="10" presetSubtype="0">
+                                <p:cTn id="10" presetID="10" presetClass="entr" presetSubtype="0" fill="hold" nodeType="clickEffect">
                                   <p:stCondLst>
                                     <p:cond delay="0"/>
                                   </p:stCondLst>
                                   <p:childTnLst>
                                     <p:set>
                                       <p:cBhvr>
-                                        <p:cTn dur="1" fill="hold">
+                                        <p:cTn id="11" dur="1" fill="hold">
                                           <p:stCondLst>
                                             <p:cond delay="0"/>
                                           </p:stCondLst>
@@ -8886,7 +9107,7 @@
                                         <p:tgtEl>
                                           <p:spTgt spid="129">
                                             <p:txEl>
-                                              <p:pRg end="1" st="1"/>
+                                              <p:pRg st="1" end="1"/>
                                             </p:txEl>
                                           </p:spTgt>
                                         </p:tgtEl>
@@ -8898,13 +9119,13 @@
                                         <p:strVal val="visible"/>
                                       </p:to>
                                     </p:set>
-                                    <p:animEffect filter="fade" transition="in">
+                                    <p:animEffect transition="in" filter="fade">
                                       <p:cBhvr>
-                                        <p:cTn dur="1"/>
+                                        <p:cTn id="12" dur="1"/>
                                         <p:tgtEl>
                                           <p:spTgt spid="129">
                                             <p:txEl>
-                                              <p:pRg end="1" st="1"/>
+                                              <p:pRg st="1" end="1"/>
                                             </p:txEl>
                                           </p:spTgt>
                                         </p:tgtEl>
@@ -8920,26 +9141,26 @@
                     </p:cTn>
                   </p:par>
                   <p:par>
-                    <p:cTn fill="hold">
+                    <p:cTn id="13" fill="hold">
                       <p:stCondLst>
                         <p:cond delay="indefinite"/>
                       </p:stCondLst>
                       <p:childTnLst>
                         <p:par>
-                          <p:cTn fill="hold">
+                          <p:cTn id="14" fill="hold">
                             <p:stCondLst>
                               <p:cond delay="0"/>
                             </p:stCondLst>
                             <p:childTnLst>
                               <p:par>
-                                <p:cTn fill="hold" nodeType="clickEffect" presetClass="entr" presetID="10" presetSubtype="0">
+                                <p:cTn id="15" presetID="10" presetClass="entr" presetSubtype="0" fill="hold" nodeType="clickEffect">
                                   <p:stCondLst>
                                     <p:cond delay="0"/>
                                   </p:stCondLst>
                                   <p:childTnLst>
                                     <p:set>
                                       <p:cBhvr>
-                                        <p:cTn dur="1" fill="hold">
+                                        <p:cTn id="16" dur="1" fill="hold">
                                           <p:stCondLst>
                                             <p:cond delay="0"/>
                                           </p:stCondLst>
@@ -8947,7 +9168,7 @@
                                         <p:tgtEl>
                                           <p:spTgt spid="129">
                                             <p:txEl>
-                                              <p:pRg end="2" st="2"/>
+                                              <p:pRg st="2" end="2"/>
                                             </p:txEl>
                                           </p:spTgt>
                                         </p:tgtEl>
@@ -8959,13 +9180,13 @@
                                         <p:strVal val="visible"/>
                                       </p:to>
                                     </p:set>
-                                    <p:animEffect filter="fade" transition="in">
+                                    <p:animEffect transition="in" filter="fade">
                                       <p:cBhvr>
-                                        <p:cTn dur="1"/>
+                                        <p:cTn id="17" dur="1"/>
                                         <p:tgtEl>
                                           <p:spTgt spid="129">
                                             <p:txEl>
-                                              <p:pRg end="2" st="2"/>
+                                              <p:pRg st="2" end="2"/>
                                             </p:txEl>
                                           </p:spTgt>
                                         </p:tgtEl>
@@ -8981,26 +9202,26 @@
                     </p:cTn>
                   </p:par>
                   <p:par>
-                    <p:cTn fill="hold">
+                    <p:cTn id="18" fill="hold">
                       <p:stCondLst>
                         <p:cond delay="indefinite"/>
                       </p:stCondLst>
                       <p:childTnLst>
                         <p:par>
-                          <p:cTn fill="hold">
+                          <p:cTn id="19" fill="hold">
                             <p:stCondLst>
                               <p:cond delay="0"/>
                             </p:stCondLst>
                             <p:childTnLst>
                               <p:par>
-                                <p:cTn fill="hold" nodeType="clickEffect" presetClass="entr" presetID="10" presetSubtype="0">
+                                <p:cTn id="20" presetID="10" presetClass="entr" presetSubtype="0" fill="hold" nodeType="clickEffect">
                                   <p:stCondLst>
                                     <p:cond delay="0"/>
                                   </p:stCondLst>
                                   <p:childTnLst>
                                     <p:set>
                                       <p:cBhvr>
-                                        <p:cTn dur="1" fill="hold">
+                                        <p:cTn id="21" dur="1" fill="hold">
                                           <p:stCondLst>
                                             <p:cond delay="0"/>
                                           </p:stCondLst>
@@ -9008,7 +9229,7 @@
                                         <p:tgtEl>
                                           <p:spTgt spid="129">
                                             <p:txEl>
-                                              <p:pRg end="3" st="3"/>
+                                              <p:pRg st="3" end="3"/>
                                             </p:txEl>
                                           </p:spTgt>
                                         </p:tgtEl>
@@ -9020,13 +9241,13 @@
                                         <p:strVal val="visible"/>
                                       </p:to>
                                     </p:set>
-                                    <p:animEffect filter="fade" transition="in">
+                                    <p:animEffect transition="in" filter="fade">
                                       <p:cBhvr>
-                                        <p:cTn dur="1"/>
+                                        <p:cTn id="22" dur="1"/>
                                         <p:tgtEl>
                                           <p:spTgt spid="129">
                                             <p:txEl>
-                                              <p:pRg end="3" st="3"/>
+                                              <p:pRg st="3" end="3"/>
                                             </p:txEl>
                                           </p:spTgt>
                                         </p:tgtEl>
@@ -9042,26 +9263,26 @@
                     </p:cTn>
                   </p:par>
                   <p:par>
-                    <p:cTn fill="hold">
+                    <p:cTn id="23" fill="hold">
                       <p:stCondLst>
                         <p:cond delay="indefinite"/>
                       </p:stCondLst>
                       <p:childTnLst>
                         <p:par>
-                          <p:cTn fill="hold">
+                          <p:cTn id="24" fill="hold">
                             <p:stCondLst>
                               <p:cond delay="0"/>
                             </p:stCondLst>
                             <p:childTnLst>
                               <p:par>
-                                <p:cTn fill="hold" nodeType="clickEffect" presetClass="entr" presetID="10" presetSubtype="0">
+                                <p:cTn id="25" presetID="10" presetClass="entr" presetSubtype="0" fill="hold" nodeType="clickEffect">
                                   <p:stCondLst>
                                     <p:cond delay="0"/>
                                   </p:stCondLst>
                                   <p:childTnLst>
                                     <p:set>
                                       <p:cBhvr>
-                                        <p:cTn dur="1" fill="hold">
+                                        <p:cTn id="26" dur="1" fill="hold">
                                           <p:stCondLst>
                                             <p:cond delay="0"/>
                                           </p:stCondLst>
@@ -9069,7 +9290,7 @@
                                         <p:tgtEl>
                                           <p:spTgt spid="129">
                                             <p:txEl>
-                                              <p:pRg end="4" st="4"/>
+                                              <p:pRg st="4" end="4"/>
                                             </p:txEl>
                                           </p:spTgt>
                                         </p:tgtEl>
@@ -9081,13 +9302,13 @@
                                         <p:strVal val="visible"/>
                                       </p:to>
                                     </p:set>
-                                    <p:animEffect filter="fade" transition="in">
+                                    <p:animEffect transition="in" filter="fade">
                                       <p:cBhvr>
-                                        <p:cTn dur="1"/>
+                                        <p:cTn id="27" dur="1"/>
                                         <p:tgtEl>
                                           <p:spTgt spid="129">
                                             <p:txEl>
-                                              <p:pRg end="4" st="4"/>
+                                              <p:pRg st="4" end="4"/>
                                             </p:txEl>
                                           </p:spTgt>
                                         </p:tgtEl>
@@ -9105,14 +9326,14 @@
                 </p:childTnLst>
               </p:cTn>
               <p:prevCondLst>
-                <p:cond evt="onPrev">
+                <p:cond evt="onPrev" delay="0">
                   <p:tgtEl>
                     <p:sldTgt/>
                   </p:tgtEl>
                 </p:cond>
               </p:prevCondLst>
               <p:nextCondLst>
-                <p:cond evt="onNext">
+                <p:cond evt="onNext" delay="0">
                   <p:tgtEl>
                     <p:sldTgt/>
                   </p:tgtEl>
@@ -9128,11 +9349,11 @@
 </file>
 
 <file path=ppt/slides/slide14.xml><?xml version="1.0" encoding="utf-8"?>
-<p:sld xmlns:a="http://schemas.openxmlformats.org/drawingml/2006/main" xmlns:r="http://schemas.openxmlformats.org/officeDocument/2006/relationships" xmlns:mc="http://schemas.openxmlformats.org/markup-compatibility/2006" xmlns:mv="urn:schemas-microsoft-com:mac:vml" xmlns:p="http://schemas.openxmlformats.org/presentationml/2006/main" xmlns:c="http://schemas.openxmlformats.org/drawingml/2006/chart" xmlns:dgm="http://schemas.openxmlformats.org/drawingml/2006/diagram" xmlns:o="urn:schemas-microsoft-com:office:office" xmlns:v="urn:schemas-microsoft-com:vml" xmlns:pvml="urn:schemas-microsoft-com:office:powerpoint" xmlns:com="http://schemas.openxmlformats.org/drawingml/2006/compatibility" xmlns:p14="http://schemas.microsoft.com/office/powerpoint/2010/main" xmlns:p15="http://schemas.microsoft.com/office/powerpoint/2012/main" xmlns:ahyp="http://schemas.microsoft.com/office/drawing/2018/hyperlinkcolor">
+<p:sld xmlns:a="http://schemas.openxmlformats.org/drawingml/2006/main" xmlns:r="http://schemas.openxmlformats.org/officeDocument/2006/relationships" xmlns:p="http://schemas.openxmlformats.org/presentationml/2006/main">
   <p:cSld>
     <p:spTree>
       <p:nvGrpSpPr>
-        <p:cNvPr id="133" name="Shape 133"/>
+        <p:cNvPr id="1" name="Shape 133"/>
         <p:cNvGrpSpPr/>
         <p:nvPr/>
       </p:nvGrpSpPr>
@@ -9147,7 +9368,9 @@
       <p:sp>
         <p:nvSpPr>
           <p:cNvPr id="134" name="Google Shape;134;p26"/>
-          <p:cNvSpPr txBox="1"/>
+          <p:cNvSpPr txBox="1">
+            <a:spLocks noGrp="1"/>
+          </p:cNvSpPr>
           <p:nvPr>
             <p:ph type="title"/>
           </p:nvPr>
@@ -9162,12 +9385,12 @@
           </a:prstGeom>
         </p:spPr>
         <p:txBody>
-          <a:bodyPr anchorCtr="0" anchor="t" bIns="91425" lIns="91425" spcFirstLastPara="1" rIns="91425" wrap="square" tIns="91425">
+          <a:bodyPr spcFirstLastPara="1" wrap="square" lIns="91425" tIns="91425" rIns="91425" bIns="91425" anchor="t" anchorCtr="0">
             <a:normAutofit fontScale="90000"/>
           </a:bodyPr>
           <a:lstStyle/>
           <a:p>
-            <a:pPr indent="0" lvl="0" marL="0" rtl="0" algn="l">
+            <a:pPr marL="0" lvl="0" indent="0" algn="l" rtl="0">
               <a:spcBef>
                 <a:spcPts val="0"/>
               </a:spcBef>
@@ -9178,11 +9401,7 @@
             </a:pPr>
             <a:r>
               <a:rPr lang="en"/>
-              <a:t>3. </a:t>
-            </a:r>
-            <a:r>
-              <a:rPr lang="en"/>
-              <a:t>Further (Optional) reading if you’re interested…</a:t>
+              <a:t>3. Further (Optional) reading if you’re interested…</a:t>
             </a:r>
             <a:endParaRPr/>
           </a:p>
@@ -9191,9 +9410,11 @@
       <p:sp>
         <p:nvSpPr>
           <p:cNvPr id="135" name="Google Shape;135;p26"/>
-          <p:cNvSpPr txBox="1"/>
+          <p:cNvSpPr txBox="1">
+            <a:spLocks noGrp="1"/>
+          </p:cNvSpPr>
           <p:nvPr>
-            <p:ph idx="1" type="body"/>
+            <p:ph type="body" idx="1"/>
           </p:nvPr>
         </p:nvSpPr>
         <p:spPr>
@@ -9206,12 +9427,12 @@
           </a:prstGeom>
         </p:spPr>
         <p:txBody>
-          <a:bodyPr anchorCtr="0" anchor="t" bIns="91425" lIns="91425" spcFirstLastPara="1" rIns="91425" wrap="square" tIns="91425">
+          <a:bodyPr spcFirstLastPara="1" wrap="square" lIns="91425" tIns="91425" rIns="91425" bIns="91425" anchor="t" anchorCtr="0">
             <a:normAutofit fontScale="92500" lnSpcReduction="10000"/>
           </a:bodyPr>
           <a:lstStyle/>
           <a:p>
-            <a:pPr indent="-334327" lvl="0" marL="457200" rtl="0" algn="l">
+            <a:pPr marL="457200" lvl="0" indent="-334327" algn="l" rtl="0">
               <a:spcBef>
                 <a:spcPts val="0"/>
               </a:spcBef>
@@ -9241,7 +9462,7 @@
             <a:endParaRPr/>
           </a:p>
           <a:p>
-            <a:pPr indent="-334327" lvl="0" marL="457200" rtl="0" algn="l">
+            <a:pPr marL="457200" lvl="0" indent="-334327" algn="l" rtl="0">
               <a:spcBef>
                 <a:spcPts val="1000"/>
               </a:spcBef>
@@ -9271,7 +9492,7 @@
             <a:endParaRPr/>
           </a:p>
           <a:p>
-            <a:pPr indent="-310832" lvl="1" marL="914400" rtl="0" algn="l">
+            <a:pPr marL="914400" lvl="1" indent="-310832" algn="l" rtl="0">
               <a:spcBef>
                 <a:spcPts val="1000"/>
               </a:spcBef>
@@ -9288,7 +9509,7 @@
             <a:endParaRPr/>
           </a:p>
           <a:p>
-            <a:pPr indent="-334327" lvl="0" marL="457200" rtl="0" algn="l">
+            <a:pPr marL="457200" lvl="0" indent="-334327" algn="l" rtl="0">
               <a:spcBef>
                 <a:spcPts val="1000"/>
               </a:spcBef>
@@ -9318,7 +9539,7 @@
             <a:endParaRPr/>
           </a:p>
           <a:p>
-            <a:pPr indent="-334327" lvl="0" marL="457200" rtl="0" algn="l">
+            <a:pPr marL="457200" lvl="0" indent="-334327" algn="l" rtl="0">
               <a:spcBef>
                 <a:spcPts val="1000"/>
               </a:spcBef>
@@ -9348,7 +9569,7 @@
             <a:endParaRPr/>
           </a:p>
           <a:p>
-            <a:pPr indent="-334327" lvl="0" marL="457200" rtl="0" algn="l">
+            <a:pPr marL="457200" lvl="0" indent="-334327" algn="l" rtl="0">
               <a:spcBef>
                 <a:spcPts val="1000"/>
               </a:spcBef>
@@ -9388,11 +9609,11 @@
 </file>
 
 <file path=ppt/slides/slide15.xml><?xml version="1.0" encoding="utf-8"?>
-<p:sld xmlns:a="http://schemas.openxmlformats.org/drawingml/2006/main" xmlns:r="http://schemas.openxmlformats.org/officeDocument/2006/relationships" xmlns:mc="http://schemas.openxmlformats.org/markup-compatibility/2006" xmlns:mv="urn:schemas-microsoft-com:mac:vml" xmlns:p="http://schemas.openxmlformats.org/presentationml/2006/main" xmlns:c="http://schemas.openxmlformats.org/drawingml/2006/chart" xmlns:dgm="http://schemas.openxmlformats.org/drawingml/2006/diagram" xmlns:o="urn:schemas-microsoft-com:office:office" xmlns:v="urn:schemas-microsoft-com:vml" xmlns:pvml="urn:schemas-microsoft-com:office:powerpoint" xmlns:com="http://schemas.openxmlformats.org/drawingml/2006/compatibility" xmlns:p14="http://schemas.microsoft.com/office/powerpoint/2010/main" xmlns:p15="http://schemas.microsoft.com/office/powerpoint/2012/main" xmlns:ahyp="http://schemas.microsoft.com/office/drawing/2018/hyperlinkcolor">
+<p:sld xmlns:a="http://schemas.openxmlformats.org/drawingml/2006/main" xmlns:r="http://schemas.openxmlformats.org/officeDocument/2006/relationships" xmlns:p="http://schemas.openxmlformats.org/presentationml/2006/main">
   <p:cSld>
     <p:spTree>
       <p:nvGrpSpPr>
-        <p:cNvPr id="139" name="Shape 139"/>
+        <p:cNvPr id="1" name="Shape 139"/>
         <p:cNvGrpSpPr/>
         <p:nvPr/>
       </p:nvGrpSpPr>
@@ -9407,7 +9628,9 @@
       <p:sp>
         <p:nvSpPr>
           <p:cNvPr id="140" name="Google Shape;140;p27"/>
-          <p:cNvSpPr txBox="1"/>
+          <p:cNvSpPr txBox="1">
+            <a:spLocks noGrp="1"/>
+          </p:cNvSpPr>
           <p:nvPr>
             <p:ph type="title"/>
           </p:nvPr>
@@ -9422,12 +9645,12 @@
           </a:prstGeom>
         </p:spPr>
         <p:txBody>
-          <a:bodyPr anchorCtr="0" anchor="t" bIns="91425" lIns="91425" spcFirstLastPara="1" rIns="91425" wrap="square" tIns="91425">
+          <a:bodyPr spcFirstLastPara="1" wrap="square" lIns="91425" tIns="91425" rIns="91425" bIns="91425" anchor="t" anchorCtr="0">
             <a:normAutofit fontScale="90000"/>
           </a:bodyPr>
           <a:lstStyle/>
           <a:p>
-            <a:pPr indent="0" lvl="0" marL="0" rtl="0" algn="l">
+            <a:pPr marL="0" lvl="0" indent="0" algn="l" rtl="0">
               <a:spcBef>
                 <a:spcPts val="0"/>
               </a:spcBef>
@@ -9438,11 +9661,7 @@
             </a:pPr>
             <a:r>
               <a:rPr lang="en"/>
-              <a:t>4. </a:t>
-            </a:r>
-            <a:r>
-              <a:rPr lang="en"/>
-              <a:t>“Disruption” or More of the Same?</a:t>
+              <a:t>4. “Disruption” or More of the Same?</a:t>
             </a:r>
             <a:endParaRPr/>
           </a:p>
@@ -9451,9 +9670,11 @@
       <p:sp>
         <p:nvSpPr>
           <p:cNvPr id="141" name="Google Shape;141;p27"/>
-          <p:cNvSpPr txBox="1"/>
+          <p:cNvSpPr txBox="1">
+            <a:spLocks noGrp="1"/>
+          </p:cNvSpPr>
           <p:nvPr>
-            <p:ph idx="1" type="body"/>
+            <p:ph type="body" idx="1"/>
           </p:nvPr>
         </p:nvSpPr>
         <p:spPr>
@@ -9466,12 +9687,12 @@
           </a:prstGeom>
         </p:spPr>
         <p:txBody>
-          <a:bodyPr anchorCtr="0" anchor="t" bIns="91425" lIns="91425" spcFirstLastPara="1" rIns="91425" wrap="square" tIns="91425">
+          <a:bodyPr spcFirstLastPara="1" wrap="square" lIns="91425" tIns="91425" rIns="91425" bIns="91425" anchor="t" anchorCtr="0">
             <a:normAutofit/>
           </a:bodyPr>
           <a:lstStyle/>
           <a:p>
-            <a:pPr indent="0" lvl="0" marL="0" rtl="0" algn="l">
+            <a:pPr marL="0" lvl="0" indent="0" algn="l" rtl="0">
               <a:spcBef>
                 <a:spcPts val="0"/>
               </a:spcBef>
@@ -9487,7 +9708,7 @@
             <a:endParaRPr/>
           </a:p>
           <a:p>
-            <a:pPr indent="0" lvl="0" marL="0" rtl="0" algn="l">
+            <a:pPr marL="0" lvl="0" indent="0" algn="l" rtl="0">
               <a:spcBef>
                 <a:spcPts val="1000"/>
               </a:spcBef>
@@ -9513,11 +9734,11 @@
 </file>
 
 <file path=ppt/slides/slide16.xml><?xml version="1.0" encoding="utf-8"?>
-<p:sld xmlns:a="http://schemas.openxmlformats.org/drawingml/2006/main" xmlns:r="http://schemas.openxmlformats.org/officeDocument/2006/relationships" xmlns:mc="http://schemas.openxmlformats.org/markup-compatibility/2006" xmlns:mv="urn:schemas-microsoft-com:mac:vml" xmlns:p="http://schemas.openxmlformats.org/presentationml/2006/main" xmlns:c="http://schemas.openxmlformats.org/drawingml/2006/chart" xmlns:dgm="http://schemas.openxmlformats.org/drawingml/2006/diagram" xmlns:o="urn:schemas-microsoft-com:office:office" xmlns:v="urn:schemas-microsoft-com:vml" xmlns:pvml="urn:schemas-microsoft-com:office:powerpoint" xmlns:com="http://schemas.openxmlformats.org/drawingml/2006/compatibility" xmlns:p14="http://schemas.microsoft.com/office/powerpoint/2010/main" xmlns:p15="http://schemas.microsoft.com/office/powerpoint/2012/main" xmlns:ahyp="http://schemas.microsoft.com/office/drawing/2018/hyperlinkcolor">
+<p:sld xmlns:a="http://schemas.openxmlformats.org/drawingml/2006/main" xmlns:r="http://schemas.openxmlformats.org/officeDocument/2006/relationships" xmlns:p="http://schemas.openxmlformats.org/presentationml/2006/main">
   <p:cSld>
     <p:spTree>
       <p:nvGrpSpPr>
-        <p:cNvPr id="145" name="Shape 145"/>
+        <p:cNvPr id="1" name="Shape 145"/>
         <p:cNvGrpSpPr/>
         <p:nvPr/>
       </p:nvGrpSpPr>
@@ -9532,7 +9753,9 @@
       <p:sp>
         <p:nvSpPr>
           <p:cNvPr id="146" name="Google Shape;146;p28"/>
-          <p:cNvSpPr txBox="1"/>
+          <p:cNvSpPr txBox="1">
+            <a:spLocks noGrp="1"/>
+          </p:cNvSpPr>
           <p:nvPr>
             <p:ph type="title"/>
           </p:nvPr>
@@ -9547,12 +9770,12 @@
           </a:prstGeom>
         </p:spPr>
         <p:txBody>
-          <a:bodyPr anchorCtr="0" anchor="t" bIns="91425" lIns="91425" spcFirstLastPara="1" rIns="91425" wrap="square" tIns="91425">
+          <a:bodyPr spcFirstLastPara="1" wrap="square" lIns="91425" tIns="91425" rIns="91425" bIns="91425" anchor="t" anchorCtr="0">
             <a:normAutofit fontScale="90000"/>
           </a:bodyPr>
           <a:lstStyle/>
           <a:p>
-            <a:pPr indent="0" lvl="0" marL="0" rtl="0" algn="l">
+            <a:pPr marL="0" lvl="0" indent="0" algn="l" rtl="0">
               <a:spcBef>
                 <a:spcPts val="0"/>
               </a:spcBef>
@@ -9572,9 +9795,11 @@
       <p:sp>
         <p:nvSpPr>
           <p:cNvPr id="147" name="Google Shape;147;p28"/>
-          <p:cNvSpPr txBox="1"/>
+          <p:cNvSpPr txBox="1">
+            <a:spLocks noGrp="1"/>
+          </p:cNvSpPr>
           <p:nvPr>
-            <p:ph idx="1" type="body"/>
+            <p:ph type="body" idx="1"/>
           </p:nvPr>
         </p:nvSpPr>
         <p:spPr>
@@ -9587,12 +9812,12 @@
           </a:prstGeom>
         </p:spPr>
         <p:txBody>
-          <a:bodyPr anchorCtr="0" anchor="t" bIns="91425" lIns="91425" spcFirstLastPara="1" rIns="91425" wrap="square" tIns="91425">
+          <a:bodyPr spcFirstLastPara="1" wrap="square" lIns="91425" tIns="91425" rIns="91425" bIns="91425" anchor="t" anchorCtr="0">
             <a:normAutofit/>
           </a:bodyPr>
           <a:lstStyle/>
           <a:p>
-            <a:pPr indent="0" lvl="0" marL="0" rtl="0" algn="l">
+            <a:pPr marL="0" lvl="0" indent="0" algn="l" rtl="0">
               <a:spcBef>
                 <a:spcPts val="0"/>
               </a:spcBef>
@@ -9611,7 +9836,7 @@
             <a:endParaRPr/>
           </a:p>
           <a:p>
-            <a:pPr indent="0" lvl="0" marL="914400" marR="573314" rtl="0" algn="l">
+            <a:pPr marL="914400" marR="573314" lvl="0" indent="0" algn="l" rtl="0">
               <a:spcBef>
                 <a:spcPts val="1000"/>
               </a:spcBef>
@@ -9621,16 +9846,16 @@
               <a:buNone/>
             </a:pPr>
             <a:r>
-              <a:rPr b="1" lang="en"/>
+              <a:rPr lang="en" b="1"/>
               <a:t>“Humanity has always had systems in place like the one featured in Nosedive! There’s nothing new here.” </a:t>
             </a:r>
             <a:br>
-              <a:rPr b="1" lang="en"/>
+              <a:rPr lang="en" b="1"/>
             </a:br>
             <a:endParaRPr b="1"/>
           </a:p>
           <a:p>
-            <a:pPr indent="0" lvl="0" marL="0" rtl="0" algn="l">
+            <a:pPr marL="0" lvl="0" indent="0" algn="l" rtl="0">
               <a:spcBef>
                 <a:spcPts val="1000"/>
               </a:spcBef>
@@ -9656,11 +9881,11 @@
 </file>
 
 <file path=ppt/slides/slide17.xml><?xml version="1.0" encoding="utf-8"?>
-<p:sld xmlns:a="http://schemas.openxmlformats.org/drawingml/2006/main" xmlns:r="http://schemas.openxmlformats.org/officeDocument/2006/relationships" xmlns:mc="http://schemas.openxmlformats.org/markup-compatibility/2006" xmlns:mv="urn:schemas-microsoft-com:mac:vml" xmlns:p="http://schemas.openxmlformats.org/presentationml/2006/main" xmlns:c="http://schemas.openxmlformats.org/drawingml/2006/chart" xmlns:dgm="http://schemas.openxmlformats.org/drawingml/2006/diagram" xmlns:o="urn:schemas-microsoft-com:office:office" xmlns:v="urn:schemas-microsoft-com:vml" xmlns:pvml="urn:schemas-microsoft-com:office:powerpoint" xmlns:com="http://schemas.openxmlformats.org/drawingml/2006/compatibility" xmlns:p14="http://schemas.microsoft.com/office/powerpoint/2010/main" xmlns:p15="http://schemas.microsoft.com/office/powerpoint/2012/main" xmlns:ahyp="http://schemas.microsoft.com/office/drawing/2018/hyperlinkcolor">
+<p:sld xmlns:a="http://schemas.openxmlformats.org/drawingml/2006/main" xmlns:r="http://schemas.openxmlformats.org/officeDocument/2006/relationships" xmlns:p="http://schemas.openxmlformats.org/presentationml/2006/main">
   <p:cSld>
     <p:spTree>
       <p:nvGrpSpPr>
-        <p:cNvPr id="151" name="Shape 151"/>
+        <p:cNvPr id="1" name="Shape 151"/>
         <p:cNvGrpSpPr/>
         <p:nvPr/>
       </p:nvGrpSpPr>
@@ -9675,7 +9900,9 @@
       <p:sp>
         <p:nvSpPr>
           <p:cNvPr id="152" name="Google Shape;152;p29"/>
-          <p:cNvSpPr txBox="1"/>
+          <p:cNvSpPr txBox="1">
+            <a:spLocks noGrp="1"/>
+          </p:cNvSpPr>
           <p:nvPr>
             <p:ph type="title"/>
           </p:nvPr>
@@ -9690,12 +9917,12 @@
           </a:prstGeom>
         </p:spPr>
         <p:txBody>
-          <a:bodyPr anchorCtr="0" anchor="t" bIns="91425" lIns="91425" spcFirstLastPara="1" rIns="91425" wrap="square" tIns="91425">
+          <a:bodyPr spcFirstLastPara="1" wrap="square" lIns="91425" tIns="91425" rIns="91425" bIns="91425" anchor="t" anchorCtr="0">
             <a:normAutofit fontScale="90000"/>
           </a:bodyPr>
           <a:lstStyle/>
           <a:p>
-            <a:pPr indent="0" lvl="0" marL="0" rtl="0" algn="l">
+            <a:pPr marL="0" lvl="0" indent="0" algn="l" rtl="0">
               <a:spcBef>
                 <a:spcPts val="0"/>
               </a:spcBef>
@@ -9715,9 +9942,11 @@
       <p:sp>
         <p:nvSpPr>
           <p:cNvPr id="153" name="Google Shape;153;p29"/>
-          <p:cNvSpPr txBox="1"/>
+          <p:cNvSpPr txBox="1">
+            <a:spLocks noGrp="1"/>
+          </p:cNvSpPr>
           <p:nvPr>
-            <p:ph idx="1" type="body"/>
+            <p:ph type="body" idx="1"/>
           </p:nvPr>
         </p:nvSpPr>
         <p:spPr>
@@ -9730,12 +9959,12 @@
           </a:prstGeom>
         </p:spPr>
         <p:txBody>
-          <a:bodyPr anchorCtr="0" anchor="t" bIns="91425" lIns="91425" spcFirstLastPara="1" rIns="91425" wrap="square" tIns="91425">
+          <a:bodyPr spcFirstLastPara="1" wrap="square" lIns="91425" tIns="91425" rIns="91425" bIns="91425" anchor="t" anchorCtr="0">
             <a:normAutofit/>
           </a:bodyPr>
           <a:lstStyle/>
           <a:p>
-            <a:pPr indent="0" lvl="0" marL="0" rtl="0" algn="l">
+            <a:pPr marL="0" lvl="0" indent="0" algn="l" rtl="0">
               <a:spcBef>
                 <a:spcPts val="0"/>
               </a:spcBef>
@@ -9746,11 +9975,7 @@
             </a:pPr>
             <a:r>
               <a:rPr lang="en"/>
-              <a:t>You will be </a:t>
-            </a:r>
-            <a:r>
-              <a:rPr lang="en"/>
-              <a:t>investigating how platforms collect data, including the data they have collected about you. See you Friday!</a:t>
+              <a:t>You will be investigating how platforms collect data, including the data they have collected about you. See you Friday!</a:t>
             </a:r>
             <a:endParaRPr/>
           </a:p>
@@ -9765,11 +9990,11 @@
 </file>
 
 <file path=ppt/slides/slide2.xml><?xml version="1.0" encoding="utf-8"?>
-<p:sld xmlns:a="http://schemas.openxmlformats.org/drawingml/2006/main" xmlns:r="http://schemas.openxmlformats.org/officeDocument/2006/relationships" xmlns:mc="http://schemas.openxmlformats.org/markup-compatibility/2006" xmlns:mv="urn:schemas-microsoft-com:mac:vml" xmlns:p="http://schemas.openxmlformats.org/presentationml/2006/main" xmlns:c="http://schemas.openxmlformats.org/drawingml/2006/chart" xmlns:dgm="http://schemas.openxmlformats.org/drawingml/2006/diagram" xmlns:o="urn:schemas-microsoft-com:office:office" xmlns:v="urn:schemas-microsoft-com:vml" xmlns:pvml="urn:schemas-microsoft-com:office:powerpoint" xmlns:com="http://schemas.openxmlformats.org/drawingml/2006/compatibility" xmlns:p14="http://schemas.microsoft.com/office/powerpoint/2010/main" xmlns:p15="http://schemas.microsoft.com/office/powerpoint/2012/main" xmlns:ahyp="http://schemas.microsoft.com/office/drawing/2018/hyperlinkcolor">
+<p:sld xmlns:a="http://schemas.openxmlformats.org/drawingml/2006/main" xmlns:r="http://schemas.openxmlformats.org/officeDocument/2006/relationships" xmlns:p="http://schemas.openxmlformats.org/presentationml/2006/main">
   <p:cSld>
     <p:spTree>
       <p:nvGrpSpPr>
-        <p:cNvPr id="59" name="Shape 59"/>
+        <p:cNvPr id="1" name="Shape 59"/>
         <p:cNvGrpSpPr/>
         <p:nvPr/>
       </p:nvGrpSpPr>
@@ -9784,7 +10009,9 @@
       <p:sp>
         <p:nvSpPr>
           <p:cNvPr id="60" name="Google Shape;60;p14"/>
-          <p:cNvSpPr txBox="1"/>
+          <p:cNvSpPr txBox="1">
+            <a:spLocks noGrp="1"/>
+          </p:cNvSpPr>
           <p:nvPr>
             <p:ph type="title"/>
           </p:nvPr>
@@ -9799,12 +10026,12 @@
           </a:prstGeom>
         </p:spPr>
         <p:txBody>
-          <a:bodyPr anchorCtr="0" anchor="t" bIns="91425" lIns="91425" spcFirstLastPara="1" rIns="91425" wrap="square" tIns="91425">
+          <a:bodyPr spcFirstLastPara="1" wrap="square" lIns="91425" tIns="91425" rIns="91425" bIns="91425" anchor="t" anchorCtr="0">
             <a:normAutofit fontScale="90000"/>
           </a:bodyPr>
           <a:lstStyle/>
           <a:p>
-            <a:pPr indent="0" lvl="0" marL="0" rtl="0" algn="l">
+            <a:pPr marL="0" lvl="0" indent="0" algn="l" rtl="0">
               <a:spcBef>
                 <a:spcPts val="0"/>
               </a:spcBef>
@@ -9824,9 +10051,11 @@
       <p:sp>
         <p:nvSpPr>
           <p:cNvPr id="61" name="Google Shape;61;p14"/>
-          <p:cNvSpPr txBox="1"/>
+          <p:cNvSpPr txBox="1">
+            <a:spLocks noGrp="1"/>
+          </p:cNvSpPr>
           <p:nvPr>
-            <p:ph idx="1" type="body"/>
+            <p:ph type="body" idx="1"/>
           </p:nvPr>
         </p:nvSpPr>
         <p:spPr>
@@ -9839,12 +10068,12 @@
           </a:prstGeom>
         </p:spPr>
         <p:txBody>
-          <a:bodyPr anchorCtr="0" anchor="t" bIns="91425" lIns="91425" spcFirstLastPara="1" rIns="91425" wrap="square" tIns="91425">
+          <a:bodyPr spcFirstLastPara="1" wrap="square" lIns="91425" tIns="91425" rIns="91425" bIns="91425" anchor="t" anchorCtr="0">
             <a:normAutofit/>
           </a:bodyPr>
           <a:lstStyle/>
           <a:p>
-            <a:pPr indent="-342900" lvl="0" marL="457200" rtl="0" algn="l">
+            <a:pPr marL="457200" lvl="0" indent="-342900" algn="l" rtl="0">
               <a:spcBef>
                 <a:spcPts val="0"/>
               </a:spcBef>
@@ -9862,7 +10091,7 @@
             <a:endParaRPr/>
           </a:p>
           <a:p>
-            <a:pPr indent="-342900" lvl="0" marL="457200" rtl="0" algn="l">
+            <a:pPr marL="457200" lvl="0" indent="-342900" algn="l" rtl="0">
               <a:spcBef>
                 <a:spcPts val="1000"/>
               </a:spcBef>
@@ -9880,7 +10109,7 @@
             <a:endParaRPr/>
           </a:p>
           <a:p>
-            <a:pPr indent="-342900" lvl="0" marL="457200" rtl="0" algn="l">
+            <a:pPr marL="457200" lvl="0" indent="-342900" algn="l" rtl="0">
               <a:spcBef>
                 <a:spcPts val="1000"/>
               </a:spcBef>
@@ -9898,7 +10127,7 @@
             <a:endParaRPr/>
           </a:p>
           <a:p>
-            <a:pPr indent="-342900" lvl="0" marL="457200" rtl="0" algn="l">
+            <a:pPr marL="457200" lvl="0" indent="-342900" algn="l" rtl="0">
               <a:spcBef>
                 <a:spcPts val="1000"/>
               </a:spcBef>
@@ -9926,11 +10155,11 @@
 </file>
 
 <file path=ppt/slides/slide3.xml><?xml version="1.0" encoding="utf-8"?>
-<p:sld xmlns:a="http://schemas.openxmlformats.org/drawingml/2006/main" xmlns:r="http://schemas.openxmlformats.org/officeDocument/2006/relationships" xmlns:mc="http://schemas.openxmlformats.org/markup-compatibility/2006" xmlns:mv="urn:schemas-microsoft-com:mac:vml" xmlns:p="http://schemas.openxmlformats.org/presentationml/2006/main" xmlns:c="http://schemas.openxmlformats.org/drawingml/2006/chart" xmlns:dgm="http://schemas.openxmlformats.org/drawingml/2006/diagram" xmlns:o="urn:schemas-microsoft-com:office:office" xmlns:v="urn:schemas-microsoft-com:vml" xmlns:pvml="urn:schemas-microsoft-com:office:powerpoint" xmlns:com="http://schemas.openxmlformats.org/drawingml/2006/compatibility" xmlns:p14="http://schemas.microsoft.com/office/powerpoint/2010/main" xmlns:p15="http://schemas.microsoft.com/office/powerpoint/2012/main" xmlns:ahyp="http://schemas.microsoft.com/office/drawing/2018/hyperlinkcolor">
+<p:sld xmlns:a="http://schemas.openxmlformats.org/drawingml/2006/main" xmlns:r="http://schemas.openxmlformats.org/officeDocument/2006/relationships" xmlns:p="http://schemas.openxmlformats.org/presentationml/2006/main">
   <p:cSld>
     <p:spTree>
       <p:nvGrpSpPr>
-        <p:cNvPr id="65" name="Shape 65"/>
+        <p:cNvPr id="1" name="Shape 65"/>
         <p:cNvGrpSpPr/>
         <p:nvPr/>
       </p:nvGrpSpPr>
@@ -9945,7 +10174,9 @@
       <p:sp>
         <p:nvSpPr>
           <p:cNvPr id="66" name="Google Shape;66;p15"/>
-          <p:cNvSpPr txBox="1"/>
+          <p:cNvSpPr txBox="1">
+            <a:spLocks noGrp="1"/>
+          </p:cNvSpPr>
           <p:nvPr>
             <p:ph type="title"/>
           </p:nvPr>
@@ -9960,12 +10191,12 @@
           </a:prstGeom>
         </p:spPr>
         <p:txBody>
-          <a:bodyPr anchorCtr="0" anchor="t" bIns="91425" lIns="91425" spcFirstLastPara="1" rIns="91425" wrap="square" tIns="91425">
+          <a:bodyPr spcFirstLastPara="1" wrap="square" lIns="91425" tIns="91425" rIns="91425" bIns="91425" anchor="t" anchorCtr="0">
             <a:normAutofit fontScale="90000"/>
           </a:bodyPr>
           <a:lstStyle/>
           <a:p>
-            <a:pPr indent="0" lvl="0" marL="0" rtl="0" algn="l">
+            <a:pPr marL="0" lvl="0" indent="0" algn="l" rtl="0">
               <a:spcBef>
                 <a:spcPts val="0"/>
               </a:spcBef>
@@ -9985,9 +10216,11 @@
       <p:sp>
         <p:nvSpPr>
           <p:cNvPr id="67" name="Google Shape;67;p15"/>
-          <p:cNvSpPr txBox="1"/>
+          <p:cNvSpPr txBox="1">
+            <a:spLocks noGrp="1"/>
+          </p:cNvSpPr>
           <p:nvPr>
-            <p:ph idx="1" type="body"/>
+            <p:ph type="body" idx="1"/>
           </p:nvPr>
         </p:nvSpPr>
         <p:spPr>
@@ -10000,12 +10233,12 @@
           </a:prstGeom>
         </p:spPr>
         <p:txBody>
-          <a:bodyPr anchorCtr="0" anchor="t" bIns="91425" lIns="91425" spcFirstLastPara="1" rIns="91425" wrap="square" tIns="91425">
+          <a:bodyPr spcFirstLastPara="1" wrap="square" lIns="91425" tIns="91425" rIns="91425" bIns="91425" anchor="t" anchorCtr="0">
             <a:normAutofit/>
           </a:bodyPr>
           <a:lstStyle/>
           <a:p>
-            <a:pPr indent="-342900" lvl="0" marL="457200" rtl="0" algn="l">
+            <a:pPr marL="457200" lvl="0" indent="-342900" algn="l" rtl="0">
               <a:spcBef>
                 <a:spcPts val="0"/>
               </a:spcBef>
@@ -10020,7 +10253,7 @@
               <a:buAutoNum type="arabicPeriod"/>
             </a:pPr>
             <a:r>
-              <a:rPr b="1" lang="en">
+              <a:rPr lang="en" b="1">
                 <a:solidFill>
                   <a:srgbClr val="4A86E8"/>
                 </a:solidFill>
@@ -10034,7 +10267,7 @@
             </a:endParaRPr>
           </a:p>
           <a:p>
-            <a:pPr indent="-342900" lvl="0" marL="457200" rtl="0" algn="l">
+            <a:pPr marL="457200" lvl="0" indent="-342900" algn="l" rtl="0">
               <a:spcBef>
                 <a:spcPts val="1000"/>
               </a:spcBef>
@@ -10052,7 +10285,7 @@
             <a:endParaRPr/>
           </a:p>
           <a:p>
-            <a:pPr indent="-342900" lvl="0" marL="457200" rtl="0" algn="l">
+            <a:pPr marL="457200" lvl="0" indent="-342900" algn="l" rtl="0">
               <a:spcBef>
                 <a:spcPts val="1000"/>
               </a:spcBef>
@@ -10070,7 +10303,7 @@
             <a:endParaRPr/>
           </a:p>
           <a:p>
-            <a:pPr indent="-342900" lvl="0" marL="457200" rtl="0" algn="l">
+            <a:pPr marL="457200" lvl="0" indent="-342900" algn="l" rtl="0">
               <a:spcBef>
                 <a:spcPts val="1000"/>
               </a:spcBef>
@@ -10098,11 +10331,11 @@
 </file>
 
 <file path=ppt/slides/slide4.xml><?xml version="1.0" encoding="utf-8"?>
-<p:sld xmlns:a="http://schemas.openxmlformats.org/drawingml/2006/main" xmlns:r="http://schemas.openxmlformats.org/officeDocument/2006/relationships" xmlns:mc="http://schemas.openxmlformats.org/markup-compatibility/2006" xmlns:mv="urn:schemas-microsoft-com:mac:vml" xmlns:p="http://schemas.openxmlformats.org/presentationml/2006/main" xmlns:c="http://schemas.openxmlformats.org/drawingml/2006/chart" xmlns:dgm="http://schemas.openxmlformats.org/drawingml/2006/diagram" xmlns:o="urn:schemas-microsoft-com:office:office" xmlns:v="urn:schemas-microsoft-com:vml" xmlns:pvml="urn:schemas-microsoft-com:office:powerpoint" xmlns:com="http://schemas.openxmlformats.org/drawingml/2006/compatibility" xmlns:p14="http://schemas.microsoft.com/office/powerpoint/2010/main" xmlns:p15="http://schemas.microsoft.com/office/powerpoint/2012/main" xmlns:ahyp="http://schemas.microsoft.com/office/drawing/2018/hyperlinkcolor">
+<p:sld xmlns:a="http://schemas.openxmlformats.org/drawingml/2006/main" xmlns:r="http://schemas.openxmlformats.org/officeDocument/2006/relationships" xmlns:p="http://schemas.openxmlformats.org/presentationml/2006/main">
   <p:cSld>
     <p:spTree>
       <p:nvGrpSpPr>
-        <p:cNvPr id="71" name="Shape 71"/>
+        <p:cNvPr id="1" name="Shape 71"/>
         <p:cNvGrpSpPr/>
         <p:nvPr/>
       </p:nvGrpSpPr>
@@ -10117,7 +10350,9 @@
       <p:sp>
         <p:nvSpPr>
           <p:cNvPr id="72" name="Google Shape;72;p16"/>
-          <p:cNvSpPr txBox="1"/>
+          <p:cNvSpPr txBox="1">
+            <a:spLocks noGrp="1"/>
+          </p:cNvSpPr>
           <p:nvPr>
             <p:ph type="title"/>
           </p:nvPr>
@@ -10132,12 +10367,12 @@
           </a:prstGeom>
         </p:spPr>
         <p:txBody>
-          <a:bodyPr anchorCtr="0" anchor="t" bIns="91425" lIns="91425" spcFirstLastPara="1" rIns="91425" wrap="square" tIns="91425">
+          <a:bodyPr spcFirstLastPara="1" wrap="square" lIns="91425" tIns="91425" rIns="91425" bIns="91425" anchor="t" anchorCtr="0">
             <a:normAutofit fontScale="90000"/>
           </a:bodyPr>
           <a:lstStyle/>
           <a:p>
-            <a:pPr indent="0" lvl="0" marL="0" rtl="0" algn="l">
+            <a:pPr marL="0" lvl="0" indent="0" algn="l" rtl="0">
               <a:spcBef>
                 <a:spcPts val="0"/>
               </a:spcBef>
@@ -10157,9 +10392,11 @@
       <p:sp>
         <p:nvSpPr>
           <p:cNvPr id="73" name="Google Shape;73;p16"/>
-          <p:cNvSpPr txBox="1"/>
+          <p:cNvSpPr txBox="1">
+            <a:spLocks noGrp="1"/>
+          </p:cNvSpPr>
           <p:nvPr>
-            <p:ph idx="12" type="sldNum"/>
+            <p:ph type="sldNum" idx="12"/>
           </p:nvPr>
         </p:nvSpPr>
         <p:spPr>
@@ -10172,12 +10409,12 @@
           </a:prstGeom>
         </p:spPr>
         <p:txBody>
-          <a:bodyPr anchorCtr="0" anchor="ctr" bIns="91425" lIns="91425" spcFirstLastPara="1" rIns="91425" wrap="square" tIns="91425">
+          <a:bodyPr spcFirstLastPara="1" wrap="square" lIns="91425" tIns="91425" rIns="91425" bIns="91425" anchor="ctr" anchorCtr="0">
             <a:normAutofit/>
           </a:bodyPr>
           <a:lstStyle/>
           <a:p>
-            <a:pPr indent="0" lvl="0" marL="0" rtl="0" algn="r">
+            <a:pPr marL="0" lvl="0" indent="0" algn="r" rtl="0">
               <a:spcBef>
                 <a:spcPts val="0"/>
               </a:spcBef>
@@ -10188,7 +10425,7 @@
             </a:pPr>
             <a:fld id="{00000000-1234-1234-1234-123412341234}" type="slidenum">
               <a:rPr lang="en"/>
-              <a:t>‹#›</a:t>
+              <a:t>4</a:t>
             </a:fld>
             <a:endParaRPr/>
           </a:p>
@@ -10231,11 +10468,11 @@
 </file>
 
 <file path=ppt/slides/slide5.xml><?xml version="1.0" encoding="utf-8"?>
-<p:sld xmlns:a="http://schemas.openxmlformats.org/drawingml/2006/main" xmlns:r="http://schemas.openxmlformats.org/officeDocument/2006/relationships" xmlns:mc="http://schemas.openxmlformats.org/markup-compatibility/2006" xmlns:mv="urn:schemas-microsoft-com:mac:vml" xmlns:p="http://schemas.openxmlformats.org/presentationml/2006/main" xmlns:c="http://schemas.openxmlformats.org/drawingml/2006/chart" xmlns:dgm="http://schemas.openxmlformats.org/drawingml/2006/diagram" xmlns:o="urn:schemas-microsoft-com:office:office" xmlns:v="urn:schemas-microsoft-com:vml" xmlns:pvml="urn:schemas-microsoft-com:office:powerpoint" xmlns:com="http://schemas.openxmlformats.org/drawingml/2006/compatibility" xmlns:p14="http://schemas.microsoft.com/office/powerpoint/2010/main" xmlns:p15="http://schemas.microsoft.com/office/powerpoint/2012/main" xmlns:ahyp="http://schemas.microsoft.com/office/drawing/2018/hyperlinkcolor">
+<p:sld xmlns:a="http://schemas.openxmlformats.org/drawingml/2006/main" xmlns:r="http://schemas.openxmlformats.org/officeDocument/2006/relationships" xmlns:p="http://schemas.openxmlformats.org/presentationml/2006/main">
   <p:cSld>
     <p:spTree>
       <p:nvGrpSpPr>
-        <p:cNvPr id="78" name="Shape 78"/>
+        <p:cNvPr id="1" name="Shape 78"/>
         <p:cNvGrpSpPr/>
         <p:nvPr/>
       </p:nvGrpSpPr>
@@ -10250,7 +10487,9 @@
       <p:sp>
         <p:nvSpPr>
           <p:cNvPr id="79" name="Google Shape;79;p17"/>
-          <p:cNvSpPr txBox="1"/>
+          <p:cNvSpPr txBox="1">
+            <a:spLocks noGrp="1"/>
+          </p:cNvSpPr>
           <p:nvPr>
             <p:ph type="title"/>
           </p:nvPr>
@@ -10265,12 +10504,12 @@
           </a:prstGeom>
         </p:spPr>
         <p:txBody>
-          <a:bodyPr anchorCtr="0" anchor="t" bIns="91425" lIns="91425" spcFirstLastPara="1" rIns="91425" wrap="square" tIns="91425">
+          <a:bodyPr spcFirstLastPara="1" wrap="square" lIns="91425" tIns="91425" rIns="91425" bIns="91425" anchor="t" anchorCtr="0">
             <a:normAutofit fontScale="90000"/>
           </a:bodyPr>
           <a:lstStyle/>
           <a:p>
-            <a:pPr indent="0" lvl="0" marL="0" rtl="0" algn="l">
+            <a:pPr marL="0" lvl="0" indent="0" algn="l" rtl="0">
               <a:spcBef>
                 <a:spcPts val="0"/>
               </a:spcBef>
@@ -10290,9 +10529,11 @@
       <p:sp>
         <p:nvSpPr>
           <p:cNvPr id="80" name="Google Shape;80;p17"/>
-          <p:cNvSpPr txBox="1"/>
+          <p:cNvSpPr txBox="1">
+            <a:spLocks noGrp="1"/>
+          </p:cNvSpPr>
           <p:nvPr>
-            <p:ph idx="1" type="body"/>
+            <p:ph type="body" idx="1"/>
           </p:nvPr>
         </p:nvSpPr>
         <p:spPr>
@@ -10305,12 +10546,12 @@
           </a:prstGeom>
         </p:spPr>
         <p:txBody>
-          <a:bodyPr anchorCtr="0" anchor="t" bIns="91425" lIns="91425" spcFirstLastPara="1" rIns="91425" wrap="square" tIns="91425">
+          <a:bodyPr spcFirstLastPara="1" wrap="square" lIns="91425" tIns="91425" rIns="91425" bIns="91425" anchor="t" anchorCtr="0">
             <a:normAutofit lnSpcReduction="20000"/>
           </a:bodyPr>
           <a:lstStyle/>
           <a:p>
-            <a:pPr indent="-330200" lvl="0" marL="457200" rtl="0" algn="l">
+            <a:pPr marL="457200" lvl="0" indent="-330200" algn="l" rtl="0">
               <a:spcBef>
                 <a:spcPts val="0"/>
               </a:spcBef>
@@ -10331,7 +10572,7 @@
             <a:endParaRPr/>
           </a:p>
           <a:p>
-            <a:pPr indent="-330200" lvl="0" marL="457200" rtl="0" algn="l">
+            <a:pPr marL="457200" lvl="0" indent="-330200" algn="l" rtl="0">
               <a:spcBef>
                 <a:spcPts val="1000"/>
               </a:spcBef>
@@ -10352,7 +10593,7 @@
             <a:endParaRPr/>
           </a:p>
           <a:p>
-            <a:pPr indent="-330200" lvl="0" marL="457200" rtl="0" algn="l">
+            <a:pPr marL="457200" lvl="0" indent="-330200" algn="l" rtl="0">
               <a:spcBef>
                 <a:spcPts val="1000"/>
               </a:spcBef>
@@ -10373,7 +10614,7 @@
             <a:endParaRPr/>
           </a:p>
           <a:p>
-            <a:pPr indent="-330200" lvl="0" marL="457200" rtl="0" algn="l">
+            <a:pPr marL="457200" lvl="0" indent="-330200" algn="l" rtl="0">
               <a:spcBef>
                 <a:spcPts val="1000"/>
               </a:spcBef>
@@ -10394,7 +10635,7 @@
             <a:endParaRPr/>
           </a:p>
           <a:p>
-            <a:pPr indent="-330200" lvl="0" marL="457200" rtl="0" algn="l">
+            <a:pPr marL="457200" lvl="0" indent="-330200" algn="l" rtl="0">
               <a:spcBef>
                 <a:spcPts val="1000"/>
               </a:spcBef>
@@ -10415,7 +10656,7 @@
             <a:endParaRPr/>
           </a:p>
           <a:p>
-            <a:pPr indent="-342900" lvl="0" marL="457200" rtl="0" algn="l">
+            <a:pPr marL="457200" lvl="0" indent="-342900" algn="l" rtl="0">
               <a:spcBef>
                 <a:spcPts val="1000"/>
               </a:spcBef>
@@ -10436,7 +10677,7 @@
             <a:endParaRPr/>
           </a:p>
           <a:p>
-            <a:pPr indent="-330200" lvl="0" marL="457200" rtl="0" algn="l">
+            <a:pPr marL="457200" lvl="0" indent="-330200" algn="l" rtl="0">
               <a:spcBef>
                 <a:spcPts val="1000"/>
               </a:spcBef>
@@ -10457,7 +10698,7 @@
             <a:endParaRPr/>
           </a:p>
           <a:p>
-            <a:pPr indent="-342900" lvl="0" marL="457200" rtl="0" algn="l">
+            <a:pPr marL="457200" lvl="0" indent="-342900" algn="l" rtl="0">
               <a:spcBef>
                 <a:spcPts val="1000"/>
               </a:spcBef>
@@ -10488,11 +10729,11 @@
 </file>
 
 <file path=ppt/slides/slide6.xml><?xml version="1.0" encoding="utf-8"?>
-<p:sld xmlns:a="http://schemas.openxmlformats.org/drawingml/2006/main" xmlns:r="http://schemas.openxmlformats.org/officeDocument/2006/relationships" xmlns:mc="http://schemas.openxmlformats.org/markup-compatibility/2006" xmlns:mv="urn:schemas-microsoft-com:mac:vml" xmlns:p="http://schemas.openxmlformats.org/presentationml/2006/main" xmlns:c="http://schemas.openxmlformats.org/drawingml/2006/chart" xmlns:dgm="http://schemas.openxmlformats.org/drawingml/2006/diagram" xmlns:o="urn:schemas-microsoft-com:office:office" xmlns:v="urn:schemas-microsoft-com:vml" xmlns:pvml="urn:schemas-microsoft-com:office:powerpoint" xmlns:com="http://schemas.openxmlformats.org/drawingml/2006/compatibility" xmlns:p14="http://schemas.microsoft.com/office/powerpoint/2010/main" xmlns:p15="http://schemas.microsoft.com/office/powerpoint/2012/main" xmlns:ahyp="http://schemas.microsoft.com/office/drawing/2018/hyperlinkcolor">
+<p:sld xmlns:a="http://schemas.openxmlformats.org/drawingml/2006/main" xmlns:r="http://schemas.openxmlformats.org/officeDocument/2006/relationships" xmlns:p="http://schemas.openxmlformats.org/presentationml/2006/main">
   <p:cSld>
     <p:spTree>
       <p:nvGrpSpPr>
-        <p:cNvPr id="84" name="Shape 84"/>
+        <p:cNvPr id="1" name="Shape 84"/>
         <p:cNvGrpSpPr/>
         <p:nvPr/>
       </p:nvGrpSpPr>
@@ -10507,7 +10748,9 @@
       <p:sp>
         <p:nvSpPr>
           <p:cNvPr id="85" name="Google Shape;85;p18"/>
-          <p:cNvSpPr txBox="1"/>
+          <p:cNvSpPr txBox="1">
+            <a:spLocks noGrp="1"/>
+          </p:cNvSpPr>
           <p:nvPr>
             <p:ph type="title"/>
           </p:nvPr>
@@ -10522,12 +10765,12 @@
           </a:prstGeom>
         </p:spPr>
         <p:txBody>
-          <a:bodyPr anchorCtr="0" anchor="t" bIns="91425" lIns="91425" spcFirstLastPara="1" rIns="91425" wrap="square" tIns="91425">
+          <a:bodyPr spcFirstLastPara="1" wrap="square" lIns="91425" tIns="91425" rIns="91425" bIns="91425" anchor="t" anchorCtr="0">
             <a:normAutofit fontScale="90000"/>
           </a:bodyPr>
           <a:lstStyle/>
           <a:p>
-            <a:pPr indent="0" lvl="0" marL="0" rtl="0" algn="l">
+            <a:pPr marL="0" lvl="0" indent="0" algn="l" rtl="0">
               <a:spcBef>
                 <a:spcPts val="0"/>
               </a:spcBef>
@@ -10547,9 +10790,11 @@
       <p:sp>
         <p:nvSpPr>
           <p:cNvPr id="86" name="Google Shape;86;p18"/>
-          <p:cNvSpPr txBox="1"/>
+          <p:cNvSpPr txBox="1">
+            <a:spLocks noGrp="1"/>
+          </p:cNvSpPr>
           <p:nvPr>
-            <p:ph idx="1" type="body"/>
+            <p:ph type="body" idx="1"/>
           </p:nvPr>
         </p:nvSpPr>
         <p:spPr>
@@ -10562,23 +10807,20 @@
           </a:prstGeom>
         </p:spPr>
         <p:txBody>
-          <a:bodyPr anchorCtr="0" anchor="t" bIns="91425" lIns="91425" spcFirstLastPara="1" rIns="91425" wrap="square" tIns="91425">
+          <a:bodyPr spcFirstLastPara="1" wrap="square" lIns="91425" tIns="91425" rIns="91425" bIns="91425" anchor="t" anchorCtr="0">
             <a:normAutofit/>
           </a:bodyPr>
           <a:lstStyle/>
           <a:p>
-            <a:pPr indent="0" lvl="0" marL="0" rtl="0" algn="l">
-              <a:spcBef>
-                <a:spcPts val="0"/>
-              </a:spcBef>
-              <a:spcAft>
-                <a:spcPts val="0"/>
-              </a:spcAft>
-              <a:buNone/>
-            </a:pPr>
-            <a:r>
-              <a:t/>
-            </a:r>
+            <a:pPr marL="0" lvl="0" indent="0" algn="l" rtl="0">
+              <a:spcBef>
+                <a:spcPts val="0"/>
+              </a:spcBef>
+              <a:spcAft>
+                <a:spcPts val="0"/>
+              </a:spcAft>
+              <a:buNone/>
+            </a:pPr>
             <a:endParaRPr/>
           </a:p>
         </p:txBody>
@@ -10592,11 +10834,11 @@
 </file>
 
 <file path=ppt/slides/slide7.xml><?xml version="1.0" encoding="utf-8"?>
-<p:sld xmlns:a="http://schemas.openxmlformats.org/drawingml/2006/main" xmlns:r="http://schemas.openxmlformats.org/officeDocument/2006/relationships" xmlns:mc="http://schemas.openxmlformats.org/markup-compatibility/2006" xmlns:mv="urn:schemas-microsoft-com:mac:vml" xmlns:p="http://schemas.openxmlformats.org/presentationml/2006/main" xmlns:c="http://schemas.openxmlformats.org/drawingml/2006/chart" xmlns:dgm="http://schemas.openxmlformats.org/drawingml/2006/diagram" xmlns:o="urn:schemas-microsoft-com:office:office" xmlns:v="urn:schemas-microsoft-com:vml" xmlns:pvml="urn:schemas-microsoft-com:office:powerpoint" xmlns:com="http://schemas.openxmlformats.org/drawingml/2006/compatibility" xmlns:p14="http://schemas.microsoft.com/office/powerpoint/2010/main" xmlns:p15="http://schemas.microsoft.com/office/powerpoint/2012/main" xmlns:ahyp="http://schemas.microsoft.com/office/drawing/2018/hyperlinkcolor">
+<p:sld xmlns:a="http://schemas.openxmlformats.org/drawingml/2006/main" xmlns:r="http://schemas.openxmlformats.org/officeDocument/2006/relationships" xmlns:p="http://schemas.openxmlformats.org/presentationml/2006/main">
   <p:cSld>
     <p:spTree>
       <p:nvGrpSpPr>
-        <p:cNvPr id="90" name="Shape 90"/>
+        <p:cNvPr id="1" name="Shape 90"/>
         <p:cNvGrpSpPr/>
         <p:nvPr/>
       </p:nvGrpSpPr>
@@ -10611,7 +10853,9 @@
       <p:sp>
         <p:nvSpPr>
           <p:cNvPr id="91" name="Google Shape;91;p19"/>
-          <p:cNvSpPr txBox="1"/>
+          <p:cNvSpPr txBox="1">
+            <a:spLocks noGrp="1"/>
+          </p:cNvSpPr>
           <p:nvPr>
             <p:ph type="title"/>
           </p:nvPr>
@@ -10626,12 +10870,12 @@
           </a:prstGeom>
         </p:spPr>
         <p:txBody>
-          <a:bodyPr anchorCtr="0" anchor="t" bIns="91425" lIns="91425" spcFirstLastPara="1" rIns="91425" wrap="square" tIns="91425">
+          <a:bodyPr spcFirstLastPara="1" wrap="square" lIns="91425" tIns="91425" rIns="91425" bIns="91425" anchor="t" anchorCtr="0">
             <a:normAutofit fontScale="90000"/>
           </a:bodyPr>
           <a:lstStyle/>
           <a:p>
-            <a:pPr indent="0" lvl="0" marL="0" rtl="0" algn="l">
+            <a:pPr marL="0" lvl="0" indent="0" algn="l" rtl="0">
               <a:spcBef>
                 <a:spcPts val="0"/>
               </a:spcBef>
@@ -10651,9 +10895,11 @@
       <p:sp>
         <p:nvSpPr>
           <p:cNvPr id="92" name="Google Shape;92;p19"/>
-          <p:cNvSpPr txBox="1"/>
+          <p:cNvSpPr txBox="1">
+            <a:spLocks noGrp="1"/>
+          </p:cNvSpPr>
           <p:nvPr>
-            <p:ph idx="1" type="body"/>
+            <p:ph type="body" idx="1"/>
           </p:nvPr>
         </p:nvSpPr>
         <p:spPr>
@@ -10666,12 +10912,12 @@
           </a:prstGeom>
         </p:spPr>
         <p:txBody>
-          <a:bodyPr anchorCtr="0" anchor="t" bIns="91425" lIns="91425" spcFirstLastPara="1" rIns="91425" wrap="square" tIns="91425">
+          <a:bodyPr spcFirstLastPara="1" wrap="square" lIns="91425" tIns="91425" rIns="91425" bIns="91425" anchor="t" anchorCtr="0">
             <a:normAutofit/>
           </a:bodyPr>
           <a:lstStyle/>
           <a:p>
-            <a:pPr indent="-342900" lvl="0" marL="457200" rtl="0" algn="l">
+            <a:pPr marL="457200" lvl="0" indent="-342900" algn="l" rtl="0">
               <a:spcBef>
                 <a:spcPts val="0"/>
               </a:spcBef>
@@ -10689,7 +10935,7 @@
             <a:endParaRPr/>
           </a:p>
           <a:p>
-            <a:pPr indent="-342900" lvl="0" marL="457200" rtl="0" algn="l">
+            <a:pPr marL="457200" lvl="0" indent="-342900" algn="l" rtl="0">
               <a:spcBef>
                 <a:spcPts val="1000"/>
               </a:spcBef>
@@ -10704,7 +10950,7 @@
               <a:buAutoNum type="arabicPeriod"/>
             </a:pPr>
             <a:r>
-              <a:rPr b="1" lang="en">
+              <a:rPr lang="en" b="1">
                 <a:solidFill>
                   <a:schemeClr val="accent1"/>
                 </a:solidFill>
@@ -10718,7 +10964,7 @@
             </a:endParaRPr>
           </a:p>
           <a:p>
-            <a:pPr indent="-342900" lvl="0" marL="457200" rtl="0" algn="l">
+            <a:pPr marL="457200" lvl="0" indent="-342900" algn="l" rtl="0">
               <a:spcBef>
                 <a:spcPts val="1000"/>
               </a:spcBef>
@@ -10736,7 +10982,7 @@
             <a:endParaRPr/>
           </a:p>
           <a:p>
-            <a:pPr indent="-342900" lvl="0" marL="457200" rtl="0" algn="l">
+            <a:pPr marL="457200" lvl="0" indent="-342900" algn="l" rtl="0">
               <a:spcBef>
                 <a:spcPts val="1000"/>
               </a:spcBef>
@@ -10764,11 +11010,11 @@
 </file>
 
 <file path=ppt/slides/slide8.xml><?xml version="1.0" encoding="utf-8"?>
-<p:sld xmlns:a="http://schemas.openxmlformats.org/drawingml/2006/main" xmlns:r="http://schemas.openxmlformats.org/officeDocument/2006/relationships" xmlns:mc="http://schemas.openxmlformats.org/markup-compatibility/2006" xmlns:mv="urn:schemas-microsoft-com:mac:vml" xmlns:p="http://schemas.openxmlformats.org/presentationml/2006/main" xmlns:c="http://schemas.openxmlformats.org/drawingml/2006/chart" xmlns:dgm="http://schemas.openxmlformats.org/drawingml/2006/diagram" xmlns:o="urn:schemas-microsoft-com:office:office" xmlns:v="urn:schemas-microsoft-com:vml" xmlns:pvml="urn:schemas-microsoft-com:office:powerpoint" xmlns:com="http://schemas.openxmlformats.org/drawingml/2006/compatibility" xmlns:p14="http://schemas.microsoft.com/office/powerpoint/2010/main" xmlns:p15="http://schemas.microsoft.com/office/powerpoint/2012/main" xmlns:ahyp="http://schemas.microsoft.com/office/drawing/2018/hyperlinkcolor">
+<p:sld xmlns:a="http://schemas.openxmlformats.org/drawingml/2006/main" xmlns:r="http://schemas.openxmlformats.org/officeDocument/2006/relationships" xmlns:p="http://schemas.openxmlformats.org/presentationml/2006/main">
   <p:cSld>
     <p:spTree>
       <p:nvGrpSpPr>
-        <p:cNvPr id="96" name="Shape 96"/>
+        <p:cNvPr id="1" name="Shape 96"/>
         <p:cNvGrpSpPr/>
         <p:nvPr/>
       </p:nvGrpSpPr>
@@ -10783,7 +11029,9 @@
       <p:sp>
         <p:nvSpPr>
           <p:cNvPr id="97" name="Google Shape;97;p20"/>
-          <p:cNvSpPr txBox="1"/>
+          <p:cNvSpPr txBox="1">
+            <a:spLocks noGrp="1"/>
+          </p:cNvSpPr>
           <p:nvPr>
             <p:ph type="title"/>
           </p:nvPr>
@@ -10798,12 +11046,12 @@
           </a:prstGeom>
         </p:spPr>
         <p:txBody>
-          <a:bodyPr anchorCtr="0" anchor="t" bIns="91425" lIns="91425" spcFirstLastPara="1" rIns="91425" wrap="square" tIns="91425">
+          <a:bodyPr spcFirstLastPara="1" wrap="square" lIns="91425" tIns="91425" rIns="91425" bIns="91425" anchor="t" anchorCtr="0">
             <a:normAutofit fontScale="90000"/>
           </a:bodyPr>
           <a:lstStyle/>
           <a:p>
-            <a:pPr indent="0" lvl="0" marL="0" rtl="0" algn="l">
+            <a:pPr marL="0" lvl="0" indent="0" algn="l" rtl="0">
               <a:spcBef>
                 <a:spcPts val="0"/>
               </a:spcBef>
@@ -10823,9 +11071,11 @@
       <p:sp>
         <p:nvSpPr>
           <p:cNvPr id="98" name="Google Shape;98;p20"/>
-          <p:cNvSpPr txBox="1"/>
+          <p:cNvSpPr txBox="1">
+            <a:spLocks noGrp="1"/>
+          </p:cNvSpPr>
           <p:nvPr>
-            <p:ph idx="1" type="body"/>
+            <p:ph type="body" idx="1"/>
           </p:nvPr>
         </p:nvSpPr>
         <p:spPr>
@@ -10838,12 +11088,12 @@
           </a:prstGeom>
         </p:spPr>
         <p:txBody>
-          <a:bodyPr anchorCtr="0" anchor="t" bIns="91425" lIns="91425" spcFirstLastPara="1" rIns="91425" wrap="square" tIns="91425">
+          <a:bodyPr spcFirstLastPara="1" wrap="square" lIns="91425" tIns="91425" rIns="91425" bIns="91425" anchor="t" anchorCtr="0">
             <a:normAutofit lnSpcReduction="10000"/>
           </a:bodyPr>
           <a:lstStyle/>
           <a:p>
-            <a:pPr indent="-342900" lvl="0" marL="457200" rtl="0" algn="l">
+            <a:pPr marL="457200" lvl="0" indent="-342900" algn="l" rtl="0">
               <a:spcBef>
                 <a:spcPts val="0"/>
               </a:spcBef>
@@ -10855,7 +11105,7 @@
               <a:buAutoNum type="arabicPeriod"/>
             </a:pPr>
             <a:r>
-              <a:rPr b="1" lang="en"/>
+              <a:rPr lang="en" b="1"/>
               <a:t>Online v. Offline</a:t>
             </a:r>
             <a:br>
@@ -10868,7 +11118,7 @@
             <a:endParaRPr/>
           </a:p>
           <a:p>
-            <a:pPr indent="-342900" lvl="0" marL="457200" rtl="0" algn="l">
+            <a:pPr marL="457200" lvl="0" indent="-342900" algn="l" rtl="0">
               <a:spcBef>
                 <a:spcPts val="1000"/>
               </a:spcBef>
@@ -10880,7 +11130,7 @@
               <a:buAutoNum type="arabicPeriod"/>
             </a:pPr>
             <a:r>
-              <a:rPr b="1" lang="en"/>
+              <a:rPr lang="en" b="1"/>
               <a:t>Voluntariness v. Involuntariness</a:t>
             </a:r>
             <a:br>
@@ -10893,7 +11143,7 @@
             <a:endParaRPr/>
           </a:p>
           <a:p>
-            <a:pPr indent="-342900" lvl="0" marL="457200" rtl="0" algn="l">
+            <a:pPr marL="457200" lvl="0" indent="-342900" algn="l" rtl="0">
               <a:spcBef>
                 <a:spcPts val="1000"/>
               </a:spcBef>
@@ -10905,7 +11155,7 @@
               <a:buAutoNum type="arabicPeriod"/>
             </a:pPr>
             <a:r>
-              <a:rPr b="1" lang="en"/>
+              <a:rPr lang="en" b="1"/>
               <a:t>Decentralization v. Centralization</a:t>
             </a:r>
             <a:br>
@@ -10918,7 +11168,7 @@
             <a:endParaRPr/>
           </a:p>
           <a:p>
-            <a:pPr indent="-342900" lvl="0" marL="457200" rtl="0" algn="l">
+            <a:pPr marL="457200" lvl="0" indent="-342900" algn="l" rtl="0">
               <a:spcBef>
                 <a:spcPts val="1000"/>
               </a:spcBef>
@@ -10930,7 +11180,7 @@
               <a:buAutoNum type="arabicPeriod"/>
             </a:pPr>
             <a:r>
-              <a:rPr b="1" lang="en"/>
+              <a:rPr lang="en" b="1"/>
               <a:t>“Disruption” v. More of the Same</a:t>
             </a:r>
             <a:br>
@@ -10953,11 +11203,11 @@
 </file>
 
 <file path=ppt/slides/slide9.xml><?xml version="1.0" encoding="utf-8"?>
-<p:sld xmlns:a="http://schemas.openxmlformats.org/drawingml/2006/main" xmlns:r="http://schemas.openxmlformats.org/officeDocument/2006/relationships" xmlns:mc="http://schemas.openxmlformats.org/markup-compatibility/2006" xmlns:mv="urn:schemas-microsoft-com:mac:vml" xmlns:p="http://schemas.openxmlformats.org/presentationml/2006/main" xmlns:c="http://schemas.openxmlformats.org/drawingml/2006/chart" xmlns:dgm="http://schemas.openxmlformats.org/drawingml/2006/diagram" xmlns:o="urn:schemas-microsoft-com:office:office" xmlns:v="urn:schemas-microsoft-com:vml" xmlns:pvml="urn:schemas-microsoft-com:office:powerpoint" xmlns:com="http://schemas.openxmlformats.org/drawingml/2006/compatibility" xmlns:p14="http://schemas.microsoft.com/office/powerpoint/2010/main" xmlns:p15="http://schemas.microsoft.com/office/powerpoint/2012/main" xmlns:ahyp="http://schemas.microsoft.com/office/drawing/2018/hyperlinkcolor">
+<p:sld xmlns:a="http://schemas.openxmlformats.org/drawingml/2006/main" xmlns:r="http://schemas.openxmlformats.org/officeDocument/2006/relationships" xmlns:p="http://schemas.openxmlformats.org/presentationml/2006/main">
   <p:cSld>
     <p:spTree>
       <p:nvGrpSpPr>
-        <p:cNvPr id="102" name="Shape 102"/>
+        <p:cNvPr id="1" name="Shape 102"/>
         <p:cNvGrpSpPr/>
         <p:nvPr/>
       </p:nvGrpSpPr>
@@ -10972,7 +11222,9 @@
       <p:sp>
         <p:nvSpPr>
           <p:cNvPr id="103" name="Google Shape;103;p21"/>
-          <p:cNvSpPr txBox="1"/>
+          <p:cNvSpPr txBox="1">
+            <a:spLocks noGrp="1"/>
+          </p:cNvSpPr>
           <p:nvPr>
             <p:ph type="title"/>
           </p:nvPr>
@@ -10987,12 +11239,12 @@
           </a:prstGeom>
         </p:spPr>
         <p:txBody>
-          <a:bodyPr anchorCtr="0" anchor="t" bIns="91425" lIns="91425" spcFirstLastPara="1" rIns="91425" wrap="square" tIns="91425">
+          <a:bodyPr spcFirstLastPara="1" wrap="square" lIns="91425" tIns="91425" rIns="91425" bIns="91425" anchor="t" anchorCtr="0">
             <a:normAutofit fontScale="90000"/>
           </a:bodyPr>
           <a:lstStyle/>
           <a:p>
-            <a:pPr indent="0" lvl="0" marL="0" rtl="0" algn="l">
+            <a:pPr marL="0" lvl="0" indent="0" algn="l" rtl="0">
               <a:spcBef>
                 <a:spcPts val="0"/>
               </a:spcBef>
@@ -11012,9 +11264,11 @@
       <p:sp>
         <p:nvSpPr>
           <p:cNvPr id="104" name="Google Shape;104;p21"/>
-          <p:cNvSpPr txBox="1"/>
+          <p:cNvSpPr txBox="1">
+            <a:spLocks noGrp="1"/>
+          </p:cNvSpPr>
           <p:nvPr>
-            <p:ph idx="1" type="body"/>
+            <p:ph type="body" idx="1"/>
           </p:nvPr>
         </p:nvSpPr>
         <p:spPr>
@@ -11027,12 +11281,12 @@
           </a:prstGeom>
         </p:spPr>
         <p:txBody>
-          <a:bodyPr anchorCtr="0" anchor="t" bIns="91425" lIns="91425" spcFirstLastPara="1" rIns="91425" wrap="square" tIns="91425">
+          <a:bodyPr spcFirstLastPara="1" wrap="square" lIns="91425" tIns="91425" rIns="91425" bIns="91425" anchor="t" anchorCtr="0">
             <a:normAutofit lnSpcReduction="10000"/>
           </a:bodyPr>
           <a:lstStyle/>
           <a:p>
-            <a:pPr indent="0" lvl="0" marL="0" rtl="0" algn="l">
+            <a:pPr marL="0" lvl="0" indent="0" algn="l" rtl="0">
               <a:spcBef>
                 <a:spcPts val="0"/>
               </a:spcBef>
@@ -11048,7 +11302,7 @@
             <a:endParaRPr/>
           </a:p>
           <a:p>
-            <a:pPr indent="-342900" lvl="0" marL="457200" rtl="0" algn="l">
+            <a:pPr marL="457200" lvl="0" indent="-342900" algn="l" rtl="0">
               <a:spcBef>
                 <a:spcPts val="1000"/>
               </a:spcBef>
@@ -11060,16 +11314,12 @@
             </a:pPr>
             <a:r>
               <a:rPr lang="en"/>
-              <a:t>T</a:t>
-            </a:r>
-            <a:r>
-              <a:rPr lang="en"/>
-              <a:t>he virtual world influences the material world. </a:t>
-            </a:r>
-            <a:endParaRPr/>
-          </a:p>
-          <a:p>
-            <a:pPr indent="-317500" lvl="1" marL="914400" rtl="0" algn="l">
+              <a:t>The virtual world influences the material world. </a:t>
+            </a:r>
+            <a:endParaRPr/>
+          </a:p>
+          <a:p>
+            <a:pPr marL="914400" lvl="1" indent="-317500" algn="l" rtl="0">
               <a:spcBef>
                 <a:spcPts val="1000"/>
               </a:spcBef>
@@ -11086,7 +11336,7 @@
             <a:endParaRPr/>
           </a:p>
           <a:p>
-            <a:pPr indent="-342900" lvl="0" marL="457200" rtl="0" algn="l">
+            <a:pPr marL="457200" lvl="0" indent="-342900" algn="l" rtl="0">
               <a:spcBef>
                 <a:spcPts val="1000"/>
               </a:spcBef>
@@ -11103,7 +11353,7 @@
             <a:endParaRPr/>
           </a:p>
           <a:p>
-            <a:pPr indent="-317500" lvl="1" marL="914400" rtl="0" algn="l">
+            <a:pPr marL="914400" lvl="1" indent="-317500" algn="l" rtl="0">
               <a:spcBef>
                 <a:spcPts val="1000"/>
               </a:spcBef>
@@ -11120,7 +11370,7 @@
             <a:endParaRPr/>
           </a:p>
           <a:p>
-            <a:pPr indent="-342900" lvl="0" marL="457200" rtl="0" algn="l">
+            <a:pPr marL="457200" lvl="0" indent="-342900" algn="l" rtl="0">
               <a:spcBef>
                 <a:spcPts val="1000"/>
               </a:spcBef>
@@ -11137,7 +11387,7 @@
             <a:endParaRPr/>
           </a:p>
           <a:p>
-            <a:pPr indent="-317500" lvl="1" marL="914400" rtl="0" algn="l">
+            <a:pPr marL="914400" lvl="1" indent="-317500" algn="l" rtl="0">
               <a:spcBef>
                 <a:spcPts val="1000"/>
               </a:spcBef>
@@ -11164,7 +11414,288 @@
 </file>
 
 <file path=ppt/theme/theme1.xml><?xml version="1.0" encoding="utf-8"?>
-<a:theme xmlns:a="http://schemas.openxmlformats.org/drawingml/2006/main" xmlns:r="http://schemas.openxmlformats.org/officeDocument/2006/relationships">
+<a:theme xmlns:a="http://schemas.openxmlformats.org/drawingml/2006/main" name="UNCA Theme">
+  <a:themeElements>
+    <a:clrScheme name="Simple Light">
+      <a:dk1>
+        <a:srgbClr val="000000"/>
+      </a:dk1>
+      <a:lt1>
+        <a:srgbClr val="FFFFFF"/>
+      </a:lt1>
+      <a:dk2>
+        <a:srgbClr val="595959"/>
+      </a:dk2>
+      <a:lt2>
+        <a:srgbClr val="EEEEEE"/>
+      </a:lt2>
+      <a:accent1>
+        <a:srgbClr val="4285F4"/>
+      </a:accent1>
+      <a:accent2>
+        <a:srgbClr val="212121"/>
+      </a:accent2>
+      <a:accent3>
+        <a:srgbClr val="78909C"/>
+      </a:accent3>
+      <a:accent4>
+        <a:srgbClr val="FFAB40"/>
+      </a:accent4>
+      <a:accent5>
+        <a:srgbClr val="0097A7"/>
+      </a:accent5>
+      <a:accent6>
+        <a:srgbClr val="EEFF41"/>
+      </a:accent6>
+      <a:hlink>
+        <a:srgbClr val="0097A7"/>
+      </a:hlink>
+      <a:folHlink>
+        <a:srgbClr val="0097A7"/>
+      </a:folHlink>
+    </a:clrScheme>
+    <a:fontScheme name="Office">
+      <a:majorFont>
+        <a:latin typeface="Arial"/>
+        <a:ea typeface=""/>
+        <a:cs typeface=""/>
+        <a:font script="Jpan" typeface="ＭＳ Ｐゴシック"/>
+        <a:font script="Hang" typeface="맑은 고딕"/>
+        <a:font script="Hans" typeface="宋体"/>
+        <a:font script="Hant" typeface="新細明體"/>
+        <a:font script="Arab" typeface="Times New Roman"/>
+        <a:font script="Hebr" typeface="Times New Roman"/>
+        <a:font script="Thai" typeface="Angsana New"/>
+        <a:font script="Ethi" typeface="Nyala"/>
+        <a:font script="Beng" typeface="Vrinda"/>
+        <a:font script="Gujr" typeface="Shruti"/>
+        <a:font script="Khmr" typeface="MoolBoran"/>
+        <a:font script="Knda" typeface="Tunga"/>
+        <a:font script="Guru" typeface="Raavi"/>
+        <a:font script="Cans" typeface="Euphemia"/>
+        <a:font script="Cher" typeface="Plantagenet Cherokee"/>
+        <a:font script="Yiii" typeface="Microsoft Yi Baiti"/>
+        <a:font script="Tibt" typeface="Microsoft Himalaya"/>
+        <a:font script="Thaa" typeface="MV Boli"/>
+        <a:font script="Deva" typeface="Mangal"/>
+        <a:font script="Telu" typeface="Gautami"/>
+        <a:font script="Taml" typeface="Latha"/>
+        <a:font script="Syrc" typeface="Estrangelo Edessa"/>
+        <a:font script="Orya" typeface="Kalinga"/>
+        <a:font script="Mlym" typeface="Kartika"/>
+        <a:font script="Laoo" typeface="DokChampa"/>
+        <a:font script="Sinh" typeface="Iskoola Pota"/>
+        <a:font script="Mong" typeface="Mongolian Baiti"/>
+        <a:font script="Viet" typeface="Times New Roman"/>
+        <a:font script="Uigh" typeface="Microsoft Uighur"/>
+        <a:font script="Geor" typeface="Sylfaen"/>
+      </a:majorFont>
+      <a:minorFont>
+        <a:latin typeface="Arial"/>
+        <a:ea typeface=""/>
+        <a:cs typeface=""/>
+        <a:font script="Jpan" typeface="ＭＳ Ｐゴシック"/>
+        <a:font script="Hang" typeface="맑은 고딕"/>
+        <a:font script="Hans" typeface="宋体"/>
+        <a:font script="Hant" typeface="新細明體"/>
+        <a:font script="Arab" typeface="Arial"/>
+        <a:font script="Hebr" typeface="Arial"/>
+        <a:font script="Thai" typeface="Cordia New"/>
+        <a:font script="Ethi" typeface="Nyala"/>
+        <a:font script="Beng" typeface="Vrinda"/>
+        <a:font script="Gujr" typeface="Shruti"/>
+        <a:font script="Khmr" typeface="DaunPenh"/>
+        <a:font script="Knda" typeface="Tunga"/>
+        <a:font script="Guru" typeface="Raavi"/>
+        <a:font script="Cans" typeface="Euphemia"/>
+        <a:font script="Cher" typeface="Plantagenet Cherokee"/>
+        <a:font script="Yiii" typeface="Microsoft Yi Baiti"/>
+        <a:font script="Tibt" typeface="Microsoft Himalaya"/>
+        <a:font script="Thaa" typeface="MV Boli"/>
+        <a:font script="Deva" typeface="Mangal"/>
+        <a:font script="Telu" typeface="Gautami"/>
+        <a:font script="Taml" typeface="Latha"/>
+        <a:font script="Syrc" typeface="Estrangelo Edessa"/>
+        <a:font script="Orya" typeface="Kalinga"/>
+        <a:font script="Mlym" typeface="Kartika"/>
+        <a:font script="Laoo" typeface="DokChampa"/>
+        <a:font script="Sinh" typeface="Iskoola Pota"/>
+        <a:font script="Mong" typeface="Mongolian Baiti"/>
+        <a:font script="Viet" typeface="Arial"/>
+        <a:font script="Uigh" typeface="Microsoft Uighur"/>
+        <a:font script="Geor" typeface="Sylfaen"/>
+      </a:minorFont>
+    </a:fontScheme>
+    <a:fmtScheme name="Office">
+      <a:fillStyleLst>
+        <a:solidFill>
+          <a:schemeClr val="phClr"/>
+        </a:solidFill>
+        <a:gradFill rotWithShape="1">
+          <a:gsLst>
+            <a:gs pos="0">
+              <a:schemeClr val="phClr">
+                <a:tint val="50000"/>
+                <a:satMod val="300000"/>
+              </a:schemeClr>
+            </a:gs>
+            <a:gs pos="35000">
+              <a:schemeClr val="phClr">
+                <a:tint val="37000"/>
+                <a:satMod val="300000"/>
+              </a:schemeClr>
+            </a:gs>
+            <a:gs pos="100000">
+              <a:schemeClr val="phClr">
+                <a:tint val="15000"/>
+                <a:satMod val="350000"/>
+              </a:schemeClr>
+            </a:gs>
+          </a:gsLst>
+          <a:lin ang="16200000" scaled="1"/>
+        </a:gradFill>
+        <a:gradFill rotWithShape="1">
+          <a:gsLst>
+            <a:gs pos="0">
+              <a:schemeClr val="phClr">
+                <a:tint val="100000"/>
+                <a:shade val="100000"/>
+                <a:satMod val="130000"/>
+              </a:schemeClr>
+            </a:gs>
+            <a:gs pos="100000">
+              <a:schemeClr val="phClr">
+                <a:tint val="50000"/>
+                <a:shade val="100000"/>
+                <a:satMod val="350000"/>
+              </a:schemeClr>
+            </a:gs>
+          </a:gsLst>
+          <a:lin ang="16200000" scaled="0"/>
+        </a:gradFill>
+      </a:fillStyleLst>
+      <a:lnStyleLst>
+        <a:ln w="9525" cap="flat" cmpd="sng" algn="ctr">
+          <a:solidFill>
+            <a:schemeClr val="phClr">
+              <a:shade val="95000"/>
+              <a:satMod val="105000"/>
+            </a:schemeClr>
+          </a:solidFill>
+          <a:prstDash val="solid"/>
+        </a:ln>
+        <a:ln w="25400" cap="flat" cmpd="sng" algn="ctr">
+          <a:solidFill>
+            <a:schemeClr val="phClr"/>
+          </a:solidFill>
+          <a:prstDash val="solid"/>
+        </a:ln>
+        <a:ln w="38100" cap="flat" cmpd="sng" algn="ctr">
+          <a:solidFill>
+            <a:schemeClr val="phClr"/>
+          </a:solidFill>
+          <a:prstDash val="solid"/>
+        </a:ln>
+      </a:lnStyleLst>
+      <a:effectStyleLst>
+        <a:effectStyle>
+          <a:effectLst>
+            <a:outerShdw blurRad="40000" dist="20000" dir="5400000" rotWithShape="0">
+              <a:srgbClr val="000000">
+                <a:alpha val="38000"/>
+              </a:srgbClr>
+            </a:outerShdw>
+          </a:effectLst>
+        </a:effectStyle>
+        <a:effectStyle>
+          <a:effectLst>
+            <a:outerShdw blurRad="40000" dist="23000" dir="5400000" rotWithShape="0">
+              <a:srgbClr val="000000">
+                <a:alpha val="35000"/>
+              </a:srgbClr>
+            </a:outerShdw>
+          </a:effectLst>
+        </a:effectStyle>
+        <a:effectStyle>
+          <a:effectLst>
+            <a:outerShdw blurRad="40000" dist="23000" dir="5400000" rotWithShape="0">
+              <a:srgbClr val="000000">
+                <a:alpha val="35000"/>
+              </a:srgbClr>
+            </a:outerShdw>
+          </a:effectLst>
+          <a:scene3d>
+            <a:camera prst="orthographicFront">
+              <a:rot lat="0" lon="0" rev="0"/>
+            </a:camera>
+            <a:lightRig rig="threePt" dir="t">
+              <a:rot lat="0" lon="0" rev="1200000"/>
+            </a:lightRig>
+          </a:scene3d>
+          <a:sp3d>
+            <a:bevelT w="63500" h="25400"/>
+          </a:sp3d>
+        </a:effectStyle>
+      </a:effectStyleLst>
+      <a:bgFillStyleLst>
+        <a:solidFill>
+          <a:schemeClr val="phClr"/>
+        </a:solidFill>
+        <a:gradFill rotWithShape="1">
+          <a:gsLst>
+            <a:gs pos="0">
+              <a:schemeClr val="phClr">
+                <a:tint val="40000"/>
+                <a:satMod val="350000"/>
+              </a:schemeClr>
+            </a:gs>
+            <a:gs pos="40000">
+              <a:schemeClr val="phClr">
+                <a:tint val="45000"/>
+                <a:shade val="99000"/>
+                <a:satMod val="350000"/>
+              </a:schemeClr>
+            </a:gs>
+            <a:gs pos="100000">
+              <a:schemeClr val="phClr">
+                <a:shade val="20000"/>
+                <a:satMod val="255000"/>
+              </a:schemeClr>
+            </a:gs>
+          </a:gsLst>
+          <a:path path="circle">
+            <a:fillToRect l="50000" t="-80000" r="50000" b="180000"/>
+          </a:path>
+        </a:gradFill>
+        <a:gradFill rotWithShape="1">
+          <a:gsLst>
+            <a:gs pos="0">
+              <a:schemeClr val="phClr">
+                <a:tint val="80000"/>
+                <a:satMod val="300000"/>
+              </a:schemeClr>
+            </a:gs>
+            <a:gs pos="100000">
+              <a:schemeClr val="phClr">
+                <a:shade val="30000"/>
+                <a:satMod val="200000"/>
+              </a:schemeClr>
+            </a:gs>
+          </a:gsLst>
+          <a:path path="circle">
+            <a:fillToRect l="50000" t="50000" r="50000" b="50000"/>
+          </a:path>
+        </a:gradFill>
+      </a:bgFillStyleLst>
+    </a:fmtScheme>
+  </a:themeElements>
+  <a:objectDefaults/>
+  <a:extraClrSchemeLst/>
+</a:theme>
+</file>
+
+<file path=ppt/theme/theme2.xml><?xml version="1.0" encoding="utf-8"?>
+<a:theme xmlns:a="http://schemas.openxmlformats.org/drawingml/2006/main">
   <a:themeElements>
     <a:clrScheme name="Default">
       <a:dk1>
@@ -11439,284 +11970,7 @@
       </a:bgFillStyleLst>
     </a:fmtScheme>
   </a:themeElements>
-</a:theme>
-</file>
-
-<file path=ppt/theme/theme2.xml><?xml version="1.0" encoding="utf-8"?>
-<a:theme xmlns:a="http://schemas.openxmlformats.org/drawingml/2006/main" xmlns:r="http://schemas.openxmlformats.org/officeDocument/2006/relationships" name="UNCA Theme">
-  <a:themeElements>
-    <a:clrScheme name="Simple Light">
-      <a:dk1>
-        <a:srgbClr val="000000"/>
-      </a:dk1>
-      <a:lt1>
-        <a:srgbClr val="FFFFFF"/>
-      </a:lt1>
-      <a:dk2>
-        <a:srgbClr val="595959"/>
-      </a:dk2>
-      <a:lt2>
-        <a:srgbClr val="EEEEEE"/>
-      </a:lt2>
-      <a:accent1>
-        <a:srgbClr val="4285F4"/>
-      </a:accent1>
-      <a:accent2>
-        <a:srgbClr val="212121"/>
-      </a:accent2>
-      <a:accent3>
-        <a:srgbClr val="78909C"/>
-      </a:accent3>
-      <a:accent4>
-        <a:srgbClr val="FFAB40"/>
-      </a:accent4>
-      <a:accent5>
-        <a:srgbClr val="0097A7"/>
-      </a:accent5>
-      <a:accent6>
-        <a:srgbClr val="EEFF41"/>
-      </a:accent6>
-      <a:hlink>
-        <a:srgbClr val="0097A7"/>
-      </a:hlink>
-      <a:folHlink>
-        <a:srgbClr val="0097A7"/>
-      </a:folHlink>
-    </a:clrScheme>
-    <a:fontScheme name="Office">
-      <a:majorFont>
-        <a:latin typeface="Arial"/>
-        <a:ea typeface=""/>
-        <a:cs typeface=""/>
-        <a:font script="Jpan" typeface="ＭＳ Ｐゴシック"/>
-        <a:font script="Hang" typeface="맑은 고딕"/>
-        <a:font script="Hans" typeface="宋体"/>
-        <a:font script="Hant" typeface="新細明體"/>
-        <a:font script="Arab" typeface="Times New Roman"/>
-        <a:font script="Hebr" typeface="Times New Roman"/>
-        <a:font script="Thai" typeface="Angsana New"/>
-        <a:font script="Ethi" typeface="Nyala"/>
-        <a:font script="Beng" typeface="Vrinda"/>
-        <a:font script="Gujr" typeface="Shruti"/>
-        <a:font script="Khmr" typeface="MoolBoran"/>
-        <a:font script="Knda" typeface="Tunga"/>
-        <a:font script="Guru" typeface="Raavi"/>
-        <a:font script="Cans" typeface="Euphemia"/>
-        <a:font script="Cher" typeface="Plantagenet Cherokee"/>
-        <a:font script="Yiii" typeface="Microsoft Yi Baiti"/>
-        <a:font script="Tibt" typeface="Microsoft Himalaya"/>
-        <a:font script="Thaa" typeface="MV Boli"/>
-        <a:font script="Deva" typeface="Mangal"/>
-        <a:font script="Telu" typeface="Gautami"/>
-        <a:font script="Taml" typeface="Latha"/>
-        <a:font script="Syrc" typeface="Estrangelo Edessa"/>
-        <a:font script="Orya" typeface="Kalinga"/>
-        <a:font script="Mlym" typeface="Kartika"/>
-        <a:font script="Laoo" typeface="DokChampa"/>
-        <a:font script="Sinh" typeface="Iskoola Pota"/>
-        <a:font script="Mong" typeface="Mongolian Baiti"/>
-        <a:font script="Viet" typeface="Times New Roman"/>
-        <a:font script="Uigh" typeface="Microsoft Uighur"/>
-        <a:font script="Geor" typeface="Sylfaen"/>
-      </a:majorFont>
-      <a:minorFont>
-        <a:latin typeface="Arial"/>
-        <a:ea typeface=""/>
-        <a:cs typeface=""/>
-        <a:font script="Jpan" typeface="ＭＳ Ｐゴシック"/>
-        <a:font script="Hang" typeface="맑은 고딕"/>
-        <a:font script="Hans" typeface="宋体"/>
-        <a:font script="Hant" typeface="新細明體"/>
-        <a:font script="Arab" typeface="Arial"/>
-        <a:font script="Hebr" typeface="Arial"/>
-        <a:font script="Thai" typeface="Cordia New"/>
-        <a:font script="Ethi" typeface="Nyala"/>
-        <a:font script="Beng" typeface="Vrinda"/>
-        <a:font script="Gujr" typeface="Shruti"/>
-        <a:font script="Khmr" typeface="DaunPenh"/>
-        <a:font script="Knda" typeface="Tunga"/>
-        <a:font script="Guru" typeface="Raavi"/>
-        <a:font script="Cans" typeface="Euphemia"/>
-        <a:font script="Cher" typeface="Plantagenet Cherokee"/>
-        <a:font script="Yiii" typeface="Microsoft Yi Baiti"/>
-        <a:font script="Tibt" typeface="Microsoft Himalaya"/>
-        <a:font script="Thaa" typeface="MV Boli"/>
-        <a:font script="Deva" typeface="Mangal"/>
-        <a:font script="Telu" typeface="Gautami"/>
-        <a:font script="Taml" typeface="Latha"/>
-        <a:font script="Syrc" typeface="Estrangelo Edessa"/>
-        <a:font script="Orya" typeface="Kalinga"/>
-        <a:font script="Mlym" typeface="Kartika"/>
-        <a:font script="Laoo" typeface="DokChampa"/>
-        <a:font script="Sinh" typeface="Iskoola Pota"/>
-        <a:font script="Mong" typeface="Mongolian Baiti"/>
-        <a:font script="Viet" typeface="Arial"/>
-        <a:font script="Uigh" typeface="Microsoft Uighur"/>
-        <a:font script="Geor" typeface="Sylfaen"/>
-      </a:minorFont>
-    </a:fontScheme>
-    <a:fmtScheme name="Office">
-      <a:fillStyleLst>
-        <a:solidFill>
-          <a:schemeClr val="phClr"/>
-        </a:solidFill>
-        <a:gradFill rotWithShape="1">
-          <a:gsLst>
-            <a:gs pos="0">
-              <a:schemeClr val="phClr">
-                <a:tint val="50000"/>
-                <a:satMod val="300000"/>
-              </a:schemeClr>
-            </a:gs>
-            <a:gs pos="35000">
-              <a:schemeClr val="phClr">
-                <a:tint val="37000"/>
-                <a:satMod val="300000"/>
-              </a:schemeClr>
-            </a:gs>
-            <a:gs pos="100000">
-              <a:schemeClr val="phClr">
-                <a:tint val="15000"/>
-                <a:satMod val="350000"/>
-              </a:schemeClr>
-            </a:gs>
-          </a:gsLst>
-          <a:lin ang="16200000" scaled="1"/>
-        </a:gradFill>
-        <a:gradFill rotWithShape="1">
-          <a:gsLst>
-            <a:gs pos="0">
-              <a:schemeClr val="phClr">
-                <a:tint val="100000"/>
-                <a:shade val="100000"/>
-                <a:satMod val="130000"/>
-              </a:schemeClr>
-            </a:gs>
-            <a:gs pos="100000">
-              <a:schemeClr val="phClr">
-                <a:tint val="50000"/>
-                <a:shade val="100000"/>
-                <a:satMod val="350000"/>
-              </a:schemeClr>
-            </a:gs>
-          </a:gsLst>
-          <a:lin ang="16200000" scaled="0"/>
-        </a:gradFill>
-      </a:fillStyleLst>
-      <a:lnStyleLst>
-        <a:ln w="9525" cap="flat" cmpd="sng" algn="ctr">
-          <a:solidFill>
-            <a:schemeClr val="phClr">
-              <a:shade val="95000"/>
-              <a:satMod val="105000"/>
-            </a:schemeClr>
-          </a:solidFill>
-          <a:prstDash val="solid"/>
-        </a:ln>
-        <a:ln w="25400" cap="flat" cmpd="sng" algn="ctr">
-          <a:solidFill>
-            <a:schemeClr val="phClr"/>
-          </a:solidFill>
-          <a:prstDash val="solid"/>
-        </a:ln>
-        <a:ln w="38100" cap="flat" cmpd="sng" algn="ctr">
-          <a:solidFill>
-            <a:schemeClr val="phClr"/>
-          </a:solidFill>
-          <a:prstDash val="solid"/>
-        </a:ln>
-      </a:lnStyleLst>
-      <a:effectStyleLst>
-        <a:effectStyle>
-          <a:effectLst>
-            <a:outerShdw blurRad="40000" dist="20000" dir="5400000" rotWithShape="0">
-              <a:srgbClr val="000000">
-                <a:alpha val="38000"/>
-              </a:srgbClr>
-            </a:outerShdw>
-          </a:effectLst>
-        </a:effectStyle>
-        <a:effectStyle>
-          <a:effectLst>
-            <a:outerShdw blurRad="40000" dist="23000" dir="5400000" rotWithShape="0">
-              <a:srgbClr val="000000">
-                <a:alpha val="35000"/>
-              </a:srgbClr>
-            </a:outerShdw>
-          </a:effectLst>
-        </a:effectStyle>
-        <a:effectStyle>
-          <a:effectLst>
-            <a:outerShdw blurRad="40000" dist="23000" dir="5400000" rotWithShape="0">
-              <a:srgbClr val="000000">
-                <a:alpha val="35000"/>
-              </a:srgbClr>
-            </a:outerShdw>
-          </a:effectLst>
-          <a:scene3d>
-            <a:camera prst="orthographicFront">
-              <a:rot lat="0" lon="0" rev="0"/>
-            </a:camera>
-            <a:lightRig rig="threePt" dir="t">
-              <a:rot lat="0" lon="0" rev="1200000"/>
-            </a:lightRig>
-          </a:scene3d>
-          <a:sp3d>
-            <a:bevelT w="63500" h="25400"/>
-          </a:sp3d>
-        </a:effectStyle>
-      </a:effectStyleLst>
-      <a:bgFillStyleLst>
-        <a:solidFill>
-          <a:schemeClr val="phClr"/>
-        </a:solidFill>
-        <a:gradFill rotWithShape="1">
-          <a:gsLst>
-            <a:gs pos="0">
-              <a:schemeClr val="phClr">
-                <a:tint val="40000"/>
-                <a:satMod val="350000"/>
-              </a:schemeClr>
-            </a:gs>
-            <a:gs pos="40000">
-              <a:schemeClr val="phClr">
-                <a:tint val="45000"/>
-                <a:shade val="99000"/>
-                <a:satMod val="350000"/>
-              </a:schemeClr>
-            </a:gs>
-            <a:gs pos="100000">
-              <a:schemeClr val="phClr">
-                <a:shade val="20000"/>
-                <a:satMod val="255000"/>
-              </a:schemeClr>
-            </a:gs>
-          </a:gsLst>
-          <a:path path="circle">
-            <a:fillToRect l="50000" t="-80000" r="50000" b="180000"/>
-          </a:path>
-        </a:gradFill>
-        <a:gradFill rotWithShape="1">
-          <a:gsLst>
-            <a:gs pos="0">
-              <a:schemeClr val="phClr">
-                <a:tint val="80000"/>
-                <a:satMod val="300000"/>
-              </a:schemeClr>
-            </a:gs>
-            <a:gs pos="100000">
-              <a:schemeClr val="phClr">
-                <a:shade val="30000"/>
-                <a:satMod val="200000"/>
-              </a:schemeClr>
-            </a:gs>
-          </a:gsLst>
-          <a:path path="circle">
-            <a:fillToRect l="50000" t="50000" r="50000" b="50000"/>
-          </a:path>
-        </a:gradFill>
-      </a:bgFillStyleLst>
-    </a:fmtScheme>
-  </a:themeElements>
+  <a:objectDefaults/>
+  <a:extraClrSchemeLst/>
 </a:theme>
 </file>